--- a/The Others/Final.pptx
+++ b/The Others/Final.pptx
@@ -8,15 +8,22 @@
     <p:sldId id="256" r:id="rId2"/>
     <p:sldId id="257" r:id="rId3"/>
     <p:sldId id="259" r:id="rId4"/>
-    <p:sldId id="264" r:id="rId5"/>
-    <p:sldId id="272" r:id="rId6"/>
-    <p:sldId id="266" r:id="rId7"/>
-    <p:sldId id="267" r:id="rId8"/>
-    <p:sldId id="268" r:id="rId9"/>
-    <p:sldId id="269" r:id="rId10"/>
-    <p:sldId id="270" r:id="rId11"/>
-    <p:sldId id="260" r:id="rId12"/>
-    <p:sldId id="265" r:id="rId13"/>
+    <p:sldId id="282" r:id="rId5"/>
+    <p:sldId id="264" r:id="rId6"/>
+    <p:sldId id="272" r:id="rId7"/>
+    <p:sldId id="274" r:id="rId8"/>
+    <p:sldId id="275" r:id="rId9"/>
+    <p:sldId id="276" r:id="rId10"/>
+    <p:sldId id="269" r:id="rId11"/>
+    <p:sldId id="266" r:id="rId12"/>
+    <p:sldId id="268" r:id="rId13"/>
+    <p:sldId id="280" r:id="rId14"/>
+    <p:sldId id="277" r:id="rId15"/>
+    <p:sldId id="278" r:id="rId16"/>
+    <p:sldId id="279" r:id="rId17"/>
+    <p:sldId id="284" r:id="rId18"/>
+    <p:sldId id="283" r:id="rId19"/>
+    <p:sldId id="270" r:id="rId20"/>
   </p:sldIdLst>
   <p:sldSz cx="12192000" cy="6858000"/>
   <p:notesSz cx="6858000" cy="9144000"/>
@@ -2434,9 +2441,12 @@
 <p:sldMaster xmlns:a="http://schemas.openxmlformats.org/drawingml/2006/main" xmlns:r="http://schemas.openxmlformats.org/officeDocument/2006/relationships" xmlns:p="http://schemas.openxmlformats.org/presentationml/2006/main">
   <p:cSld>
     <p:bg>
-      <p:bgRef idx="1001">
-        <a:schemeClr val="bg1"/>
-      </p:bgRef>
+      <p:bgPr>
+        <a:solidFill>
+          <a:srgbClr val="EDF2F7"/>
+        </a:solidFill>
+        <a:effectLst/>
+      </p:bgPr>
     </p:bg>
     <p:spTree>
       <p:nvGrpSpPr>
@@ -3025,21 +3035,21 @@
         </p:nvSpPr>
         <p:spPr>
           <a:xfrm>
-            <a:off x="0" y="-3"/>
-            <a:ext cx="12192001" cy="6858003"/>
+            <a:off x="-1" y="17250"/>
+            <a:ext cx="12192002" cy="6858004"/>
           </a:xfrm>
           <a:prstGeom prst="rect">
             <a:avLst/>
           </a:prstGeom>
           <a:solidFill>
-            <a:schemeClr val="tx1">
+            <a:schemeClr val="accent1">
+              <a:lumMod val="20000"/>
+              <a:lumOff val="80000"/>
               <a:alpha val="70000"/>
             </a:schemeClr>
           </a:solidFill>
           <a:ln>
-            <a:solidFill>
-              <a:schemeClr val="tx1"/>
-            </a:solidFill>
+            <a:noFill/>
           </a:ln>
         </p:spPr>
         <p:style>
@@ -3069,136 +3079,14 @@
       </p:sp>
       <p:sp>
         <p:nvSpPr>
-          <p:cNvPr id="4" name="직각 삼각형 3"/>
-          <p:cNvSpPr/>
-          <p:nvPr/>
-        </p:nvSpPr>
-        <p:spPr>
-          <a:xfrm rot="16200000">
-            <a:off x="9051472" y="3717471"/>
-            <a:ext cx="3151414" cy="3129643"/>
-          </a:xfrm>
-          <a:prstGeom prst="rtTriangle">
-            <a:avLst/>
-          </a:prstGeom>
-          <a:solidFill>
-            <a:schemeClr val="accent2"/>
-          </a:solidFill>
-          <a:ln>
-            <a:solidFill>
-              <a:schemeClr val="accent2"/>
-            </a:solidFill>
-          </a:ln>
-        </p:spPr>
-        <p:style>
-          <a:lnRef idx="2">
-            <a:schemeClr val="accent1">
-              <a:shade val="50000"/>
-            </a:schemeClr>
-          </a:lnRef>
-          <a:fillRef idx="1">
-            <a:schemeClr val="accent1"/>
-          </a:fillRef>
-          <a:effectRef idx="0">
-            <a:schemeClr val="accent1"/>
-          </a:effectRef>
-          <a:fontRef idx="minor">
-            <a:schemeClr val="lt1"/>
-          </a:fontRef>
-        </p:style>
-        <p:txBody>
-          <a:bodyPr rtlCol="0" anchor="ctr"/>
-          <a:lstStyle/>
-          <a:p>
-            <a:pPr algn="ctr"/>
-            <a:endParaRPr lang="ko-KR" altLang="en-US" b="1">
-              <a:ln w="22225">
-                <a:solidFill>
-                  <a:schemeClr val="accent2"/>
-                </a:solidFill>
-                <a:prstDash val="solid"/>
-              </a:ln>
-              <a:solidFill>
-                <a:schemeClr val="accent2">
-                  <a:lumMod val="40000"/>
-                  <a:lumOff val="60000"/>
-                </a:schemeClr>
-              </a:solidFill>
-            </a:endParaRPr>
-          </a:p>
-        </p:txBody>
-      </p:sp>
-      <p:sp>
-        <p:nvSpPr>
-          <p:cNvPr id="5" name="직각 삼각형 4"/>
-          <p:cNvSpPr/>
-          <p:nvPr/>
-        </p:nvSpPr>
-        <p:spPr>
-          <a:xfrm rot="10800000">
-            <a:off x="10066565" y="-2"/>
-            <a:ext cx="2125436" cy="1665514"/>
-          </a:xfrm>
-          <a:prstGeom prst="rtTriangle">
-            <a:avLst/>
-          </a:prstGeom>
-          <a:solidFill>
-            <a:schemeClr val="accent2"/>
-          </a:solidFill>
-          <a:ln>
-            <a:solidFill>
-              <a:schemeClr val="accent2"/>
-            </a:solidFill>
-          </a:ln>
-        </p:spPr>
-        <p:style>
-          <a:lnRef idx="2">
-            <a:schemeClr val="accent1">
-              <a:shade val="50000"/>
-            </a:schemeClr>
-          </a:lnRef>
-          <a:fillRef idx="1">
-            <a:schemeClr val="accent1"/>
-          </a:fillRef>
-          <a:effectRef idx="0">
-            <a:schemeClr val="accent1"/>
-          </a:effectRef>
-          <a:fontRef idx="minor">
-            <a:schemeClr val="lt1"/>
-          </a:fontRef>
-        </p:style>
-        <p:txBody>
-          <a:bodyPr rtlCol="0" anchor="ctr"/>
-          <a:lstStyle/>
-          <a:p>
-            <a:pPr algn="ctr"/>
-            <a:endParaRPr lang="ko-KR" altLang="en-US" b="1">
-              <a:ln w="22225">
-                <a:solidFill>
-                  <a:schemeClr val="accent2"/>
-                </a:solidFill>
-                <a:prstDash val="solid"/>
-              </a:ln>
-              <a:solidFill>
-                <a:schemeClr val="accent2">
-                  <a:lumMod val="40000"/>
-                  <a:lumOff val="60000"/>
-                </a:schemeClr>
-              </a:solidFill>
-            </a:endParaRPr>
-          </a:p>
-        </p:txBody>
-      </p:sp>
-      <p:sp>
-        <p:nvSpPr>
           <p:cNvPr id="8" name="TextBox 7"/>
           <p:cNvSpPr txBox="1"/>
           <p:nvPr/>
         </p:nvSpPr>
         <p:spPr>
           <a:xfrm>
-            <a:off x="6236578" y="2406258"/>
-            <a:ext cx="4675414" cy="769441"/>
+            <a:off x="5593217" y="4662872"/>
+            <a:ext cx="6495267" cy="1015663"/>
           </a:xfrm>
           <a:prstGeom prst="rect">
             <a:avLst/>
@@ -3212,22 +3100,14 @@
           <a:lstStyle/>
           <a:p>
             <a:r>
-              <a:rPr lang="en-US" altLang="ko-KR" sz="4400" dirty="0" smtClean="0">
+              <a:rPr lang="ko-KR" altLang="en-US" sz="6000" dirty="0" smtClean="0">
                 <a:solidFill>
                   <a:schemeClr val="accent2"/>
                 </a:solidFill>
               </a:rPr>
-              <a:t>Open-Source </a:t>
-            </a:r>
-            <a:r>
-              <a:rPr lang="en-US" altLang="ko-KR" sz="4400" b="1" dirty="0" smtClean="0">
-                <a:solidFill>
-                  <a:schemeClr val="accent2"/>
-                </a:solidFill>
-              </a:rPr>
-              <a:t>SW</a:t>
-            </a:r>
-            <a:endParaRPr lang="ko-KR" altLang="en-US" sz="4400" b="1" dirty="0">
+              <a:t> </a:t>
+            </a:r>
+            <a:endParaRPr lang="ko-KR" altLang="en-US" sz="6000" b="1" dirty="0">
               <a:solidFill>
                 <a:schemeClr val="accent2"/>
               </a:solidFill>
@@ -3243,8 +3123,8 @@
         </p:nvSpPr>
         <p:spPr>
           <a:xfrm>
-            <a:off x="8471698" y="3175699"/>
-            <a:ext cx="2460215" cy="461665"/>
+            <a:off x="8230503" y="5678535"/>
+            <a:ext cx="3417826" cy="646331"/>
           </a:xfrm>
           <a:prstGeom prst="rect">
             <a:avLst/>
@@ -3258,24 +3138,79 @@
           <a:lstStyle/>
           <a:p>
             <a:r>
-              <a:rPr lang="en-US" altLang="ko-KR" sz="2400" dirty="0" smtClean="0">
-                <a:solidFill>
-                  <a:schemeClr val="bg1"/>
+              <a:rPr lang="en-US" altLang="ko-KR" sz="3600" dirty="0" smtClean="0">
+                <a:solidFill>
+                  <a:schemeClr val="tx1">
+                    <a:lumMod val="50000"/>
+                    <a:lumOff val="50000"/>
+                  </a:schemeClr>
                 </a:solidFill>
               </a:rPr>
               <a:t>#28 - </a:t>
             </a:r>
             <a:r>
-              <a:rPr lang="en-US" altLang="ko-KR" sz="2400" dirty="0" err="1" smtClean="0">
-                <a:solidFill>
-                  <a:schemeClr val="bg1"/>
+              <a:rPr lang="en-US" altLang="ko-KR" sz="3600" dirty="0" err="1" smtClean="0">
+                <a:solidFill>
+                  <a:schemeClr val="tx1">
+                    <a:lumMod val="50000"/>
+                    <a:lumOff val="50000"/>
+                  </a:schemeClr>
                 </a:solidFill>
               </a:rPr>
               <a:t>simpsons</a:t>
             </a:r>
-            <a:endParaRPr lang="ko-KR" altLang="en-US" sz="2400" dirty="0">
+            <a:endParaRPr lang="ko-KR" altLang="en-US" sz="3600" dirty="0">
               <a:solidFill>
-                <a:schemeClr val="bg1"/>
+                <a:schemeClr val="tx1">
+                  <a:lumMod val="50000"/>
+                  <a:lumOff val="50000"/>
+                </a:schemeClr>
+              </a:solidFill>
+            </a:endParaRPr>
+          </a:p>
+        </p:txBody>
+      </p:sp>
+      <p:sp>
+        <p:nvSpPr>
+          <p:cNvPr id="10" name="TextBox 9"/>
+          <p:cNvSpPr txBox="1"/>
+          <p:nvPr/>
+        </p:nvSpPr>
+        <p:spPr>
+          <a:xfrm>
+            <a:off x="4970566" y="4570539"/>
+            <a:ext cx="6969579" cy="1200329"/>
+          </a:xfrm>
+          <a:prstGeom prst="rect">
+            <a:avLst/>
+          </a:prstGeom>
+          <a:noFill/>
+        </p:spPr>
+        <p:txBody>
+          <a:bodyPr wrap="square" rtlCol="0">
+            <a:spAutoFit/>
+          </a:bodyPr>
+          <a:lstStyle/>
+          <a:p>
+            <a:r>
+              <a:rPr lang="en-US" altLang="ko-KR" sz="6000" dirty="0" smtClean="0">
+                <a:solidFill>
+                  <a:schemeClr val="accent2"/>
+                </a:solidFill>
+              </a:rPr>
+              <a:t>Open-Source </a:t>
+            </a:r>
+            <a:r>
+              <a:rPr lang="en-US" altLang="ko-KR" sz="7200" b="1" dirty="0" smtClean="0">
+                <a:solidFill>
+                  <a:schemeClr val="accent2"/>
+                </a:solidFill>
+              </a:rPr>
+              <a:t>SW</a:t>
+            </a:r>
+            <a:endParaRPr lang="ko-KR" altLang="en-US" sz="4800" b="1" dirty="0">
+              <a:solidFill>
+                <a:schemeClr val="accent2"/>
               </a:solidFill>
             </a:endParaRPr>
           </a:p>
@@ -3320,99 +3255,198 @@
       </p:grpSpPr>
       <p:sp>
         <p:nvSpPr>
-          <p:cNvPr id="4" name="직사각형 3"/>
-          <p:cNvSpPr/>
-          <p:nvPr/>
-        </p:nvSpPr>
-        <p:spPr>
-          <a:xfrm>
-            <a:off x="0" y="-3"/>
-            <a:ext cx="12192001" cy="6858003"/>
+          <p:cNvPr id="5" name="텍스트 상자 4"/>
+          <p:cNvSpPr txBox="1"/>
+          <p:nvPr/>
+        </p:nvSpPr>
+        <p:spPr>
+          <a:xfrm>
+            <a:off x="674914" y="598715"/>
+            <a:ext cx="6572553" cy="769441"/>
           </a:xfrm>
           <a:prstGeom prst="rect">
             <a:avLst/>
           </a:prstGeom>
-          <a:solidFill>
-            <a:schemeClr val="tx1">
-              <a:alpha val="70000"/>
-            </a:schemeClr>
-          </a:solidFill>
-          <a:ln>
+          <a:noFill/>
+        </p:spPr>
+        <p:txBody>
+          <a:bodyPr wrap="square" rtlCol="0">
+            <a:spAutoFit/>
+          </a:bodyPr>
+          <a:lstStyle/>
+          <a:p>
+            <a:r>
+              <a:rPr kumimoji="1" lang="en-US" altLang="ko-KR" sz="4400" b="1" dirty="0" smtClean="0">
+                <a:solidFill>
+                  <a:schemeClr val="accent2"/>
+                </a:solidFill>
+              </a:rPr>
+              <a:t>Serious</a:t>
+            </a:r>
+            <a:endParaRPr kumimoji="1" lang="ko-KR" altLang="en-US" sz="4400" b="1" dirty="0">
+              <a:solidFill>
+                <a:schemeClr val="accent2"/>
+              </a:solidFill>
+            </a:endParaRPr>
+          </a:p>
+        </p:txBody>
+      </p:sp>
+      <p:cxnSp>
+        <p:nvCxnSpPr>
+          <p:cNvPr id="18" name="직선 연결선[R] 17"/>
+          <p:cNvCxnSpPr/>
+          <p:nvPr/>
+        </p:nvCxnSpPr>
+        <p:spPr>
+          <a:xfrm>
+            <a:off x="1259458" y="3605843"/>
+            <a:ext cx="9627079" cy="17253"/>
+          </a:xfrm>
+          <a:prstGeom prst="line">
+            <a:avLst/>
+          </a:prstGeom>
+          <a:ln w="444500">
             <a:solidFill>
-              <a:schemeClr val="tx1"/>
+              <a:schemeClr val="accent2">
+                <a:lumMod val="40000"/>
+                <a:lumOff val="60000"/>
+              </a:schemeClr>
             </a:solidFill>
           </a:ln>
         </p:spPr>
         <p:style>
-          <a:lnRef idx="2">
-            <a:schemeClr val="accent1">
-              <a:shade val="50000"/>
-            </a:schemeClr>
+          <a:lnRef idx="1">
+            <a:schemeClr val="accent1"/>
           </a:lnRef>
-          <a:fillRef idx="1">
+          <a:fillRef idx="0">
             <a:schemeClr val="accent1"/>
           </a:fillRef>
           <a:effectRef idx="0">
             <a:schemeClr val="accent1"/>
           </a:effectRef>
           <a:fontRef idx="minor">
-            <a:schemeClr val="lt1"/>
+            <a:schemeClr val="tx1"/>
           </a:fontRef>
         </p:style>
-        <p:txBody>
-          <a:bodyPr rtlCol="0" anchor="ctr"/>
-          <a:lstStyle/>
-          <a:p>
-            <a:pPr algn="ctr"/>
-            <a:endParaRPr lang="ko-KR" altLang="en-US" dirty="0"/>
-          </a:p>
-        </p:txBody>
-      </p:sp>
-      <p:sp>
-        <p:nvSpPr>
-          <p:cNvPr id="6" name="타원 5"/>
-          <p:cNvSpPr/>
-          <p:nvPr/>
-        </p:nvSpPr>
-        <p:spPr>
-          <a:xfrm>
-            <a:off x="3173632" y="500741"/>
-            <a:ext cx="5856514" cy="5856514"/>
-          </a:xfrm>
-          <a:prstGeom prst="ellipse">
-            <a:avLst/>
-          </a:prstGeom>
-          <a:solidFill>
-            <a:schemeClr val="bg1"/>
-          </a:solidFill>
-          <a:ln>
+      </p:cxnSp>
+      <p:cxnSp>
+        <p:nvCxnSpPr>
+          <p:cNvPr id="22" name="직선 연결선[R] 21"/>
+          <p:cNvCxnSpPr/>
+          <p:nvPr/>
+        </p:nvCxnSpPr>
+        <p:spPr>
+          <a:xfrm flipV="1">
+            <a:off x="1431987" y="3605843"/>
+            <a:ext cx="8643667" cy="1"/>
+          </a:xfrm>
+          <a:prstGeom prst="line">
+            <a:avLst/>
+          </a:prstGeom>
+          <a:ln w="165100">
             <a:solidFill>
               <a:schemeClr val="accent2"/>
             </a:solidFill>
           </a:ln>
         </p:spPr>
         <p:style>
-          <a:lnRef idx="2">
-            <a:schemeClr val="accent1">
-              <a:shade val="50000"/>
-            </a:schemeClr>
+          <a:lnRef idx="1">
+            <a:schemeClr val="accent1"/>
           </a:lnRef>
-          <a:fillRef idx="1">
+          <a:fillRef idx="0">
             <a:schemeClr val="accent1"/>
           </a:fillRef>
           <a:effectRef idx="0">
             <a:schemeClr val="accent1"/>
           </a:effectRef>
           <a:fontRef idx="minor">
-            <a:schemeClr val="lt1"/>
+            <a:schemeClr val="tx1"/>
           </a:fontRef>
         </p:style>
-        <p:txBody>
-          <a:bodyPr rtlCol="0" anchor="ctr"/>
-          <a:lstStyle/>
-          <a:p>
-            <a:pPr algn="ctr"/>
-            <a:endParaRPr kumimoji="1" lang="ko-KR" altLang="en-US" dirty="0">
+      </p:cxnSp>
+      <p:sp>
+        <p:nvSpPr>
+          <p:cNvPr id="26" name="텍스트 상자 4"/>
+          <p:cNvSpPr txBox="1"/>
+          <p:nvPr/>
+        </p:nvSpPr>
+        <p:spPr>
+          <a:xfrm>
+            <a:off x="2458118" y="4744528"/>
+            <a:ext cx="1122256" cy="646331"/>
+          </a:xfrm>
+          <a:prstGeom prst="rect">
+            <a:avLst/>
+          </a:prstGeom>
+          <a:noFill/>
+        </p:spPr>
+        <p:txBody>
+          <a:bodyPr wrap="square" rtlCol="0">
+            <a:spAutoFit/>
+          </a:bodyPr>
+          <a:lstStyle/>
+          <a:p>
+            <a:r>
+              <a:rPr kumimoji="1" lang="en-US" altLang="ko-KR" sz="3600" b="1" dirty="0" smtClean="0">
+                <a:solidFill>
+                  <a:schemeClr val="tx1">
+                    <a:lumMod val="50000"/>
+                    <a:lumOff val="50000"/>
+                  </a:schemeClr>
+                </a:solidFill>
+              </a:rPr>
+              <a:t>GUI</a:t>
+            </a:r>
+            <a:endParaRPr kumimoji="1" lang="ko-KR" altLang="en-US" sz="3600" b="1" dirty="0">
+              <a:solidFill>
+                <a:schemeClr val="tx1">
+                  <a:lumMod val="50000"/>
+                  <a:lumOff val="50000"/>
+                </a:schemeClr>
+              </a:solidFill>
+            </a:endParaRPr>
+          </a:p>
+        </p:txBody>
+      </p:sp>
+      <p:sp>
+        <p:nvSpPr>
+          <p:cNvPr id="27" name="텍스트 상자 4"/>
+          <p:cNvSpPr txBox="1"/>
+          <p:nvPr/>
+        </p:nvSpPr>
+        <p:spPr>
+          <a:xfrm>
+            <a:off x="10282688" y="2653600"/>
+            <a:ext cx="1501818" cy="646331"/>
+          </a:xfrm>
+          <a:prstGeom prst="rect">
+            <a:avLst/>
+          </a:prstGeom>
+          <a:noFill/>
+        </p:spPr>
+        <p:txBody>
+          <a:bodyPr wrap="square" rtlCol="0">
+            <a:spAutoFit/>
+          </a:bodyPr>
+          <a:lstStyle/>
+          <a:p>
+            <a:r>
+              <a:rPr kumimoji="1" lang="en-US" altLang="ko-KR" sz="3600" b="1" smtClean="0">
+                <a:solidFill>
+                  <a:schemeClr val="accent2"/>
+                </a:solidFill>
+              </a:rPr>
+              <a:t>100</a:t>
+            </a:r>
+            <a:r>
+              <a:rPr kumimoji="1" lang="en-US" altLang="ko-KR" sz="3600" b="1" smtClean="0">
+                <a:solidFill>
+                  <a:schemeClr val="accent2"/>
+                </a:solidFill>
+              </a:rPr>
+              <a:t>%</a:t>
+            </a:r>
+            <a:endParaRPr kumimoji="1" lang="ko-KR" altLang="en-US" sz="3600" b="1" dirty="0">
               <a:solidFill>
                 <a:schemeClr val="accent2"/>
               </a:solidFill>
@@ -3420,16 +3454,124 @@
           </a:p>
         </p:txBody>
       </p:sp>
-      <p:sp>
-        <p:nvSpPr>
-          <p:cNvPr id="5" name="텍스트 상자 5"/>
+      <p:cxnSp>
+        <p:nvCxnSpPr>
+          <p:cNvPr id="29" name="직선 화살표 연결선 28"/>
+          <p:cNvCxnSpPr/>
+          <p:nvPr/>
+        </p:nvCxnSpPr>
+        <p:spPr>
+          <a:xfrm flipV="1">
+            <a:off x="3007344" y="3937635"/>
+            <a:ext cx="11902" cy="737882"/>
+          </a:xfrm>
+          <a:prstGeom prst="straightConnector1">
+            <a:avLst/>
+          </a:prstGeom>
+          <a:ln w="114300">
+            <a:solidFill>
+              <a:schemeClr val="accent2"/>
+            </a:solidFill>
+            <a:tailEnd type="triangle"/>
+          </a:ln>
+        </p:spPr>
+        <p:style>
+          <a:lnRef idx="1">
+            <a:schemeClr val="accent1"/>
+          </a:lnRef>
+          <a:fillRef idx="0">
+            <a:schemeClr val="accent1"/>
+          </a:fillRef>
+          <a:effectRef idx="0">
+            <a:schemeClr val="accent1"/>
+          </a:effectRef>
+          <a:fontRef idx="minor">
+            <a:schemeClr val="tx1"/>
+          </a:fontRef>
+        </p:style>
+      </p:cxnSp>
+      <p:cxnSp>
+        <p:nvCxnSpPr>
+          <p:cNvPr id="34" name="직선 화살표 연결선 33"/>
+          <p:cNvCxnSpPr/>
+          <p:nvPr/>
+        </p:nvCxnSpPr>
+        <p:spPr>
+          <a:xfrm flipH="1">
+            <a:off x="5029625" y="2484411"/>
+            <a:ext cx="13770" cy="801930"/>
+          </a:xfrm>
+          <a:prstGeom prst="straightConnector1">
+            <a:avLst/>
+          </a:prstGeom>
+          <a:ln w="114300">
+            <a:solidFill>
+              <a:schemeClr val="accent2"/>
+            </a:solidFill>
+            <a:tailEnd type="triangle"/>
+          </a:ln>
+        </p:spPr>
+        <p:style>
+          <a:lnRef idx="1">
+            <a:schemeClr val="accent1"/>
+          </a:lnRef>
+          <a:fillRef idx="0">
+            <a:schemeClr val="accent1"/>
+          </a:fillRef>
+          <a:effectRef idx="0">
+            <a:schemeClr val="accent1"/>
+          </a:effectRef>
+          <a:fontRef idx="minor">
+            <a:schemeClr val="tx1"/>
+          </a:fontRef>
+        </p:style>
+      </p:cxnSp>
+      <p:cxnSp>
+        <p:nvCxnSpPr>
+          <p:cNvPr id="36" name="직선 화살표 연결선 35"/>
+          <p:cNvCxnSpPr/>
+          <p:nvPr/>
+        </p:nvCxnSpPr>
+        <p:spPr>
+          <a:xfrm flipV="1">
+            <a:off x="10857383" y="3937635"/>
+            <a:ext cx="11902" cy="737882"/>
+          </a:xfrm>
+          <a:prstGeom prst="straightConnector1">
+            <a:avLst/>
+          </a:prstGeom>
+          <a:ln w="114300">
+            <a:solidFill>
+              <a:schemeClr val="accent2"/>
+            </a:solidFill>
+            <a:tailEnd type="triangle"/>
+          </a:ln>
+        </p:spPr>
+        <p:style>
+          <a:lnRef idx="1">
+            <a:schemeClr val="accent1"/>
+          </a:lnRef>
+          <a:fillRef idx="0">
+            <a:schemeClr val="accent1"/>
+          </a:fillRef>
+          <a:effectRef idx="0">
+            <a:schemeClr val="accent1"/>
+          </a:effectRef>
+          <a:fontRef idx="minor">
+            <a:schemeClr val="tx1"/>
+          </a:fontRef>
+        </p:style>
+      </p:cxnSp>
+      <p:sp>
+        <p:nvSpPr>
+          <p:cNvPr id="37" name="텍스트 상자 4"/>
           <p:cNvSpPr txBox="1"/>
           <p:nvPr/>
         </p:nvSpPr>
         <p:spPr>
           <a:xfrm>
-            <a:off x="4372934" y="3042238"/>
-            <a:ext cx="3517870" cy="769441"/>
+            <a:off x="1047127" y="2662226"/>
+            <a:ext cx="1122256" cy="646331"/>
           </a:xfrm>
           <a:prstGeom prst="rect">
             <a:avLst/>
@@ -3443,14 +3585,14 @@
           <a:lstStyle/>
           <a:p>
             <a:r>
-              <a:rPr kumimoji="1" lang="en-US" altLang="ko-KR" sz="4400" b="1" smtClean="0">
+              <a:rPr kumimoji="1" lang="en-US" altLang="ko-KR" sz="3600" b="1" smtClean="0">
                 <a:solidFill>
                   <a:schemeClr val="accent2"/>
                 </a:solidFill>
               </a:rPr>
-              <a:t>THANK YOU!</a:t>
-            </a:r>
-            <a:endParaRPr kumimoji="1" lang="ko-KR" altLang="en-US" sz="4400" b="1" dirty="0">
+              <a:t>0%</a:t>
+            </a:r>
+            <a:endParaRPr kumimoji="1" lang="ko-KR" altLang="en-US" sz="3600" b="1" dirty="0">
               <a:solidFill>
                 <a:schemeClr val="accent2"/>
               </a:solidFill>
@@ -3458,10 +3600,178 @@
           </a:p>
         </p:txBody>
       </p:sp>
+      <p:sp>
+        <p:nvSpPr>
+          <p:cNvPr id="39" name="텍스트 상자 4"/>
+          <p:cNvSpPr txBox="1"/>
+          <p:nvPr/>
+        </p:nvSpPr>
+        <p:spPr>
+          <a:xfrm>
+            <a:off x="3580374" y="1794105"/>
+            <a:ext cx="2926043" cy="646331"/>
+          </a:xfrm>
+          <a:prstGeom prst="rect">
+            <a:avLst/>
+          </a:prstGeom>
+          <a:noFill/>
+        </p:spPr>
+        <p:txBody>
+          <a:bodyPr wrap="square" rtlCol="0">
+            <a:spAutoFit/>
+          </a:bodyPr>
+          <a:lstStyle/>
+          <a:p>
+            <a:r>
+              <a:rPr kumimoji="1" lang="en-US" altLang="ko-KR" sz="3600" b="1" dirty="0" smtClean="0">
+                <a:solidFill>
+                  <a:schemeClr val="tx1">
+                    <a:lumMod val="50000"/>
+                    <a:lumOff val="50000"/>
+                  </a:schemeClr>
+                </a:solidFill>
+              </a:rPr>
+              <a:t>CALCULATE</a:t>
+            </a:r>
+            <a:endParaRPr kumimoji="1" lang="ko-KR" altLang="en-US" sz="3600" b="1" dirty="0">
+              <a:solidFill>
+                <a:schemeClr val="tx1">
+                  <a:lumMod val="50000"/>
+                  <a:lumOff val="50000"/>
+                </a:schemeClr>
+              </a:solidFill>
+            </a:endParaRPr>
+          </a:p>
+        </p:txBody>
+      </p:sp>
+      <p:sp>
+        <p:nvSpPr>
+          <p:cNvPr id="40" name="텍스트 상자 4"/>
+          <p:cNvSpPr txBox="1"/>
+          <p:nvPr/>
+        </p:nvSpPr>
+        <p:spPr>
+          <a:xfrm>
+            <a:off x="7660257" y="1808770"/>
+            <a:ext cx="2622431" cy="646331"/>
+          </a:xfrm>
+          <a:prstGeom prst="rect">
+            <a:avLst/>
+          </a:prstGeom>
+          <a:noFill/>
+        </p:spPr>
+        <p:txBody>
+          <a:bodyPr wrap="square" rtlCol="0">
+            <a:spAutoFit/>
+          </a:bodyPr>
+          <a:lstStyle/>
+          <a:p>
+            <a:r>
+              <a:rPr kumimoji="1" lang="en-US" altLang="ko-KR" sz="3600" b="1" dirty="0" smtClean="0">
+                <a:solidFill>
+                  <a:schemeClr val="tx1">
+                    <a:lumMod val="50000"/>
+                    <a:lumOff val="50000"/>
+                  </a:schemeClr>
+                </a:solidFill>
+              </a:rPr>
+              <a:t>FUNCTION</a:t>
+            </a:r>
+            <a:endParaRPr kumimoji="1" lang="ko-KR" altLang="en-US" sz="3600" b="1" dirty="0">
+              <a:solidFill>
+                <a:schemeClr val="tx1">
+                  <a:lumMod val="50000"/>
+                  <a:lumOff val="50000"/>
+                </a:schemeClr>
+              </a:solidFill>
+            </a:endParaRPr>
+          </a:p>
+        </p:txBody>
+      </p:sp>
+      <p:sp>
+        <p:nvSpPr>
+          <p:cNvPr id="41" name="텍스트 상자 4"/>
+          <p:cNvSpPr txBox="1"/>
+          <p:nvPr/>
+        </p:nvSpPr>
+        <p:spPr>
+          <a:xfrm>
+            <a:off x="9806694" y="4744527"/>
+            <a:ext cx="2101377" cy="646331"/>
+          </a:xfrm>
+          <a:prstGeom prst="rect">
+            <a:avLst/>
+          </a:prstGeom>
+          <a:noFill/>
+        </p:spPr>
+        <p:txBody>
+          <a:bodyPr wrap="square" rtlCol="0">
+            <a:spAutoFit/>
+          </a:bodyPr>
+          <a:lstStyle/>
+          <a:p>
+            <a:r>
+              <a:rPr kumimoji="1" lang="en-US" altLang="ko-KR" sz="3600" b="1" smtClean="0">
+                <a:solidFill>
+                  <a:schemeClr val="tx1">
+                    <a:lumMod val="50000"/>
+                    <a:lumOff val="50000"/>
+                  </a:schemeClr>
+                </a:solidFill>
+              </a:rPr>
+              <a:t>BUG FIX</a:t>
+            </a:r>
+            <a:endParaRPr kumimoji="1" lang="ko-KR" altLang="en-US" sz="3600" b="1" dirty="0">
+              <a:solidFill>
+                <a:schemeClr val="tx1">
+                  <a:lumMod val="50000"/>
+                  <a:lumOff val="50000"/>
+                </a:schemeClr>
+              </a:solidFill>
+            </a:endParaRPr>
+          </a:p>
+        </p:txBody>
+      </p:sp>
+      <p:cxnSp>
+        <p:nvCxnSpPr>
+          <p:cNvPr id="51" name="직선 화살표 연결선 50"/>
+          <p:cNvCxnSpPr/>
+          <p:nvPr/>
+        </p:nvCxnSpPr>
+        <p:spPr>
+          <a:xfrm flipH="1">
+            <a:off x="8939628" y="2484411"/>
+            <a:ext cx="13770" cy="801930"/>
+          </a:xfrm>
+          <a:prstGeom prst="straightConnector1">
+            <a:avLst/>
+          </a:prstGeom>
+          <a:ln w="114300">
+            <a:solidFill>
+              <a:schemeClr val="accent2"/>
+            </a:solidFill>
+            <a:tailEnd type="triangle"/>
+          </a:ln>
+        </p:spPr>
+        <p:style>
+          <a:lnRef idx="1">
+            <a:schemeClr val="accent1"/>
+          </a:lnRef>
+          <a:fillRef idx="0">
+            <a:schemeClr val="accent1"/>
+          </a:fillRef>
+          <a:effectRef idx="0">
+            <a:schemeClr val="accent1"/>
+          </a:effectRef>
+          <a:fontRef idx="minor">
+            <a:schemeClr val="tx1"/>
+          </a:fontRef>
+        </p:style>
+      </p:cxnSp>
     </p:spTree>
     <p:extLst>
       <p:ext uri="{BB962C8B-B14F-4D97-AF65-F5344CB8AC3E}">
-        <p14:creationId xmlns:p14="http://schemas.microsoft.com/office/powerpoint/2010/main" val="1776925783"/>
+        <p14:creationId xmlns:p14="http://schemas.microsoft.com/office/powerpoint/2010/main" val="2079531994"/>
       </p:ext>
     </p:extLst>
   </p:cSld>
@@ -3481,14 +3791,6 @@
 <file path=ppt/slides/slide11.xml><?xml version="1.0" encoding="utf-8"?>
 <p:sld xmlns:a="http://schemas.openxmlformats.org/drawingml/2006/main" xmlns:r="http://schemas.openxmlformats.org/officeDocument/2006/relationships" xmlns:p="http://schemas.openxmlformats.org/presentationml/2006/main">
   <p:cSld>
-    <p:bg>
-      <p:bgPr>
-        <a:solidFill>
-          <a:srgbClr val="4C4C4C"/>
-        </a:solidFill>
-        <a:effectLst/>
-      </p:bgPr>
-    </p:bg>
     <p:spTree>
       <p:nvGrpSpPr>
         <p:cNvPr id="1" name=""/>
@@ -3503,47 +3805,9 @@
           <a:chExt cx="0" cy="0"/>
         </a:xfrm>
       </p:grpSpPr>
-      <p:sp>
-        <p:nvSpPr>
-          <p:cNvPr id="5" name="텍스트 상자 4"/>
-          <p:cNvSpPr txBox="1"/>
-          <p:nvPr/>
-        </p:nvSpPr>
-        <p:spPr>
-          <a:xfrm>
-            <a:off x="674914" y="598715"/>
-            <a:ext cx="3233057" cy="769441"/>
-          </a:xfrm>
-          <a:prstGeom prst="rect">
-            <a:avLst/>
-          </a:prstGeom>
-          <a:noFill/>
-        </p:spPr>
-        <p:txBody>
-          <a:bodyPr wrap="square" rtlCol="0">
-            <a:spAutoFit/>
-          </a:bodyPr>
-          <a:lstStyle/>
-          <a:p>
-            <a:r>
-              <a:rPr kumimoji="1" lang="en-US" altLang="ko-KR" sz="4400" b="1" dirty="0" smtClean="0">
-                <a:solidFill>
-                  <a:schemeClr val="accent2"/>
-                </a:solidFill>
-              </a:rPr>
-              <a:t>Calculator</a:t>
-            </a:r>
-            <a:endParaRPr kumimoji="1" lang="ko-KR" altLang="en-US" sz="4400" b="1" dirty="0">
-              <a:solidFill>
-                <a:schemeClr val="accent2"/>
-              </a:solidFill>
-            </a:endParaRPr>
-          </a:p>
-        </p:txBody>
-      </p:sp>
       <p:pic>
         <p:nvPicPr>
-          <p:cNvPr id="7" name="그림 6"/>
+          <p:cNvPr id="6" name="그림 5"/>
           <p:cNvPicPr>
             <a:picLocks noChangeAspect="1"/>
           </p:cNvPicPr>
@@ -3563,8 +3827,8 @@
         </p:blipFill>
         <p:spPr>
           <a:xfrm>
-            <a:off x="1883007" y="1810289"/>
-            <a:ext cx="3009900" cy="4114800"/>
+            <a:off x="0" y="0"/>
+            <a:ext cx="12192000" cy="6858000"/>
           </a:xfrm>
           <a:prstGeom prst="rect">
             <a:avLst/>
@@ -3573,14 +3837,64 @@
       </p:pic>
       <p:sp>
         <p:nvSpPr>
-          <p:cNvPr id="9" name="텍스트 상자 8"/>
+          <p:cNvPr id="7" name="직사각형 6"/>
+          <p:cNvSpPr/>
+          <p:nvPr/>
+        </p:nvSpPr>
+        <p:spPr>
+          <a:xfrm>
+            <a:off x="-1" y="17250"/>
+            <a:ext cx="12192002" cy="6858004"/>
+          </a:xfrm>
+          <a:prstGeom prst="rect">
+            <a:avLst/>
+          </a:prstGeom>
+          <a:solidFill>
+            <a:schemeClr val="accent1">
+              <a:lumMod val="20000"/>
+              <a:lumOff val="80000"/>
+              <a:alpha val="70000"/>
+            </a:schemeClr>
+          </a:solidFill>
+          <a:ln>
+            <a:noFill/>
+          </a:ln>
+        </p:spPr>
+        <p:style>
+          <a:lnRef idx="2">
+            <a:schemeClr val="accent1">
+              <a:shade val="50000"/>
+            </a:schemeClr>
+          </a:lnRef>
+          <a:fillRef idx="1">
+            <a:schemeClr val="accent1"/>
+          </a:fillRef>
+          <a:effectRef idx="0">
+            <a:schemeClr val="accent1"/>
+          </a:effectRef>
+          <a:fontRef idx="minor">
+            <a:schemeClr val="lt1"/>
+          </a:fontRef>
+        </p:style>
+        <p:txBody>
+          <a:bodyPr rtlCol="0" anchor="ctr"/>
+          <a:lstStyle/>
+          <a:p>
+            <a:pPr algn="ctr"/>
+            <a:endParaRPr lang="ko-KR" altLang="en-US"/>
+          </a:p>
+        </p:txBody>
+      </p:sp>
+      <p:sp>
+        <p:nvSpPr>
+          <p:cNvPr id="5" name="텍스트 상자 4"/>
           <p:cNvSpPr txBox="1"/>
           <p:nvPr/>
         </p:nvSpPr>
         <p:spPr>
           <a:xfrm>
-            <a:off x="6337335" y="2009041"/>
-            <a:ext cx="3959723" cy="646331"/>
+            <a:off x="859972" y="664029"/>
+            <a:ext cx="2209800" cy="769441"/>
           </a:xfrm>
           <a:prstGeom prst="rect">
             <a:avLst/>
@@ -3594,14 +3908,14 @@
           <a:lstStyle/>
           <a:p>
             <a:r>
-              <a:rPr kumimoji="1" lang="en-US" altLang="ko-KR" sz="3600" b="1" dirty="0" smtClean="0">
+              <a:rPr kumimoji="1" lang="en-US" altLang="ko-KR" sz="4400" b="1" smtClean="0">
                 <a:solidFill>
                   <a:schemeClr val="accent2"/>
                 </a:solidFill>
               </a:rPr>
-              <a:t>General Function</a:t>
-            </a:r>
-            <a:endParaRPr kumimoji="1" lang="ko-KR" altLang="en-US" sz="3600" b="1" dirty="0">
+              <a:t>Github</a:t>
+            </a:r>
+            <a:endParaRPr kumimoji="1" lang="ko-KR" altLang="en-US" sz="4400" b="1" dirty="0">
               <a:solidFill>
                 <a:schemeClr val="accent2"/>
               </a:solidFill>
@@ -3609,393 +3923,10 @@
           </a:p>
         </p:txBody>
       </p:sp>
-      <p:sp>
-        <p:nvSpPr>
-          <p:cNvPr id="8" name="텍스트 상자 8"/>
-          <p:cNvSpPr txBox="1"/>
-          <p:nvPr/>
-        </p:nvSpPr>
-        <p:spPr>
-          <a:xfrm>
-            <a:off x="7313269" y="2720044"/>
-            <a:ext cx="1003928" cy="584775"/>
-          </a:xfrm>
-          <a:prstGeom prst="rect">
-            <a:avLst/>
-          </a:prstGeom>
-          <a:noFill/>
-        </p:spPr>
-        <p:txBody>
-          <a:bodyPr wrap="square" rtlCol="0">
-            <a:spAutoFit/>
-          </a:bodyPr>
-          <a:lstStyle/>
-          <a:p>
-            <a:r>
-              <a:rPr kumimoji="1" lang="en-US" altLang="ko-KR" sz="3200" b="1" dirty="0" smtClean="0">
-                <a:solidFill>
-                  <a:schemeClr val="bg1"/>
-                </a:solidFill>
-              </a:rPr>
-              <a:t>Plus</a:t>
-            </a:r>
-          </a:p>
-        </p:txBody>
-      </p:sp>
-      <p:sp>
-        <p:nvSpPr>
-          <p:cNvPr id="11" name="텍스트 상자 10"/>
-          <p:cNvSpPr txBox="1"/>
-          <p:nvPr/>
-        </p:nvSpPr>
-        <p:spPr>
-          <a:xfrm>
-            <a:off x="6755281" y="2658488"/>
-            <a:ext cx="45719" cy="646331"/>
-          </a:xfrm>
-          <a:prstGeom prst="rect">
-            <a:avLst/>
-          </a:prstGeom>
-          <a:noFill/>
-        </p:spPr>
-        <p:txBody>
-          <a:bodyPr wrap="square" rtlCol="0">
-            <a:spAutoFit/>
-          </a:bodyPr>
-          <a:lstStyle/>
-          <a:p>
-            <a:r>
-              <a:rPr kumimoji="1" lang="en-US" altLang="ko-KR" sz="3600" b="1" dirty="0">
-                <a:solidFill>
-                  <a:schemeClr val="accent2"/>
-                </a:solidFill>
-              </a:rPr>
-              <a:t>+</a:t>
-            </a:r>
-            <a:endParaRPr kumimoji="1" lang="ko-KR" altLang="en-US" sz="3600" b="1" dirty="0">
-              <a:solidFill>
-                <a:schemeClr val="accent2"/>
-              </a:solidFill>
-            </a:endParaRPr>
-          </a:p>
-        </p:txBody>
-      </p:sp>
-      <p:sp>
-        <p:nvSpPr>
-          <p:cNvPr id="12" name="텍스트 상자 11"/>
-          <p:cNvSpPr txBox="1"/>
-          <p:nvPr/>
-        </p:nvSpPr>
-        <p:spPr>
-          <a:xfrm>
-            <a:off x="6755281" y="3090910"/>
-            <a:ext cx="45719" cy="923330"/>
-          </a:xfrm>
-          <a:prstGeom prst="rect">
-            <a:avLst/>
-          </a:prstGeom>
-          <a:noFill/>
-        </p:spPr>
-        <p:txBody>
-          <a:bodyPr wrap="square" rtlCol="0">
-            <a:spAutoFit/>
-          </a:bodyPr>
-          <a:lstStyle/>
-          <a:p>
-            <a:r>
-              <a:rPr kumimoji="1" lang="en-US" altLang="ko-KR" sz="5400" b="1" dirty="0" smtClean="0">
-                <a:solidFill>
-                  <a:schemeClr val="accent2"/>
-                </a:solidFill>
-              </a:rPr>
-              <a:t>-</a:t>
-            </a:r>
-            <a:endParaRPr kumimoji="1" lang="ko-KR" altLang="en-US" sz="5400" b="1" dirty="0">
-              <a:solidFill>
-                <a:schemeClr val="accent2"/>
-              </a:solidFill>
-            </a:endParaRPr>
-          </a:p>
-        </p:txBody>
-      </p:sp>
-      <p:sp>
-        <p:nvSpPr>
-          <p:cNvPr id="13" name="텍스트 상자 12"/>
-          <p:cNvSpPr txBox="1"/>
-          <p:nvPr/>
-        </p:nvSpPr>
-        <p:spPr>
-          <a:xfrm>
-            <a:off x="6755281" y="3854157"/>
-            <a:ext cx="45719" cy="646331"/>
-          </a:xfrm>
-          <a:prstGeom prst="rect">
-            <a:avLst/>
-          </a:prstGeom>
-          <a:noFill/>
-        </p:spPr>
-        <p:txBody>
-          <a:bodyPr wrap="square" rtlCol="0">
-            <a:spAutoFit/>
-          </a:bodyPr>
-          <a:lstStyle/>
-          <a:p>
-            <a:r>
-              <a:rPr kumimoji="1" lang="en-US" altLang="ko-KR" sz="3600" b="1" dirty="0">
-                <a:solidFill>
-                  <a:schemeClr val="accent2"/>
-                </a:solidFill>
-              </a:rPr>
-              <a:t>x</a:t>
-            </a:r>
-            <a:endParaRPr kumimoji="1" lang="ko-KR" altLang="en-US" sz="3600" b="1" dirty="0">
-              <a:solidFill>
-                <a:schemeClr val="accent2"/>
-              </a:solidFill>
-            </a:endParaRPr>
-          </a:p>
-        </p:txBody>
-      </p:sp>
-      <p:sp>
-        <p:nvSpPr>
-          <p:cNvPr id="14" name="텍스트 상자 13"/>
-          <p:cNvSpPr txBox="1"/>
-          <p:nvPr/>
-        </p:nvSpPr>
-        <p:spPr>
-          <a:xfrm>
-            <a:off x="6755281" y="5006316"/>
-            <a:ext cx="45719" cy="646331"/>
-          </a:xfrm>
-          <a:prstGeom prst="rect">
-            <a:avLst/>
-          </a:prstGeom>
-          <a:noFill/>
-        </p:spPr>
-        <p:txBody>
-          <a:bodyPr wrap="square" rtlCol="0">
-            <a:spAutoFit/>
-          </a:bodyPr>
-          <a:lstStyle/>
-          <a:p>
-            <a:r>
-              <a:rPr kumimoji="1" lang="en-US" altLang="ko-KR" sz="3600" b="1" dirty="0" smtClean="0">
-                <a:solidFill>
-                  <a:schemeClr val="accent2"/>
-                </a:solidFill>
-              </a:rPr>
-              <a:t>%</a:t>
-            </a:r>
-            <a:endParaRPr kumimoji="1" lang="ko-KR" altLang="en-US" sz="3600" b="1" dirty="0">
-              <a:solidFill>
-                <a:schemeClr val="accent2"/>
-              </a:solidFill>
-            </a:endParaRPr>
-          </a:p>
-        </p:txBody>
-      </p:sp>
-      <p:sp>
-        <p:nvSpPr>
-          <p:cNvPr id="15" name="텍스트 상자 14"/>
-          <p:cNvSpPr txBox="1"/>
-          <p:nvPr/>
-        </p:nvSpPr>
-        <p:spPr>
-          <a:xfrm>
-            <a:off x="7313268" y="3311050"/>
-            <a:ext cx="1874105" cy="584775"/>
-          </a:xfrm>
-          <a:prstGeom prst="rect">
-            <a:avLst/>
-          </a:prstGeom>
-          <a:noFill/>
-        </p:spPr>
-        <p:txBody>
-          <a:bodyPr wrap="square" rtlCol="0">
-            <a:spAutoFit/>
-          </a:bodyPr>
-          <a:lstStyle/>
-          <a:p>
-            <a:r>
-              <a:rPr kumimoji="1" lang="en-US" altLang="ko-KR" sz="3200" b="1" dirty="0" smtClean="0">
-                <a:solidFill>
-                  <a:schemeClr val="bg1"/>
-                </a:solidFill>
-              </a:rPr>
-              <a:t>Minus</a:t>
-            </a:r>
-            <a:endParaRPr kumimoji="1" lang="ko-KR" altLang="en-US" sz="3200" b="1" dirty="0">
-              <a:solidFill>
-                <a:schemeClr val="bg1"/>
-              </a:solidFill>
-            </a:endParaRPr>
-          </a:p>
-        </p:txBody>
-      </p:sp>
-      <p:sp>
-        <p:nvSpPr>
-          <p:cNvPr id="16" name="텍스트 상자 15"/>
-          <p:cNvSpPr txBox="1"/>
-          <p:nvPr/>
-        </p:nvSpPr>
-        <p:spPr>
-          <a:xfrm>
-            <a:off x="7207313" y="3887988"/>
-            <a:ext cx="1874105" cy="584775"/>
-          </a:xfrm>
-          <a:prstGeom prst="rect">
-            <a:avLst/>
-          </a:prstGeom>
-          <a:noFill/>
-        </p:spPr>
-        <p:txBody>
-          <a:bodyPr wrap="square" rtlCol="0">
-            <a:spAutoFit/>
-          </a:bodyPr>
-          <a:lstStyle/>
-          <a:p>
-            <a:r>
-              <a:rPr kumimoji="1" lang="en-US" altLang="ko-KR" sz="3200" b="1" dirty="0" smtClean="0">
-                <a:solidFill>
-                  <a:schemeClr val="bg1"/>
-                </a:solidFill>
-              </a:rPr>
-              <a:t>Multiply</a:t>
-            </a:r>
-            <a:endParaRPr kumimoji="1" lang="ko-KR" altLang="en-US" sz="3200" b="1" dirty="0">
-              <a:solidFill>
-                <a:schemeClr val="bg1"/>
-              </a:solidFill>
-            </a:endParaRPr>
-          </a:p>
-        </p:txBody>
-      </p:sp>
-      <p:sp>
-        <p:nvSpPr>
-          <p:cNvPr id="17" name="텍스트 상자 16"/>
-          <p:cNvSpPr txBox="1"/>
-          <p:nvPr/>
-        </p:nvSpPr>
-        <p:spPr>
-          <a:xfrm>
-            <a:off x="7246089" y="4478994"/>
-            <a:ext cx="1874105" cy="584775"/>
-          </a:xfrm>
-          <a:prstGeom prst="rect">
-            <a:avLst/>
-          </a:prstGeom>
-          <a:noFill/>
-        </p:spPr>
-        <p:txBody>
-          <a:bodyPr wrap="square" rtlCol="0">
-            <a:spAutoFit/>
-          </a:bodyPr>
-          <a:lstStyle/>
-          <a:p>
-            <a:r>
-              <a:rPr kumimoji="1" lang="en-US" altLang="ko-KR" sz="3200" b="1" smtClean="0">
-                <a:solidFill>
-                  <a:schemeClr val="bg1"/>
-                </a:solidFill>
-              </a:rPr>
-              <a:t>Division</a:t>
-            </a:r>
-            <a:endParaRPr kumimoji="1" lang="ko-KR" altLang="en-US" sz="3200" b="1" dirty="0">
-              <a:solidFill>
-                <a:schemeClr val="bg1"/>
-              </a:solidFill>
-            </a:endParaRPr>
-          </a:p>
-        </p:txBody>
-      </p:sp>
-      <p:sp>
-        <p:nvSpPr>
-          <p:cNvPr id="18" name="텍스트 상자 13"/>
-          <p:cNvSpPr txBox="1"/>
-          <p:nvPr/>
-        </p:nvSpPr>
-        <p:spPr>
-          <a:xfrm>
-            <a:off x="6755281" y="4429878"/>
-            <a:ext cx="45719" cy="646331"/>
-          </a:xfrm>
-          <a:prstGeom prst="rect">
-            <a:avLst/>
-          </a:prstGeom>
-          <a:noFill/>
-        </p:spPr>
-        <p:txBody>
-          <a:bodyPr wrap="square" rtlCol="0">
-            <a:spAutoFit/>
-          </a:bodyPr>
-          <a:lstStyle/>
-          <a:p>
-            <a:r>
-              <a:rPr kumimoji="1" lang="en-US" altLang="ko-KR" sz="3600" b="1" dirty="0">
-                <a:solidFill>
-                  <a:schemeClr val="accent2"/>
-                </a:solidFill>
-              </a:rPr>
-              <a:t>/</a:t>
-            </a:r>
-            <a:r>
-              <a:rPr kumimoji="1" lang="en-US" altLang="ko-KR" sz="3600" b="1" smtClean="0">
-                <a:solidFill>
-                  <a:schemeClr val="accent2"/>
-                </a:solidFill>
-              </a:rPr>
-              <a:t> </a:t>
-            </a:r>
-            <a:endParaRPr kumimoji="1" lang="ko-KR" altLang="en-US" sz="3600" b="1" dirty="0">
-              <a:solidFill>
-                <a:schemeClr val="accent2"/>
-              </a:solidFill>
-            </a:endParaRPr>
-          </a:p>
-        </p:txBody>
-      </p:sp>
-      <p:sp>
-        <p:nvSpPr>
-          <p:cNvPr id="19" name="텍스트 상자 16"/>
-          <p:cNvSpPr txBox="1"/>
-          <p:nvPr/>
-        </p:nvSpPr>
-        <p:spPr>
-          <a:xfrm>
-            <a:off x="7246089" y="5013727"/>
-            <a:ext cx="1874105" cy="584775"/>
-          </a:xfrm>
-          <a:prstGeom prst="rect">
-            <a:avLst/>
-          </a:prstGeom>
-          <a:noFill/>
-        </p:spPr>
-        <p:txBody>
-          <a:bodyPr wrap="square" rtlCol="0">
-            <a:spAutoFit/>
-          </a:bodyPr>
-          <a:lstStyle/>
-          <a:p>
-            <a:r>
-              <a:rPr kumimoji="1" lang="en-US" altLang="ko-KR" sz="3200" b="1" dirty="0" smtClean="0">
-                <a:solidFill>
-                  <a:schemeClr val="bg1"/>
-                </a:solidFill>
-              </a:rPr>
-              <a:t>Percent</a:t>
-            </a:r>
-            <a:endParaRPr kumimoji="1" lang="ko-KR" altLang="en-US" sz="3200" b="1" dirty="0">
-              <a:solidFill>
-                <a:schemeClr val="bg1"/>
-              </a:solidFill>
-            </a:endParaRPr>
-          </a:p>
-        </p:txBody>
-      </p:sp>
     </p:spTree>
     <p:extLst>
       <p:ext uri="{BB962C8B-B14F-4D97-AF65-F5344CB8AC3E}">
-        <p14:creationId xmlns:p14="http://schemas.microsoft.com/office/powerpoint/2010/main" val="2081707728"/>
+        <p14:creationId xmlns:p14="http://schemas.microsoft.com/office/powerpoint/2010/main" val="1917427612"/>
       </p:ext>
     </p:extLst>
   </p:cSld>
@@ -4015,14 +3946,6 @@
 <file path=ppt/slides/slide12.xml><?xml version="1.0" encoding="utf-8"?>
 <p:sld xmlns:a="http://schemas.openxmlformats.org/drawingml/2006/main" xmlns:r="http://schemas.openxmlformats.org/officeDocument/2006/relationships" xmlns:p="http://schemas.openxmlformats.org/presentationml/2006/main">
   <p:cSld>
-    <p:bg>
-      <p:bgPr>
-        <a:solidFill>
-          <a:srgbClr val="4C4C4C"/>
-        </a:solidFill>
-        <a:effectLst/>
-      </p:bgPr>
-    </p:bg>
     <p:spTree>
       <p:nvGrpSpPr>
         <p:cNvPr id="1" name=""/>
@@ -4045,8 +3968,8 @@
         </p:nvSpPr>
         <p:spPr>
           <a:xfrm>
-            <a:off x="674914" y="598715"/>
-            <a:ext cx="4158343" cy="769441"/>
+            <a:off x="859971" y="664029"/>
+            <a:ext cx="5256015" cy="769441"/>
           </a:xfrm>
           <a:prstGeom prst="rect">
             <a:avLst/>
@@ -4060,12 +3983,20 @@
           <a:lstStyle/>
           <a:p>
             <a:r>
+              <a:rPr kumimoji="1" lang="en-US" altLang="ko-KR" sz="4400" b="1" dirty="0" err="1" smtClean="0">
+                <a:solidFill>
+                  <a:schemeClr val="accent2"/>
+                </a:solidFill>
+              </a:rPr>
+              <a:t>Github</a:t>
+            </a:r>
+            <a:r>
               <a:rPr kumimoji="1" lang="en-US" altLang="ko-KR" sz="4400" b="1" dirty="0" smtClean="0">
                 <a:solidFill>
                   <a:schemeClr val="accent2"/>
                 </a:solidFill>
               </a:rPr>
-              <a:t>Serious</a:t>
+              <a:t> -  README</a:t>
             </a:r>
             <a:endParaRPr kumimoji="1" lang="ko-KR" altLang="en-US" sz="4400" b="1" dirty="0">
               <a:solidFill>
@@ -4077,7 +4008,7 @@
       </p:sp>
       <p:pic>
         <p:nvPicPr>
-          <p:cNvPr id="6" name="그림 5"/>
+          <p:cNvPr id="7" name="그림 6"/>
           <p:cNvPicPr>
             <a:picLocks noChangeAspect="1"/>
           </p:cNvPicPr>
@@ -4097,8 +4028,8 @@
         </p:blipFill>
         <p:spPr>
           <a:xfrm>
-            <a:off x="1251923" y="3351620"/>
-            <a:ext cx="4089400" cy="774700"/>
+            <a:off x="1975312" y="1433470"/>
+            <a:ext cx="7978158" cy="4986349"/>
           </a:xfrm>
           <a:prstGeom prst="rect">
             <a:avLst/>
@@ -4107,14 +4038,250 @@
       </p:pic>
       <p:sp>
         <p:nvSpPr>
-          <p:cNvPr id="9" name="텍스트 상자 8"/>
+          <p:cNvPr id="2" name="액자 1"/>
+          <p:cNvSpPr/>
+          <p:nvPr/>
+        </p:nvSpPr>
+        <p:spPr>
+          <a:xfrm>
+            <a:off x="2915322" y="1764254"/>
+            <a:ext cx="2237591" cy="204395"/>
+          </a:xfrm>
+          <a:prstGeom prst="frame">
+            <a:avLst/>
+          </a:prstGeom>
+          <a:solidFill>
+            <a:srgbClr val="FF0000"/>
+          </a:solidFill>
+          <a:ln>
+            <a:solidFill>
+              <a:srgbClr val="FF0000"/>
+            </a:solidFill>
+          </a:ln>
+        </p:spPr>
+        <p:style>
+          <a:lnRef idx="2">
+            <a:schemeClr val="accent1">
+              <a:shade val="50000"/>
+            </a:schemeClr>
+          </a:lnRef>
+          <a:fillRef idx="1">
+            <a:schemeClr val="accent1"/>
+          </a:fillRef>
+          <a:effectRef idx="0">
+            <a:schemeClr val="accent1"/>
+          </a:effectRef>
+          <a:fontRef idx="minor">
+            <a:schemeClr val="lt1"/>
+          </a:fontRef>
+        </p:style>
+        <p:txBody>
+          <a:bodyPr rtlCol="0" anchor="ctr"/>
+          <a:lstStyle/>
+          <a:p>
+            <a:pPr algn="ctr"/>
+            <a:endParaRPr kumimoji="1" lang="ko-KR" altLang="en-US">
+              <a:ln w="0"/>
+              <a:solidFill>
+                <a:schemeClr val="tx1"/>
+              </a:solidFill>
+              <a:effectLst>
+                <a:outerShdw blurRad="38100" dist="19050" dir="2700000" algn="tl" rotWithShape="0">
+                  <a:schemeClr val="dk1">
+                    <a:alpha val="40000"/>
+                  </a:schemeClr>
+                </a:outerShdw>
+              </a:effectLst>
+            </a:endParaRPr>
+          </a:p>
+        </p:txBody>
+      </p:sp>
+      <p:cxnSp>
+        <p:nvCxnSpPr>
+          <p:cNvPr id="6" name="직선 연결선[R] 5"/>
+          <p:cNvCxnSpPr>
+            <a:stCxn id="2" idx="3"/>
+          </p:cNvCxnSpPr>
+          <p:nvPr/>
+        </p:nvCxnSpPr>
+        <p:spPr>
+          <a:xfrm flipV="1">
+            <a:off x="5152913" y="1140311"/>
+            <a:ext cx="2119256" cy="726141"/>
+          </a:xfrm>
+          <a:prstGeom prst="line">
+            <a:avLst/>
+          </a:prstGeom>
+          <a:ln>
+            <a:solidFill>
+              <a:srgbClr val="FF0000"/>
+            </a:solidFill>
+          </a:ln>
+        </p:spPr>
+        <p:style>
+          <a:lnRef idx="1">
+            <a:schemeClr val="accent1"/>
+          </a:lnRef>
+          <a:fillRef idx="0">
+            <a:schemeClr val="accent1"/>
+          </a:fillRef>
+          <a:effectRef idx="0">
+            <a:schemeClr val="accent1"/>
+          </a:effectRef>
+          <a:fontRef idx="minor">
+            <a:schemeClr val="tx1"/>
+          </a:fontRef>
+        </p:style>
+      </p:cxnSp>
+      <p:sp>
+        <p:nvSpPr>
+          <p:cNvPr id="8" name="직사각형 7"/>
+          <p:cNvSpPr/>
+          <p:nvPr/>
+        </p:nvSpPr>
+        <p:spPr>
+          <a:xfrm>
+            <a:off x="7207624" y="664029"/>
+            <a:ext cx="4335331" cy="616131"/>
+          </a:xfrm>
+          <a:prstGeom prst="rect">
+            <a:avLst/>
+          </a:prstGeom>
+          <a:solidFill>
+            <a:srgbClr val="FF0000"/>
+          </a:solidFill>
+          <a:ln>
+            <a:solidFill>
+              <a:srgbClr val="FF0000"/>
+            </a:solidFill>
+          </a:ln>
+        </p:spPr>
+        <p:style>
+          <a:lnRef idx="2">
+            <a:schemeClr val="accent1">
+              <a:shade val="50000"/>
+            </a:schemeClr>
+          </a:lnRef>
+          <a:fillRef idx="1">
+            <a:schemeClr val="accent1"/>
+          </a:fillRef>
+          <a:effectRef idx="0">
+            <a:schemeClr val="accent1"/>
+          </a:effectRef>
+          <a:fontRef idx="minor">
+            <a:schemeClr val="lt1"/>
+          </a:fontRef>
+        </p:style>
+        <p:txBody>
+          <a:bodyPr rtlCol="0" anchor="ctr"/>
+          <a:lstStyle/>
+          <a:p>
+            <a:pPr algn="ctr"/>
+            <a:r>
+              <a:rPr kumimoji="1" lang="en-US" altLang="ko-KR" b="1" dirty="0" smtClean="0"/>
+              <a:t>Https://</a:t>
+            </a:r>
+            <a:r>
+              <a:rPr kumimoji="1" lang="en-US" altLang="ko-KR" b="1" dirty="0" err="1" smtClean="0"/>
+              <a:t>github.com</a:t>
+            </a:r>
+            <a:r>
+              <a:rPr kumimoji="1" lang="en-US" altLang="ko-KR" b="1" dirty="0" smtClean="0"/>
+              <a:t>/</a:t>
+            </a:r>
+            <a:r>
+              <a:rPr kumimoji="1" lang="en-US" altLang="ko-KR" b="1" dirty="0" err="1" smtClean="0"/>
+              <a:t>alchon</a:t>
+            </a:r>
+            <a:r>
+              <a:rPr kumimoji="1" lang="en-US" altLang="ko-KR" b="1" dirty="0" smtClean="0"/>
+              <a:t>/</a:t>
+            </a:r>
+            <a:r>
+              <a:rPr kumimoji="1" lang="en-US" altLang="ko-KR" b="1" dirty="0" err="1" smtClean="0"/>
+              <a:t>simpsons</a:t>
+            </a:r>
+            <a:endParaRPr kumimoji="1" lang="ko-KR" altLang="en-US" b="1" dirty="0"/>
+          </a:p>
+        </p:txBody>
+      </p:sp>
+    </p:spTree>
+    <p:extLst>
+      <p:ext uri="{BB962C8B-B14F-4D97-AF65-F5344CB8AC3E}">
+        <p14:creationId xmlns:p14="http://schemas.microsoft.com/office/powerpoint/2010/main" val="827265300"/>
+      </p:ext>
+    </p:extLst>
+  </p:cSld>
+  <p:clrMapOvr>
+    <a:masterClrMapping/>
+  </p:clrMapOvr>
+  <p:timing>
+    <p:tnLst>
+      <p:par>
+        <p:cTn id="1" dur="indefinite" restart="never" nodeType="tmRoot"/>
+      </p:par>
+    </p:tnLst>
+  </p:timing>
+</p:sld>
+</file>
+
+<file path=ppt/slides/slide13.xml><?xml version="1.0" encoding="utf-8"?>
+<p:sld xmlns:a="http://schemas.openxmlformats.org/drawingml/2006/main" xmlns:r="http://schemas.openxmlformats.org/officeDocument/2006/relationships" xmlns:p="http://schemas.openxmlformats.org/presentationml/2006/main">
+  <p:cSld>
+    <p:spTree>
+      <p:nvGrpSpPr>
+        <p:cNvPr id="1" name=""/>
+        <p:cNvGrpSpPr/>
+        <p:nvPr/>
+      </p:nvGrpSpPr>
+      <p:grpSpPr>
+        <a:xfrm>
+          <a:off x="0" y="0"/>
+          <a:ext cx="0" cy="0"/>
+          <a:chOff x="0" y="0"/>
+          <a:chExt cx="0" cy="0"/>
+        </a:xfrm>
+      </p:grpSpPr>
+      <p:pic>
+        <p:nvPicPr>
+          <p:cNvPr id="6" name="그림 5"/>
+          <p:cNvPicPr>
+            <a:picLocks noChangeAspect="1"/>
+          </p:cNvPicPr>
+          <p:nvPr/>
+        </p:nvPicPr>
+        <p:blipFill>
+          <a:blip r:embed="rId2">
+            <a:extLst>
+              <a:ext uri="{28A0092B-C50C-407E-A947-70E740481C1C}">
+                <a14:useLocalDpi xmlns:a14="http://schemas.microsoft.com/office/drawing/2010/main" val="0"/>
+              </a:ext>
+            </a:extLst>
+          </a:blip>
+          <a:stretch>
+            <a:fillRect/>
+          </a:stretch>
+        </p:blipFill>
+        <p:spPr>
+          <a:xfrm>
+            <a:off x="1659467" y="1947332"/>
+            <a:ext cx="8669866" cy="3918113"/>
+          </a:xfrm>
+          <a:prstGeom prst="rect">
+            <a:avLst/>
+          </a:prstGeom>
+        </p:spPr>
+      </p:pic>
+      <p:sp>
+        <p:nvSpPr>
+          <p:cNvPr id="7" name="텍스트 상자 4"/>
           <p:cNvSpPr txBox="1"/>
           <p:nvPr/>
         </p:nvSpPr>
         <p:spPr>
           <a:xfrm>
-            <a:off x="6629928" y="2773262"/>
-            <a:ext cx="5379191" cy="584775"/>
+            <a:off x="859971" y="664029"/>
+            <a:ext cx="5256015" cy="769441"/>
           </a:xfrm>
           <a:prstGeom prst="rect">
             <a:avLst/>
@@ -4128,47 +4295,30 @@
           <a:lstStyle/>
           <a:p>
             <a:r>
-              <a:rPr kumimoji="1" lang="en-US" altLang="ko-KR" sz="3200" b="1" dirty="0" smtClean="0">
-                <a:solidFill>
-                  <a:schemeClr val="bg1"/>
-                </a:solidFill>
-              </a:rPr>
-              <a:t>Distinction Prime number</a:t>
-            </a:r>
-          </a:p>
-        </p:txBody>
-      </p:sp>
-      <p:sp>
-        <p:nvSpPr>
-          <p:cNvPr id="11" name="텍스트 상자 10"/>
-          <p:cNvSpPr txBox="1"/>
-          <p:nvPr/>
-        </p:nvSpPr>
-        <p:spPr>
-          <a:xfrm>
-            <a:off x="6071940" y="2755900"/>
-            <a:ext cx="340625" cy="646331"/>
-          </a:xfrm>
-          <a:prstGeom prst="rect">
-            <a:avLst/>
-          </a:prstGeom>
-          <a:noFill/>
-        </p:spPr>
-        <p:txBody>
-          <a:bodyPr wrap="square" rtlCol="0">
-            <a:spAutoFit/>
-          </a:bodyPr>
-          <a:lstStyle/>
-          <a:p>
-            <a:r>
-              <a:rPr kumimoji="1" lang="en-US" altLang="ko-KR" sz="3600" b="1" dirty="0" smtClean="0">
+              <a:rPr kumimoji="1" lang="en-US" altLang="ko-KR" sz="4400" b="1" dirty="0" err="1" smtClean="0">
                 <a:solidFill>
                   <a:schemeClr val="accent2"/>
                 </a:solidFill>
               </a:rPr>
-              <a:t>P </a:t>
-            </a:r>
-            <a:endParaRPr kumimoji="1" lang="ko-KR" altLang="en-US" sz="3600" b="1" dirty="0">
+              <a:t>Github</a:t>
+            </a:r>
+            <a:r>
+              <a:rPr kumimoji="1" lang="en-US" altLang="ko-KR" sz="4400" b="1" dirty="0" smtClean="0">
+                <a:solidFill>
+                  <a:schemeClr val="accent2"/>
+                </a:solidFill>
+              </a:rPr>
+              <a:t> -  </a:t>
+            </a:r>
+            <a:r>
+              <a:rPr kumimoji="1" lang="en-US" altLang="ko-KR" sz="4400" b="1" dirty="0" smtClean="0">
+                <a:solidFill>
+                  <a:schemeClr val="accent2"/>
+                </a:solidFill>
+              </a:rPr>
+              <a:t>ISSUE</a:t>
+            </a:r>
+            <a:endParaRPr kumimoji="1" lang="ko-KR" altLang="en-US" sz="4400" b="1" dirty="0">
               <a:solidFill>
                 <a:schemeClr val="accent2"/>
               </a:solidFill>
@@ -4176,16 +4326,53 @@
           </a:p>
         </p:txBody>
       </p:sp>
-      <p:sp>
-        <p:nvSpPr>
-          <p:cNvPr id="12" name="텍스트 상자 11"/>
+    </p:spTree>
+    <p:extLst>
+      <p:ext uri="{BB962C8B-B14F-4D97-AF65-F5344CB8AC3E}">
+        <p14:creationId xmlns:p14="http://schemas.microsoft.com/office/powerpoint/2010/main" val="1362260773"/>
+      </p:ext>
+    </p:extLst>
+  </p:cSld>
+  <p:clrMapOvr>
+    <a:masterClrMapping/>
+  </p:clrMapOvr>
+  <p:timing>
+    <p:tnLst>
+      <p:par>
+        <p:cTn id="1" dur="indefinite" restart="never" nodeType="tmRoot"/>
+      </p:par>
+    </p:tnLst>
+  </p:timing>
+</p:sld>
+</file>
+
+<file path=ppt/slides/slide14.xml><?xml version="1.0" encoding="utf-8"?>
+<p:sld xmlns:a="http://schemas.openxmlformats.org/drawingml/2006/main" xmlns:r="http://schemas.openxmlformats.org/officeDocument/2006/relationships" xmlns:p="http://schemas.openxmlformats.org/presentationml/2006/main">
+  <p:cSld>
+    <p:spTree>
+      <p:nvGrpSpPr>
+        <p:cNvPr id="1" name=""/>
+        <p:cNvGrpSpPr/>
+        <p:nvPr/>
+      </p:nvGrpSpPr>
+      <p:grpSpPr>
+        <a:xfrm>
+          <a:off x="0" y="0"/>
+          <a:ext cx="0" cy="0"/>
+          <a:chOff x="0" y="0"/>
+          <a:chExt cx="0" cy="0"/>
+        </a:xfrm>
+      </p:grpSpPr>
+      <p:sp>
+        <p:nvSpPr>
+          <p:cNvPr id="4" name="텍스트 상자 4"/>
           <p:cNvSpPr txBox="1"/>
           <p:nvPr/>
         </p:nvSpPr>
         <p:spPr>
           <a:xfrm>
-            <a:off x="6080727" y="3465533"/>
-            <a:ext cx="1410184" cy="646331"/>
+            <a:off x="674914" y="598715"/>
+            <a:ext cx="7131353" cy="769441"/>
           </a:xfrm>
           <a:prstGeom prst="rect">
             <a:avLst/>
@@ -4199,14 +4386,62 @@
           <a:lstStyle/>
           <a:p>
             <a:r>
-              <a:rPr kumimoji="1" lang="en-US" altLang="ko-KR" sz="3600" b="1" dirty="0" smtClean="0">
+              <a:rPr kumimoji="1" lang="en-US" altLang="ko-KR" sz="4400" b="1" dirty="0" smtClean="0">
                 <a:solidFill>
                   <a:schemeClr val="accent2"/>
                 </a:solidFill>
               </a:rPr>
-              <a:t>MOD </a:t>
-            </a:r>
-            <a:endParaRPr kumimoji="1" lang="ko-KR" altLang="en-US" sz="3600" b="1" dirty="0">
+              <a:t>Serious</a:t>
+            </a:r>
+            <a:r>
+              <a:rPr kumimoji="1" lang="ko-KR" altLang="en-US" sz="4400" b="1" dirty="0" smtClean="0">
+                <a:solidFill>
+                  <a:schemeClr val="accent2"/>
+                </a:solidFill>
+              </a:rPr>
+              <a:t> </a:t>
+            </a:r>
+            <a:r>
+              <a:rPr kumimoji="1" lang="en-US" altLang="ko-KR" sz="4400" b="1" dirty="0" smtClean="0">
+                <a:solidFill>
+                  <a:schemeClr val="accent2"/>
+                </a:solidFill>
+              </a:rPr>
+              <a:t>–</a:t>
+            </a:r>
+            <a:r>
+              <a:rPr kumimoji="1" lang="ko-KR" altLang="en-US" sz="4400" b="1" dirty="0" smtClean="0">
+                <a:solidFill>
+                  <a:schemeClr val="accent2"/>
+                </a:solidFill>
+              </a:rPr>
+              <a:t> </a:t>
+            </a:r>
+            <a:r>
+              <a:rPr kumimoji="1" lang="en-US" altLang="ko-KR" sz="4400" b="1" dirty="0" smtClean="0">
+                <a:solidFill>
+                  <a:schemeClr val="accent2"/>
+                </a:solidFill>
+              </a:rPr>
+              <a:t>Release</a:t>
+            </a:r>
+            <a:r>
+              <a:rPr kumimoji="1" lang="ko-KR" altLang="en-US" sz="4400" b="1" dirty="0" smtClean="0">
+                <a:solidFill>
+                  <a:schemeClr val="accent2"/>
+                </a:solidFill>
+              </a:rPr>
+              <a:t> </a:t>
+            </a:r>
+            <a:r>
+              <a:rPr kumimoji="1" lang="en-US" altLang="ko-KR" sz="4400" b="1" dirty="0" smtClean="0">
+                <a:solidFill>
+                  <a:schemeClr val="accent2"/>
+                </a:solidFill>
+              </a:rPr>
+              <a:t>v1.0</a:t>
+            </a:r>
+            <a:endParaRPr kumimoji="1" lang="ko-KR" altLang="en-US" sz="4400" b="1" dirty="0">
               <a:solidFill>
                 <a:schemeClr val="accent2"/>
               </a:solidFill>
@@ -4214,16 +4449,83 @@
           </a:p>
         </p:txBody>
       </p:sp>
-      <p:sp>
-        <p:nvSpPr>
-          <p:cNvPr id="13" name="텍스트 상자 12"/>
+      <p:pic>
+        <p:nvPicPr>
+          <p:cNvPr id="6" name="그림 5"/>
+          <p:cNvPicPr>
+            <a:picLocks noChangeAspect="1"/>
+          </p:cNvPicPr>
+          <p:nvPr/>
+        </p:nvPicPr>
+        <p:blipFill>
+          <a:blip r:embed="rId2">
+            <a:extLst>
+              <a:ext uri="{28A0092B-C50C-407E-A947-70E740481C1C}">
+                <a14:useLocalDpi xmlns:a14="http://schemas.microsoft.com/office/drawing/2010/main" val="0"/>
+              </a:ext>
+            </a:extLst>
+          </a:blip>
+          <a:stretch>
+            <a:fillRect/>
+          </a:stretch>
+        </p:blipFill>
+        <p:spPr>
+          <a:xfrm>
+            <a:off x="682841" y="1553894"/>
+            <a:ext cx="10827593" cy="4709519"/>
+          </a:xfrm>
+          <a:prstGeom prst="rect">
+            <a:avLst/>
+          </a:prstGeom>
+        </p:spPr>
+      </p:pic>
+    </p:spTree>
+    <p:extLst>
+      <p:ext uri="{BB962C8B-B14F-4D97-AF65-F5344CB8AC3E}">
+        <p14:creationId xmlns:p14="http://schemas.microsoft.com/office/powerpoint/2010/main" val="1432350623"/>
+      </p:ext>
+    </p:extLst>
+  </p:cSld>
+  <p:clrMapOvr>
+    <a:masterClrMapping/>
+  </p:clrMapOvr>
+  <p:timing>
+    <p:tnLst>
+      <p:par>
+        <p:cTn id="1" dur="indefinite" restart="never" nodeType="tmRoot"/>
+      </p:par>
+    </p:tnLst>
+  </p:timing>
+</p:sld>
+</file>
+
+<file path=ppt/slides/slide15.xml><?xml version="1.0" encoding="utf-8"?>
+<p:sld xmlns:a="http://schemas.openxmlformats.org/drawingml/2006/main" xmlns:r="http://schemas.openxmlformats.org/officeDocument/2006/relationships" xmlns:p="http://schemas.openxmlformats.org/presentationml/2006/main">
+  <p:cSld>
+    <p:spTree>
+      <p:nvGrpSpPr>
+        <p:cNvPr id="1" name=""/>
+        <p:cNvGrpSpPr/>
+        <p:nvPr/>
+      </p:nvGrpSpPr>
+      <p:grpSpPr>
+        <a:xfrm>
+          <a:off x="0" y="0"/>
+          <a:ext cx="0" cy="0"/>
+          <a:chOff x="0" y="0"/>
+          <a:chExt cx="0" cy="0"/>
+        </a:xfrm>
+      </p:grpSpPr>
+      <p:sp>
+        <p:nvSpPr>
+          <p:cNvPr id="4" name="텍스트 상자 4"/>
           <p:cNvSpPr txBox="1"/>
           <p:nvPr/>
         </p:nvSpPr>
         <p:spPr>
           <a:xfrm>
-            <a:off x="6080725" y="4175166"/>
-            <a:ext cx="1410185" cy="646331"/>
+            <a:off x="674915" y="598715"/>
+            <a:ext cx="6894286" cy="769441"/>
           </a:xfrm>
           <a:prstGeom prst="rect">
             <a:avLst/>
@@ -4237,14 +4539,46 @@
           <a:lstStyle/>
           <a:p>
             <a:r>
-              <a:rPr kumimoji="1" lang="en-US" altLang="ko-KR" sz="3600" b="1" dirty="0" smtClean="0">
+              <a:rPr kumimoji="1" lang="en-US" altLang="ko-KR" sz="4400" b="1" dirty="0" smtClean="0">
                 <a:solidFill>
                   <a:schemeClr val="accent2"/>
                 </a:solidFill>
               </a:rPr>
-              <a:t>AVG </a:t>
-            </a:r>
-            <a:endParaRPr kumimoji="1" lang="ko-KR" altLang="en-US" sz="3600" b="1" dirty="0">
+              <a:t>Serious</a:t>
+            </a:r>
+            <a:r>
+              <a:rPr kumimoji="1" lang="ko-KR" altLang="en-US" sz="4400" b="1" dirty="0" smtClean="0">
+                <a:solidFill>
+                  <a:schemeClr val="accent2"/>
+                </a:solidFill>
+              </a:rPr>
+              <a:t> </a:t>
+            </a:r>
+            <a:r>
+              <a:rPr kumimoji="1" lang="en-US" altLang="ko-KR" sz="4400" b="1" dirty="0" smtClean="0">
+                <a:solidFill>
+                  <a:schemeClr val="accent2"/>
+                </a:solidFill>
+              </a:rPr>
+              <a:t>–</a:t>
+            </a:r>
+            <a:r>
+              <a:rPr kumimoji="1" lang="ko-KR" altLang="en-US" sz="4400" b="1" dirty="0" smtClean="0">
+                <a:solidFill>
+                  <a:schemeClr val="accent2"/>
+                </a:solidFill>
+              </a:rPr>
+              <a:t> </a:t>
+            </a:r>
+            <a:r>
+              <a:rPr kumimoji="1" lang="en-US" altLang="ko-KR" sz="4400" b="1" dirty="0" smtClean="0">
+                <a:solidFill>
+                  <a:schemeClr val="accent2"/>
+                </a:solidFill>
+              </a:rPr>
+              <a:t>Issue Feedback</a:t>
+            </a:r>
+            <a:endParaRPr kumimoji="1" lang="ko-KR" altLang="en-US" sz="4400" b="1" dirty="0">
               <a:solidFill>
                 <a:schemeClr val="accent2"/>
               </a:solidFill>
@@ -4252,16 +4586,83 @@
           </a:p>
         </p:txBody>
       </p:sp>
-      <p:sp>
-        <p:nvSpPr>
-          <p:cNvPr id="14" name="텍스트 상자 13"/>
+      <p:pic>
+        <p:nvPicPr>
+          <p:cNvPr id="5" name="그림 4"/>
+          <p:cNvPicPr>
+            <a:picLocks noChangeAspect="1"/>
+          </p:cNvPicPr>
+          <p:nvPr/>
+        </p:nvPicPr>
+        <p:blipFill>
+          <a:blip r:embed="rId2">
+            <a:extLst>
+              <a:ext uri="{28A0092B-C50C-407E-A947-70E740481C1C}">
+                <a14:useLocalDpi xmlns:a14="http://schemas.microsoft.com/office/drawing/2010/main" val="0"/>
+              </a:ext>
+            </a:extLst>
+          </a:blip>
+          <a:stretch>
+            <a:fillRect/>
+          </a:stretch>
+        </p:blipFill>
+        <p:spPr>
+          <a:xfrm>
+            <a:off x="1768405" y="1507067"/>
+            <a:ext cx="8717562" cy="5016500"/>
+          </a:xfrm>
+          <a:prstGeom prst="rect">
+            <a:avLst/>
+          </a:prstGeom>
+        </p:spPr>
+      </p:pic>
+    </p:spTree>
+    <p:extLst>
+      <p:ext uri="{BB962C8B-B14F-4D97-AF65-F5344CB8AC3E}">
+        <p14:creationId xmlns:p14="http://schemas.microsoft.com/office/powerpoint/2010/main" val="1091168438"/>
+      </p:ext>
+    </p:extLst>
+  </p:cSld>
+  <p:clrMapOvr>
+    <a:masterClrMapping/>
+  </p:clrMapOvr>
+  <p:timing>
+    <p:tnLst>
+      <p:par>
+        <p:cTn id="1" dur="indefinite" restart="never" nodeType="tmRoot"/>
+      </p:par>
+    </p:tnLst>
+  </p:timing>
+</p:sld>
+</file>
+
+<file path=ppt/slides/slide16.xml><?xml version="1.0" encoding="utf-8"?>
+<p:sld xmlns:a="http://schemas.openxmlformats.org/drawingml/2006/main" xmlns:r="http://schemas.openxmlformats.org/officeDocument/2006/relationships" xmlns:p="http://schemas.openxmlformats.org/presentationml/2006/main">
+  <p:cSld>
+    <p:spTree>
+      <p:nvGrpSpPr>
+        <p:cNvPr id="1" name=""/>
+        <p:cNvGrpSpPr/>
+        <p:nvPr/>
+      </p:nvGrpSpPr>
+      <p:grpSpPr>
+        <a:xfrm>
+          <a:off x="0" y="0"/>
+          <a:ext cx="0" cy="0"/>
+          <a:chOff x="0" y="0"/>
+          <a:chExt cx="0" cy="0"/>
+        </a:xfrm>
+      </p:grpSpPr>
+      <p:sp>
+        <p:nvSpPr>
+          <p:cNvPr id="4" name="텍스트 상자 4"/>
           <p:cNvSpPr txBox="1"/>
           <p:nvPr/>
         </p:nvSpPr>
         <p:spPr>
           <a:xfrm>
-            <a:off x="6080725" y="4884800"/>
-            <a:ext cx="340625" cy="646331"/>
+            <a:off x="674914" y="598715"/>
+            <a:ext cx="7131353" cy="769441"/>
           </a:xfrm>
           <a:prstGeom prst="rect">
             <a:avLst/>
@@ -4275,14 +4676,62 @@
           <a:lstStyle/>
           <a:p>
             <a:r>
-              <a:rPr kumimoji="1" lang="en-US" altLang="ko-KR" sz="3600" b="1" dirty="0" smtClean="0">
+              <a:rPr kumimoji="1" lang="en-US" altLang="ko-KR" sz="4400" b="1" dirty="0" smtClean="0">
                 <a:solidFill>
                   <a:schemeClr val="accent2"/>
                 </a:solidFill>
               </a:rPr>
-              <a:t>! </a:t>
-            </a:r>
-            <a:endParaRPr kumimoji="1" lang="ko-KR" altLang="en-US" sz="3600" b="1" dirty="0">
+              <a:t>Serious</a:t>
+            </a:r>
+            <a:r>
+              <a:rPr kumimoji="1" lang="ko-KR" altLang="en-US" sz="4400" b="1" dirty="0" smtClean="0">
+                <a:solidFill>
+                  <a:schemeClr val="accent2"/>
+                </a:solidFill>
+              </a:rPr>
+              <a:t> </a:t>
+            </a:r>
+            <a:r>
+              <a:rPr kumimoji="1" lang="en-US" altLang="ko-KR" sz="4400" b="1" dirty="0" smtClean="0">
+                <a:solidFill>
+                  <a:schemeClr val="accent2"/>
+                </a:solidFill>
+              </a:rPr>
+              <a:t>–</a:t>
+            </a:r>
+            <a:r>
+              <a:rPr kumimoji="1" lang="ko-KR" altLang="en-US" sz="4400" b="1" dirty="0" smtClean="0">
+                <a:solidFill>
+                  <a:schemeClr val="accent2"/>
+                </a:solidFill>
+              </a:rPr>
+              <a:t> </a:t>
+            </a:r>
+            <a:r>
+              <a:rPr kumimoji="1" lang="en-US" altLang="ko-KR" sz="4400" b="1" dirty="0" smtClean="0">
+                <a:solidFill>
+                  <a:schemeClr val="accent2"/>
+                </a:solidFill>
+              </a:rPr>
+              <a:t>Release</a:t>
+            </a:r>
+            <a:r>
+              <a:rPr kumimoji="1" lang="ko-KR" altLang="en-US" sz="4400" b="1" dirty="0" smtClean="0">
+                <a:solidFill>
+                  <a:schemeClr val="accent2"/>
+                </a:solidFill>
+              </a:rPr>
+              <a:t> </a:t>
+            </a:r>
+            <a:r>
+              <a:rPr kumimoji="1" lang="en-US" altLang="ko-KR" sz="4400" b="1" dirty="0" smtClean="0">
+                <a:solidFill>
+                  <a:schemeClr val="accent2"/>
+                </a:solidFill>
+              </a:rPr>
+              <a:t>v1.0.1</a:t>
+            </a:r>
+            <a:endParaRPr kumimoji="1" lang="ko-KR" altLang="en-US" sz="4400" b="1" dirty="0">
               <a:solidFill>
                 <a:schemeClr val="accent2"/>
               </a:solidFill>
@@ -4290,16 +4739,83 @@
           </a:p>
         </p:txBody>
       </p:sp>
-      <p:sp>
-        <p:nvSpPr>
-          <p:cNvPr id="15" name="텍스트 상자 14"/>
+      <p:pic>
+        <p:nvPicPr>
+          <p:cNvPr id="5" name="그림 4"/>
+          <p:cNvPicPr>
+            <a:picLocks noChangeAspect="1"/>
+          </p:cNvPicPr>
+          <p:nvPr/>
+        </p:nvPicPr>
+        <p:blipFill>
+          <a:blip r:embed="rId2">
+            <a:extLst>
+              <a:ext uri="{28A0092B-C50C-407E-A947-70E740481C1C}">
+                <a14:useLocalDpi xmlns:a14="http://schemas.microsoft.com/office/drawing/2010/main" val="0"/>
+              </a:ext>
+            </a:extLst>
+          </a:blip>
+          <a:stretch>
+            <a:fillRect/>
+          </a:stretch>
+        </p:blipFill>
+        <p:spPr>
+          <a:xfrm>
+            <a:off x="674914" y="1885946"/>
+            <a:ext cx="10922000" cy="4241340"/>
+          </a:xfrm>
+          <a:prstGeom prst="rect">
+            <a:avLst/>
+          </a:prstGeom>
+        </p:spPr>
+      </p:pic>
+    </p:spTree>
+    <p:extLst>
+      <p:ext uri="{BB962C8B-B14F-4D97-AF65-F5344CB8AC3E}">
+        <p14:creationId xmlns:p14="http://schemas.microsoft.com/office/powerpoint/2010/main" val="1988286548"/>
+      </p:ext>
+    </p:extLst>
+  </p:cSld>
+  <p:clrMapOvr>
+    <a:masterClrMapping/>
+  </p:clrMapOvr>
+  <p:timing>
+    <p:tnLst>
+      <p:par>
+        <p:cTn id="1" dur="indefinite" restart="never" nodeType="tmRoot"/>
+      </p:par>
+    </p:tnLst>
+  </p:timing>
+</p:sld>
+</file>
+
+<file path=ppt/slides/slide17.xml><?xml version="1.0" encoding="utf-8"?>
+<p:sld xmlns:a="http://schemas.openxmlformats.org/drawingml/2006/main" xmlns:r="http://schemas.openxmlformats.org/officeDocument/2006/relationships" xmlns:p="http://schemas.openxmlformats.org/presentationml/2006/main">
+  <p:cSld>
+    <p:spTree>
+      <p:nvGrpSpPr>
+        <p:cNvPr id="1" name=""/>
+        <p:cNvGrpSpPr/>
+        <p:nvPr/>
+      </p:nvGrpSpPr>
+      <p:grpSpPr>
+        <a:xfrm>
+          <a:off x="0" y="0"/>
+          <a:ext cx="0" cy="0"/>
+          <a:chOff x="0" y="0"/>
+          <a:chExt cx="0" cy="0"/>
+        </a:xfrm>
+      </p:grpSpPr>
+      <p:sp>
+        <p:nvSpPr>
+          <p:cNvPr id="4" name="텍스트 상자 4"/>
           <p:cNvSpPr txBox="1"/>
           <p:nvPr/>
         </p:nvSpPr>
         <p:spPr>
           <a:xfrm>
-            <a:off x="7416631" y="3497627"/>
-            <a:ext cx="2557964" cy="584775"/>
+            <a:off x="674914" y="598715"/>
+            <a:ext cx="7131353" cy="769441"/>
           </a:xfrm>
           <a:prstGeom prst="rect">
             <a:avLst/>
@@ -4313,128 +4829,46 @@
           <a:lstStyle/>
           <a:p>
             <a:r>
-              <a:rPr kumimoji="1" lang="en-US" altLang="ko-KR" sz="3200" b="1" dirty="0" smtClean="0">
-                <a:solidFill>
-                  <a:schemeClr val="bg1"/>
-                </a:solidFill>
-              </a:rPr>
-              <a:t>Remainder</a:t>
-            </a:r>
-            <a:endParaRPr kumimoji="1" lang="ko-KR" altLang="en-US" sz="3200" b="1" dirty="0">
-              <a:solidFill>
-                <a:schemeClr val="bg1"/>
-              </a:solidFill>
-            </a:endParaRPr>
-          </a:p>
-        </p:txBody>
-      </p:sp>
-      <p:sp>
-        <p:nvSpPr>
-          <p:cNvPr id="16" name="텍스트 상자 15"/>
-          <p:cNvSpPr txBox="1"/>
-          <p:nvPr/>
-        </p:nvSpPr>
-        <p:spPr>
-          <a:xfrm>
-            <a:off x="7224852" y="4221992"/>
-            <a:ext cx="2557964" cy="584775"/>
-          </a:xfrm>
-          <a:prstGeom prst="rect">
-            <a:avLst/>
-          </a:prstGeom>
-          <a:noFill/>
-        </p:spPr>
-        <p:txBody>
-          <a:bodyPr wrap="square" rtlCol="0">
-            <a:spAutoFit/>
-          </a:bodyPr>
-          <a:lstStyle/>
-          <a:p>
-            <a:r>
-              <a:rPr kumimoji="1" lang="en-US" altLang="ko-KR" sz="3200" b="1" smtClean="0">
-                <a:solidFill>
-                  <a:schemeClr val="bg1"/>
-                </a:solidFill>
-              </a:rPr>
-              <a:t>Average</a:t>
-            </a:r>
-            <a:endParaRPr kumimoji="1" lang="ko-KR" altLang="en-US" sz="3200" b="1" dirty="0">
-              <a:solidFill>
-                <a:schemeClr val="bg1"/>
-              </a:solidFill>
-            </a:endParaRPr>
-          </a:p>
-        </p:txBody>
-      </p:sp>
-      <p:sp>
-        <p:nvSpPr>
-          <p:cNvPr id="17" name="텍스트 상자 16"/>
-          <p:cNvSpPr txBox="1"/>
-          <p:nvPr/>
-        </p:nvSpPr>
-        <p:spPr>
-          <a:xfrm>
-            <a:off x="6614689" y="4946356"/>
-            <a:ext cx="2557964" cy="584775"/>
-          </a:xfrm>
-          <a:prstGeom prst="rect">
-            <a:avLst/>
-          </a:prstGeom>
-          <a:noFill/>
-        </p:spPr>
-        <p:txBody>
-          <a:bodyPr wrap="square" rtlCol="0">
-            <a:spAutoFit/>
-          </a:bodyPr>
-          <a:lstStyle/>
-          <a:p>
-            <a:r>
-              <a:rPr kumimoji="1" lang="en-US" altLang="ko-KR" sz="3200" b="1" dirty="0" smtClean="0">
-                <a:solidFill>
-                  <a:schemeClr val="bg1"/>
-                </a:solidFill>
-              </a:rPr>
-              <a:t>Factorial</a:t>
-            </a:r>
-            <a:endParaRPr kumimoji="1" lang="ko-KR" altLang="en-US" sz="3200" b="1" dirty="0">
-              <a:solidFill>
-                <a:schemeClr val="bg1"/>
-              </a:solidFill>
-            </a:endParaRPr>
-          </a:p>
-        </p:txBody>
-      </p:sp>
-      <p:sp>
-        <p:nvSpPr>
-          <p:cNvPr id="19" name="텍스트 상자 8"/>
-          <p:cNvSpPr txBox="1"/>
-          <p:nvPr/>
-        </p:nvSpPr>
-        <p:spPr>
-          <a:xfrm>
-            <a:off x="5784858" y="2019116"/>
-            <a:ext cx="3959723" cy="646331"/>
-          </a:xfrm>
-          <a:prstGeom prst="rect">
-            <a:avLst/>
-          </a:prstGeom>
-          <a:noFill/>
-        </p:spPr>
-        <p:txBody>
-          <a:bodyPr wrap="square" rtlCol="0">
-            <a:spAutoFit/>
-          </a:bodyPr>
-          <a:lstStyle/>
-          <a:p>
-            <a:r>
-              <a:rPr kumimoji="1" lang="en-US" altLang="ko-KR" sz="3600" b="1" dirty="0" smtClean="0">
+              <a:rPr kumimoji="1" lang="en-US" altLang="ko-KR" sz="4400" b="1" dirty="0" smtClean="0">
                 <a:solidFill>
                   <a:schemeClr val="accent2"/>
                 </a:solidFill>
               </a:rPr>
-              <a:t>NEW Function</a:t>
-            </a:r>
-            <a:endParaRPr kumimoji="1" lang="ko-KR" altLang="en-US" sz="3600" b="1" dirty="0">
+              <a:t>Serious</a:t>
+            </a:r>
+            <a:r>
+              <a:rPr kumimoji="1" lang="ko-KR" altLang="en-US" sz="4400" b="1" dirty="0" smtClean="0">
+                <a:solidFill>
+                  <a:schemeClr val="accent2"/>
+                </a:solidFill>
+              </a:rPr>
+              <a:t> </a:t>
+            </a:r>
+            <a:r>
+              <a:rPr kumimoji="1" lang="en-US" altLang="ko-KR" sz="4400" b="1" dirty="0" smtClean="0">
+                <a:solidFill>
+                  <a:schemeClr val="accent2"/>
+                </a:solidFill>
+              </a:rPr>
+              <a:t>–</a:t>
+            </a:r>
+            <a:r>
+              <a:rPr kumimoji="1" lang="ko-KR" altLang="en-US" sz="4400" b="1" dirty="0" smtClean="0">
+                <a:solidFill>
+                  <a:schemeClr val="accent2"/>
+                </a:solidFill>
+              </a:rPr>
+              <a:t> </a:t>
+            </a:r>
+            <a:r>
+              <a:rPr kumimoji="1" lang="en-US" altLang="ko-KR" sz="4400" b="1" dirty="0" smtClean="0">
+                <a:solidFill>
+                  <a:schemeClr val="accent2"/>
+                </a:solidFill>
+              </a:rPr>
+              <a:t>Java Doc</a:t>
+            </a:r>
+            <a:endParaRPr kumimoji="1" lang="ko-KR" altLang="en-US" sz="4400" b="1" dirty="0">
               <a:solidFill>
                 <a:schemeClr val="accent2"/>
               </a:solidFill>
@@ -4442,10 +4876,302 @@
           </a:p>
         </p:txBody>
       </p:sp>
+      <p:pic>
+        <p:nvPicPr>
+          <p:cNvPr id="6" name="그림 5"/>
+          <p:cNvPicPr>
+            <a:picLocks noChangeAspect="1"/>
+          </p:cNvPicPr>
+          <p:nvPr/>
+        </p:nvPicPr>
+        <p:blipFill>
+          <a:blip r:embed="rId2">
+            <a:extLst>
+              <a:ext uri="{28A0092B-C50C-407E-A947-70E740481C1C}">
+                <a14:useLocalDpi xmlns:a14="http://schemas.microsoft.com/office/drawing/2010/main" val="0"/>
+              </a:ext>
+            </a:extLst>
+          </a:blip>
+          <a:stretch>
+            <a:fillRect/>
+          </a:stretch>
+        </p:blipFill>
+        <p:spPr>
+          <a:xfrm>
+            <a:off x="3104312" y="1733191"/>
+            <a:ext cx="6121400" cy="4483100"/>
+          </a:xfrm>
+          <a:prstGeom prst="rect">
+            <a:avLst/>
+          </a:prstGeom>
+        </p:spPr>
+      </p:pic>
     </p:spTree>
     <p:extLst>
       <p:ext uri="{BB962C8B-B14F-4D97-AF65-F5344CB8AC3E}">
-        <p14:creationId xmlns:p14="http://schemas.microsoft.com/office/powerpoint/2010/main" val="703778103"/>
+        <p14:creationId xmlns:p14="http://schemas.microsoft.com/office/powerpoint/2010/main" val="1020769587"/>
+      </p:ext>
+    </p:extLst>
+  </p:cSld>
+  <p:clrMapOvr>
+    <a:masterClrMapping/>
+  </p:clrMapOvr>
+  <p:timing>
+    <p:tnLst>
+      <p:par>
+        <p:cTn id="1" dur="indefinite" restart="never" nodeType="tmRoot"/>
+      </p:par>
+    </p:tnLst>
+  </p:timing>
+</p:sld>
+</file>
+
+<file path=ppt/slides/slide18.xml><?xml version="1.0" encoding="utf-8"?>
+<p:sld xmlns:a="http://schemas.openxmlformats.org/drawingml/2006/main" xmlns:r="http://schemas.openxmlformats.org/officeDocument/2006/relationships" xmlns:p="http://schemas.openxmlformats.org/presentationml/2006/main">
+  <p:cSld>
+    <p:spTree>
+      <p:nvGrpSpPr>
+        <p:cNvPr id="1" name=""/>
+        <p:cNvGrpSpPr/>
+        <p:nvPr/>
+      </p:nvGrpSpPr>
+      <p:grpSpPr>
+        <a:xfrm>
+          <a:off x="0" y="0"/>
+          <a:ext cx="0" cy="0"/>
+          <a:chOff x="0" y="0"/>
+          <a:chExt cx="0" cy="0"/>
+        </a:xfrm>
+      </p:grpSpPr>
+      <p:sp>
+        <p:nvSpPr>
+          <p:cNvPr id="4" name="텍스트 상자 4"/>
+          <p:cNvSpPr txBox="1"/>
+          <p:nvPr/>
+        </p:nvSpPr>
+        <p:spPr>
+          <a:xfrm>
+            <a:off x="674915" y="598715"/>
+            <a:ext cx="5691380" cy="769441"/>
+          </a:xfrm>
+          <a:prstGeom prst="rect">
+            <a:avLst/>
+          </a:prstGeom>
+          <a:noFill/>
+        </p:spPr>
+        <p:txBody>
+          <a:bodyPr wrap="square" rtlCol="0">
+            <a:spAutoFit/>
+          </a:bodyPr>
+          <a:lstStyle/>
+          <a:p>
+            <a:r>
+              <a:rPr kumimoji="1" lang="en-US" altLang="ko-KR" sz="4400" b="1" dirty="0" smtClean="0">
+                <a:solidFill>
+                  <a:schemeClr val="accent2"/>
+                </a:solidFill>
+              </a:rPr>
+              <a:t>Review</a:t>
+            </a:r>
+            <a:endParaRPr kumimoji="1" lang="ko-KR" altLang="en-US" sz="4400" b="1" dirty="0">
+              <a:solidFill>
+                <a:schemeClr val="accent2"/>
+              </a:solidFill>
+            </a:endParaRPr>
+          </a:p>
+        </p:txBody>
+      </p:sp>
+      <p:pic>
+        <p:nvPicPr>
+          <p:cNvPr id="6" name="그림 5"/>
+          <p:cNvPicPr>
+            <a:picLocks noChangeAspect="1"/>
+          </p:cNvPicPr>
+          <p:nvPr/>
+        </p:nvPicPr>
+        <p:blipFill>
+          <a:blip r:embed="rId2">
+            <a:extLst>
+              <a:ext uri="{28A0092B-C50C-407E-A947-70E740481C1C}">
+                <a14:useLocalDpi xmlns:a14="http://schemas.microsoft.com/office/drawing/2010/main" val="0"/>
+              </a:ext>
+            </a:extLst>
+          </a:blip>
+          <a:stretch>
+            <a:fillRect/>
+          </a:stretch>
+        </p:blipFill>
+        <p:spPr>
+          <a:xfrm>
+            <a:off x="1341600" y="1368156"/>
+            <a:ext cx="5220659" cy="5281364"/>
+          </a:xfrm>
+          <a:prstGeom prst="rect">
+            <a:avLst/>
+          </a:prstGeom>
+        </p:spPr>
+      </p:pic>
+      <p:pic>
+        <p:nvPicPr>
+          <p:cNvPr id="7" name="그림 6"/>
+          <p:cNvPicPr>
+            <a:picLocks noChangeAspect="1"/>
+          </p:cNvPicPr>
+          <p:nvPr/>
+        </p:nvPicPr>
+        <p:blipFill>
+          <a:blip r:embed="rId3">
+            <a:extLst>
+              <a:ext uri="{28A0092B-C50C-407E-A947-70E740481C1C}">
+                <a14:useLocalDpi xmlns:a14="http://schemas.microsoft.com/office/drawing/2010/main" val="0"/>
+              </a:ext>
+            </a:extLst>
+          </a:blip>
+          <a:stretch>
+            <a:fillRect/>
+          </a:stretch>
+        </p:blipFill>
+        <p:spPr>
+          <a:xfrm>
+            <a:off x="6797618" y="1368156"/>
+            <a:ext cx="3915041" cy="5281364"/>
+          </a:xfrm>
+          <a:prstGeom prst="rect">
+            <a:avLst/>
+          </a:prstGeom>
+        </p:spPr>
+      </p:pic>
+    </p:spTree>
+    <p:extLst>
+      <p:ext uri="{BB962C8B-B14F-4D97-AF65-F5344CB8AC3E}">
+        <p14:creationId xmlns:p14="http://schemas.microsoft.com/office/powerpoint/2010/main" val="1244564045"/>
+      </p:ext>
+    </p:extLst>
+  </p:cSld>
+  <p:clrMapOvr>
+    <a:masterClrMapping/>
+  </p:clrMapOvr>
+  <p:timing>
+    <p:tnLst>
+      <p:par>
+        <p:cTn id="1" dur="indefinite" restart="never" nodeType="tmRoot"/>
+      </p:par>
+    </p:tnLst>
+  </p:timing>
+</p:sld>
+</file>
+
+<file path=ppt/slides/slide19.xml><?xml version="1.0" encoding="utf-8"?>
+<p:sld xmlns:a="http://schemas.openxmlformats.org/drawingml/2006/main" xmlns:r="http://schemas.openxmlformats.org/officeDocument/2006/relationships" xmlns:p="http://schemas.openxmlformats.org/presentationml/2006/main">
+  <p:cSld>
+    <p:spTree>
+      <p:nvGrpSpPr>
+        <p:cNvPr id="1" name=""/>
+        <p:cNvGrpSpPr/>
+        <p:nvPr/>
+      </p:nvGrpSpPr>
+      <p:grpSpPr>
+        <a:xfrm>
+          <a:off x="0" y="0"/>
+          <a:ext cx="0" cy="0"/>
+          <a:chOff x="0" y="0"/>
+          <a:chExt cx="0" cy="0"/>
+        </a:xfrm>
+      </p:grpSpPr>
+      <p:sp>
+        <p:nvSpPr>
+          <p:cNvPr id="6" name="타원 5"/>
+          <p:cNvSpPr/>
+          <p:nvPr/>
+        </p:nvSpPr>
+        <p:spPr>
+          <a:xfrm>
+            <a:off x="3173632" y="500741"/>
+            <a:ext cx="5856514" cy="5856514"/>
+          </a:xfrm>
+          <a:prstGeom prst="ellipse">
+            <a:avLst/>
+          </a:prstGeom>
+          <a:solidFill>
+            <a:schemeClr val="bg1"/>
+          </a:solidFill>
+          <a:ln>
+            <a:solidFill>
+              <a:schemeClr val="accent2"/>
+            </a:solidFill>
+          </a:ln>
+        </p:spPr>
+        <p:style>
+          <a:lnRef idx="2">
+            <a:schemeClr val="accent1">
+              <a:shade val="50000"/>
+            </a:schemeClr>
+          </a:lnRef>
+          <a:fillRef idx="1">
+            <a:schemeClr val="accent1"/>
+          </a:fillRef>
+          <a:effectRef idx="0">
+            <a:schemeClr val="accent1"/>
+          </a:effectRef>
+          <a:fontRef idx="minor">
+            <a:schemeClr val="lt1"/>
+          </a:fontRef>
+        </p:style>
+        <p:txBody>
+          <a:bodyPr rtlCol="0" anchor="ctr"/>
+          <a:lstStyle/>
+          <a:p>
+            <a:pPr algn="ctr"/>
+            <a:endParaRPr kumimoji="1" lang="ko-KR" altLang="en-US" dirty="0">
+              <a:solidFill>
+                <a:schemeClr val="accent2"/>
+              </a:solidFill>
+            </a:endParaRPr>
+          </a:p>
+        </p:txBody>
+      </p:sp>
+      <p:sp>
+        <p:nvSpPr>
+          <p:cNvPr id="5" name="텍스트 상자 5"/>
+          <p:cNvSpPr txBox="1"/>
+          <p:nvPr/>
+        </p:nvSpPr>
+        <p:spPr>
+          <a:xfrm>
+            <a:off x="4372934" y="3042238"/>
+            <a:ext cx="3517870" cy="769441"/>
+          </a:xfrm>
+          <a:prstGeom prst="rect">
+            <a:avLst/>
+          </a:prstGeom>
+          <a:noFill/>
+        </p:spPr>
+        <p:txBody>
+          <a:bodyPr wrap="square" rtlCol="0">
+            <a:spAutoFit/>
+          </a:bodyPr>
+          <a:lstStyle/>
+          <a:p>
+            <a:r>
+              <a:rPr kumimoji="1" lang="en-US" altLang="ko-KR" sz="4400" b="1" smtClean="0">
+                <a:solidFill>
+                  <a:schemeClr val="accent2"/>
+                </a:solidFill>
+              </a:rPr>
+              <a:t>THANK YOU!</a:t>
+            </a:r>
+            <a:endParaRPr kumimoji="1" lang="ko-KR" altLang="en-US" sz="4400" b="1" dirty="0">
+              <a:solidFill>
+                <a:schemeClr val="accent2"/>
+              </a:solidFill>
+            </a:endParaRPr>
+          </a:p>
+        </p:txBody>
+      </p:sp>
+    </p:spTree>
+    <p:extLst>
+      <p:ext uri="{BB962C8B-B14F-4D97-AF65-F5344CB8AC3E}">
+        <p14:creationId xmlns:p14="http://schemas.microsoft.com/office/powerpoint/2010/main" val="1776925783"/>
       </p:ext>
     </p:extLst>
   </p:cSld>
@@ -4481,26 +5207,62 @@
       </p:grpSpPr>
       <p:sp>
         <p:nvSpPr>
-          <p:cNvPr id="4" name="직사각형 3"/>
+          <p:cNvPr id="5" name="텍스트 상자 4"/>
+          <p:cNvSpPr txBox="1"/>
+          <p:nvPr/>
+        </p:nvSpPr>
+        <p:spPr>
+          <a:xfrm>
+            <a:off x="674914" y="598715"/>
+            <a:ext cx="2786743" cy="769441"/>
+          </a:xfrm>
+          <a:prstGeom prst="rect">
+            <a:avLst/>
+          </a:prstGeom>
+          <a:noFill/>
+        </p:spPr>
+        <p:txBody>
+          <a:bodyPr wrap="square" rtlCol="0">
+            <a:spAutoFit/>
+          </a:bodyPr>
+          <a:lstStyle/>
+          <a:p>
+            <a:r>
+              <a:rPr kumimoji="1" lang="en-US" altLang="ko-KR" sz="4400" b="1" dirty="0" smtClean="0">
+                <a:solidFill>
+                  <a:schemeClr val="accent2"/>
+                </a:solidFill>
+              </a:rPr>
+              <a:t>Contents</a:t>
+            </a:r>
+            <a:endParaRPr kumimoji="1" lang="ko-KR" altLang="en-US" sz="4400" b="1" dirty="0">
+              <a:solidFill>
+                <a:schemeClr val="accent2"/>
+              </a:solidFill>
+            </a:endParaRPr>
+          </a:p>
+        </p:txBody>
+      </p:sp>
+      <p:sp>
+        <p:nvSpPr>
+          <p:cNvPr id="3" name="오른쪽 화살표[R] 2"/>
           <p:cNvSpPr/>
           <p:nvPr/>
         </p:nvSpPr>
         <p:spPr>
           <a:xfrm>
-            <a:off x="0" y="-3"/>
-            <a:ext cx="12192001" cy="6858003"/>
-          </a:xfrm>
-          <a:prstGeom prst="rect">
+            <a:off x="778412" y="3209155"/>
+            <a:ext cx="10635175" cy="1125416"/>
+          </a:xfrm>
+          <a:prstGeom prst="rightArrow">
             <a:avLst/>
           </a:prstGeom>
           <a:solidFill>
-            <a:schemeClr val="tx1">
-              <a:alpha val="70000"/>
-            </a:schemeClr>
+            <a:schemeClr val="accent2"/>
           </a:solidFill>
           <a:ln>
             <a:solidFill>
-              <a:schemeClr val="tx1"/>
+              <a:schemeClr val="accent2"/>
             </a:solidFill>
           </a:ln>
         </p:spPr>
@@ -4525,64 +5287,26 @@
           <a:lstStyle/>
           <a:p>
             <a:pPr algn="ctr"/>
-            <a:endParaRPr lang="ko-KR" altLang="en-US"/>
-          </a:p>
-        </p:txBody>
-      </p:sp>
-      <p:sp>
-        <p:nvSpPr>
-          <p:cNvPr id="5" name="텍스트 상자 4"/>
-          <p:cNvSpPr txBox="1"/>
-          <p:nvPr/>
-        </p:nvSpPr>
-        <p:spPr>
-          <a:xfrm>
-            <a:off x="674914" y="598715"/>
-            <a:ext cx="2786743" cy="769441"/>
-          </a:xfrm>
-          <a:prstGeom prst="rect">
-            <a:avLst/>
-          </a:prstGeom>
-          <a:noFill/>
-        </p:spPr>
-        <p:txBody>
-          <a:bodyPr wrap="square" rtlCol="0">
-            <a:spAutoFit/>
-          </a:bodyPr>
-          <a:lstStyle/>
-          <a:p>
-            <a:r>
-              <a:rPr kumimoji="1" lang="en-US" altLang="ko-KR" sz="4400" b="1" dirty="0" smtClean="0">
-                <a:solidFill>
-                  <a:schemeClr val="accent2"/>
-                </a:solidFill>
-              </a:rPr>
-              <a:t>Contents</a:t>
-            </a:r>
-            <a:endParaRPr kumimoji="1" lang="ko-KR" altLang="en-US" sz="4400" b="1" dirty="0">
-              <a:solidFill>
-                <a:schemeClr val="accent2"/>
-              </a:solidFill>
-            </a:endParaRPr>
-          </a:p>
-        </p:txBody>
-      </p:sp>
-      <p:sp>
-        <p:nvSpPr>
-          <p:cNvPr id="3" name="오른쪽 화살표[R] 2"/>
+            <a:endParaRPr kumimoji="1" lang="ko-KR" altLang="en-US"/>
+          </a:p>
+        </p:txBody>
+      </p:sp>
+      <p:sp>
+        <p:nvSpPr>
+          <p:cNvPr id="10" name="타원형 설명선[O] 9"/>
           <p:cNvSpPr/>
           <p:nvPr/>
         </p:nvSpPr>
         <p:spPr>
           <a:xfrm>
-            <a:off x="778412" y="3209155"/>
-            <a:ext cx="10635175" cy="1125416"/>
-          </a:xfrm>
-          <a:prstGeom prst="rightArrow">
+            <a:off x="2068285" y="1659988"/>
+            <a:ext cx="2294038" cy="1549167"/>
+          </a:xfrm>
+          <a:prstGeom prst="wedgeEllipseCallout">
             <a:avLst/>
           </a:prstGeom>
           <a:solidFill>
-            <a:schemeClr val="accent2"/>
+            <a:schemeClr val="bg1"/>
           </a:solidFill>
           <a:ln>
             <a:solidFill>
@@ -4611,23 +5335,38 @@
           <a:lstStyle/>
           <a:p>
             <a:pPr algn="ctr"/>
-            <a:endParaRPr kumimoji="1" lang="ko-KR" altLang="en-US"/>
-          </a:p>
-        </p:txBody>
-      </p:sp>
-      <p:sp>
-        <p:nvSpPr>
-          <p:cNvPr id="10" name="타원형 설명선[O] 9"/>
+            <a:r>
+              <a:rPr kumimoji="1" lang="en-US" altLang="ko-KR" sz="2400" b="1" dirty="0" smtClean="0">
+                <a:solidFill>
+                  <a:schemeClr val="accent2"/>
+                </a:solidFill>
+              </a:rPr>
+              <a:t>Project</a:t>
+            </a:r>
+            <a:endParaRPr kumimoji="1" lang="ko-KR" altLang="en-US" sz="2400" b="1" dirty="0">
+              <a:solidFill>
+                <a:schemeClr val="accent2"/>
+              </a:solidFill>
+            </a:endParaRPr>
+          </a:p>
+        </p:txBody>
+      </p:sp>
+      <p:sp>
+        <p:nvSpPr>
+          <p:cNvPr id="12" name="타원형 설명선[O] 11"/>
           <p:cNvSpPr/>
           <p:nvPr/>
         </p:nvSpPr>
         <p:spPr>
           <a:xfrm>
-            <a:off x="1491175" y="1659988"/>
+            <a:off x="3080157" y="4458577"/>
             <a:ext cx="2294038" cy="1549167"/>
           </a:xfrm>
           <a:prstGeom prst="wedgeEllipseCallout">
-            <a:avLst/>
+            <a:avLst>
+              <a:gd name="adj1" fmla="val 17187"/>
+              <a:gd name="adj2" fmla="val -66448"/>
+            </a:avLst>
           </a:prstGeom>
           <a:solidFill>
             <a:schemeClr val="bg1"/>
@@ -4665,7 +5404,7 @@
                   <a:schemeClr val="accent2"/>
                 </a:solidFill>
               </a:rPr>
-              <a:t>Project</a:t>
+              <a:t>Role</a:t>
             </a:r>
             <a:endParaRPr kumimoji="1" lang="ko-KR" altLang="en-US" sz="2400" b="1" dirty="0">
               <a:solidFill>
@@ -4677,20 +5416,17 @@
       </p:sp>
       <p:sp>
         <p:nvSpPr>
-          <p:cNvPr id="12" name="타원형 설명선[O] 11"/>
+          <p:cNvPr id="13" name="타원형 설명선[O] 12"/>
           <p:cNvSpPr/>
           <p:nvPr/>
         </p:nvSpPr>
         <p:spPr>
           <a:xfrm>
-            <a:off x="1659989" y="4458577"/>
-            <a:ext cx="2294038" cy="1549167"/>
+            <a:off x="4966230" y="1659988"/>
+            <a:ext cx="2357845" cy="1549167"/>
           </a:xfrm>
           <a:prstGeom prst="wedgeEllipseCallout">
-            <a:avLst>
-              <a:gd name="adj1" fmla="val 17187"/>
-              <a:gd name="adj2" fmla="val -66448"/>
-            </a:avLst>
+            <a:avLst/>
           </a:prstGeom>
           <a:solidFill>
             <a:schemeClr val="bg1"/>
@@ -4728,7 +5464,7 @@
                   <a:schemeClr val="accent2"/>
                 </a:solidFill>
               </a:rPr>
-              <a:t>Role</a:t>
+              <a:t>Serious</a:t>
             </a:r>
             <a:endParaRPr kumimoji="1" lang="ko-KR" altLang="en-US" sz="2400" b="1" dirty="0">
               <a:solidFill>
@@ -4740,17 +5476,20 @@
       </p:sp>
       <p:sp>
         <p:nvSpPr>
-          <p:cNvPr id="13" name="타원형 설명선[O] 12"/>
+          <p:cNvPr id="14" name="타원형 설명선[O] 13"/>
           <p:cNvSpPr/>
           <p:nvPr/>
         </p:nvSpPr>
         <p:spPr>
           <a:xfrm>
-            <a:off x="4389120" y="1659988"/>
-            <a:ext cx="2357845" cy="1549167"/>
+            <a:off x="6357606" y="4458577"/>
+            <a:ext cx="2294038" cy="1549167"/>
           </a:xfrm>
           <a:prstGeom prst="wedgeEllipseCallout">
-            <a:avLst/>
+            <a:avLst>
+              <a:gd name="adj1" fmla="val 17187"/>
+              <a:gd name="adj2" fmla="val -66448"/>
+            </a:avLst>
           </a:prstGeom>
           <a:solidFill>
             <a:schemeClr val="bg1"/>
@@ -4783,12 +5522,12 @@
           <a:p>
             <a:pPr algn="ctr"/>
             <a:r>
-              <a:rPr kumimoji="1" lang="en-US" altLang="ko-KR" sz="2400" b="1" dirty="0" smtClean="0">
+              <a:rPr kumimoji="1" lang="en-US" altLang="ko-KR" sz="2400" b="1" dirty="0" err="1" smtClean="0">
                 <a:solidFill>
                   <a:schemeClr val="accent2"/>
                 </a:solidFill>
               </a:rPr>
-              <a:t>Calculator</a:t>
+              <a:t>Github</a:t>
             </a:r>
             <a:endParaRPr kumimoji="1" lang="ko-KR" altLang="en-US" sz="2400" b="1" dirty="0">
               <a:solidFill>
@@ -4800,20 +5539,17 @@
       </p:sp>
       <p:sp>
         <p:nvSpPr>
-          <p:cNvPr id="14" name="타원형 설명선[O] 13"/>
+          <p:cNvPr id="15" name="타원형 설명선[O] 14"/>
           <p:cNvSpPr/>
           <p:nvPr/>
         </p:nvSpPr>
         <p:spPr>
           <a:xfrm>
-            <a:off x="4797085" y="4458577"/>
-            <a:ext cx="2294038" cy="1549167"/>
+            <a:off x="7991789" y="1682847"/>
+            <a:ext cx="2488446" cy="1549167"/>
           </a:xfrm>
           <a:prstGeom prst="wedgeEllipseCallout">
-            <a:avLst>
-              <a:gd name="adj1" fmla="val 17187"/>
-              <a:gd name="adj2" fmla="val -66448"/>
-            </a:avLst>
+            <a:avLst/>
           </a:prstGeom>
           <a:solidFill>
             <a:schemeClr val="bg1"/>
@@ -4851,130 +5587,7 @@
                   <a:schemeClr val="accent2"/>
                 </a:solidFill>
               </a:rPr>
-              <a:t>Serious</a:t>
-            </a:r>
-            <a:endParaRPr kumimoji="1" lang="ko-KR" altLang="en-US" sz="2400" b="1" dirty="0">
-              <a:solidFill>
-                <a:schemeClr val="accent2"/>
-              </a:solidFill>
-            </a:endParaRPr>
-          </a:p>
-        </p:txBody>
-      </p:sp>
-      <p:sp>
-        <p:nvSpPr>
-          <p:cNvPr id="15" name="타원형 설명선[O] 14"/>
-          <p:cNvSpPr/>
-          <p:nvPr/>
-        </p:nvSpPr>
-        <p:spPr>
-          <a:xfrm>
-            <a:off x="7414679" y="1682847"/>
-            <a:ext cx="2294038" cy="1549167"/>
-          </a:xfrm>
-          <a:prstGeom prst="wedgeEllipseCallout">
-            <a:avLst/>
-          </a:prstGeom>
-          <a:solidFill>
-            <a:schemeClr val="bg1"/>
-          </a:solidFill>
-          <a:ln>
-            <a:solidFill>
-              <a:schemeClr val="accent2"/>
-            </a:solidFill>
-          </a:ln>
-        </p:spPr>
-        <p:style>
-          <a:lnRef idx="2">
-            <a:schemeClr val="accent1">
-              <a:shade val="50000"/>
-            </a:schemeClr>
-          </a:lnRef>
-          <a:fillRef idx="1">
-            <a:schemeClr val="accent1"/>
-          </a:fillRef>
-          <a:effectRef idx="0">
-            <a:schemeClr val="accent1"/>
-          </a:effectRef>
-          <a:fontRef idx="minor">
-            <a:schemeClr val="lt1"/>
-          </a:fontRef>
-        </p:style>
-        <p:txBody>
-          <a:bodyPr rtlCol="0" anchor="ctr"/>
-          <a:lstStyle/>
-          <a:p>
-            <a:pPr algn="ctr"/>
-            <a:r>
-              <a:rPr kumimoji="1" lang="en-US" altLang="ko-KR" sz="2400" b="1" dirty="0" err="1" smtClean="0">
-                <a:solidFill>
-                  <a:schemeClr val="accent2"/>
-                </a:solidFill>
-              </a:rPr>
-              <a:t>Github</a:t>
-            </a:r>
-            <a:endParaRPr kumimoji="1" lang="ko-KR" altLang="en-US" sz="2400" b="1" dirty="0">
-              <a:solidFill>
-                <a:schemeClr val="accent2"/>
-              </a:solidFill>
-            </a:endParaRPr>
-          </a:p>
-        </p:txBody>
-      </p:sp>
-      <p:sp>
-        <p:nvSpPr>
-          <p:cNvPr id="16" name="타원형 설명선[O] 15"/>
-          <p:cNvSpPr/>
-          <p:nvPr/>
-        </p:nvSpPr>
-        <p:spPr>
-          <a:xfrm>
-            <a:off x="7934181" y="4458577"/>
-            <a:ext cx="2294038" cy="1549167"/>
-          </a:xfrm>
-          <a:prstGeom prst="wedgeEllipseCallout">
-            <a:avLst>
-              <a:gd name="adj1" fmla="val 17187"/>
-              <a:gd name="adj2" fmla="val -66448"/>
-            </a:avLst>
-          </a:prstGeom>
-          <a:solidFill>
-            <a:schemeClr val="bg1"/>
-          </a:solidFill>
-          <a:ln>
-            <a:solidFill>
-              <a:schemeClr val="accent2"/>
-            </a:solidFill>
-          </a:ln>
-        </p:spPr>
-        <p:style>
-          <a:lnRef idx="2">
-            <a:schemeClr val="accent1">
-              <a:shade val="50000"/>
-            </a:schemeClr>
-          </a:lnRef>
-          <a:fillRef idx="1">
-            <a:schemeClr val="accent1"/>
-          </a:fillRef>
-          <a:effectRef idx="0">
-            <a:schemeClr val="accent1"/>
-          </a:effectRef>
-          <a:fontRef idx="minor">
-            <a:schemeClr val="lt1"/>
-          </a:fontRef>
-        </p:style>
-        <p:txBody>
-          <a:bodyPr rtlCol="0" anchor="ctr"/>
-          <a:lstStyle/>
-          <a:p>
-            <a:pPr algn="ctr"/>
-            <a:r>
-              <a:rPr kumimoji="1" lang="en-US" altLang="ko-KR" sz="2400" b="1" dirty="0" smtClean="0">
-                <a:solidFill>
-                  <a:schemeClr val="accent2"/>
-                </a:solidFill>
-              </a:rPr>
-              <a:t>Next</a:t>
+              <a:t>Review</a:t>
             </a:r>
             <a:endParaRPr kumimoji="1" lang="ko-KR" altLang="en-US" sz="2400" b="1" dirty="0">
               <a:solidFill>
@@ -5023,56 +5636,6 @@
       </p:grpSpPr>
       <p:sp>
         <p:nvSpPr>
-          <p:cNvPr id="4" name="직사각형 3"/>
-          <p:cNvSpPr/>
-          <p:nvPr/>
-        </p:nvSpPr>
-        <p:spPr>
-          <a:xfrm>
-            <a:off x="0" y="8328"/>
-            <a:ext cx="12192001" cy="6858003"/>
-          </a:xfrm>
-          <a:prstGeom prst="rect">
-            <a:avLst/>
-          </a:prstGeom>
-          <a:solidFill>
-            <a:schemeClr val="tx1">
-              <a:alpha val="70000"/>
-            </a:schemeClr>
-          </a:solidFill>
-          <a:ln>
-            <a:solidFill>
-              <a:schemeClr val="tx1"/>
-            </a:solidFill>
-          </a:ln>
-        </p:spPr>
-        <p:style>
-          <a:lnRef idx="2">
-            <a:schemeClr val="accent1">
-              <a:shade val="50000"/>
-            </a:schemeClr>
-          </a:lnRef>
-          <a:fillRef idx="1">
-            <a:schemeClr val="accent1"/>
-          </a:fillRef>
-          <a:effectRef idx="0">
-            <a:schemeClr val="accent1"/>
-          </a:effectRef>
-          <a:fontRef idx="minor">
-            <a:schemeClr val="lt1"/>
-          </a:fontRef>
-        </p:style>
-        <p:txBody>
-          <a:bodyPr rtlCol="0" anchor="ctr"/>
-          <a:lstStyle/>
-          <a:p>
-            <a:pPr algn="ctr"/>
-            <a:endParaRPr lang="ko-KR" altLang="en-US"/>
-          </a:p>
-        </p:txBody>
-      </p:sp>
-      <p:sp>
-        <p:nvSpPr>
           <p:cNvPr id="6" name="텍스트 상자 5"/>
           <p:cNvSpPr txBox="1"/>
           <p:nvPr/>
@@ -5134,7 +5697,10 @@
             <a:r>
               <a:rPr kumimoji="1" lang="en-US" altLang="ko-KR" sz="3200" b="1" dirty="0" smtClean="0">
                 <a:solidFill>
-                  <a:schemeClr val="bg1"/>
+                  <a:schemeClr val="tx1">
+                    <a:lumMod val="50000"/>
+                    <a:lumOff val="50000"/>
+                  </a:schemeClr>
                 </a:solidFill>
               </a:rPr>
               <a:t>Calculator</a:t>
@@ -5142,7 +5708,10 @@
             <a:r>
               <a:rPr kumimoji="1" lang="ko-KR" altLang="en-US" sz="3200" b="1" dirty="0" smtClean="0">
                 <a:solidFill>
-                  <a:schemeClr val="bg1"/>
+                  <a:schemeClr val="tx1">
+                    <a:lumMod val="50000"/>
+                    <a:lumOff val="50000"/>
+                  </a:schemeClr>
                 </a:solidFill>
               </a:rPr>
               <a:t> </a:t>
@@ -5150,7 +5719,10 @@
             <a:r>
               <a:rPr kumimoji="1" lang="en-US" altLang="ko-KR" sz="3200" b="1" dirty="0" smtClean="0">
                 <a:solidFill>
-                  <a:schemeClr val="bg1"/>
+                  <a:schemeClr val="tx1">
+                    <a:lumMod val="50000"/>
+                    <a:lumOff val="50000"/>
+                  </a:schemeClr>
                 </a:solidFill>
               </a:rPr>
               <a:t>-</a:t>
@@ -5221,7 +5793,10 @@
             <a:r>
               <a:rPr kumimoji="1" lang="en-US" altLang="ko-KR" sz="3200" b="1" dirty="0" smtClean="0">
                 <a:solidFill>
-                  <a:schemeClr val="bg1"/>
+                  <a:schemeClr val="tx1">
+                    <a:lumMod val="50000"/>
+                    <a:lumOff val="50000"/>
+                  </a:schemeClr>
                 </a:solidFill>
               </a:rPr>
               <a:t>JAVA</a:t>
@@ -5229,7 +5804,10 @@
             <a:r>
               <a:rPr kumimoji="1" lang="ko-KR" altLang="en-US" sz="3200" b="1" dirty="0" smtClean="0">
                 <a:solidFill>
-                  <a:schemeClr val="bg1"/>
+                  <a:schemeClr val="tx1">
+                    <a:lumMod val="50000"/>
+                    <a:lumOff val="50000"/>
+                  </a:schemeClr>
                 </a:solidFill>
               </a:rPr>
               <a:t> </a:t>
@@ -5237,7 +5815,10 @@
             <a:r>
               <a:rPr kumimoji="1" lang="en-US" altLang="ko-KR" sz="3200" b="1" dirty="0" smtClean="0">
                 <a:solidFill>
-                  <a:schemeClr val="bg1"/>
+                  <a:schemeClr val="tx1">
+                    <a:lumMod val="50000"/>
+                    <a:lumOff val="50000"/>
+                  </a:schemeClr>
                 </a:solidFill>
               </a:rPr>
               <a:t>Desktop</a:t>
@@ -5245,7 +5826,10 @@
             <a:r>
               <a:rPr kumimoji="1" lang="ko-KR" altLang="en-US" sz="3200" b="1" dirty="0" smtClean="0">
                 <a:solidFill>
-                  <a:schemeClr val="bg1"/>
+                  <a:schemeClr val="tx1">
+                    <a:lumMod val="50000"/>
+                    <a:lumOff val="50000"/>
+                  </a:schemeClr>
                 </a:solidFill>
               </a:rPr>
               <a:t> </a:t>
@@ -5253,7 +5837,10 @@
             <a:r>
               <a:rPr kumimoji="1" lang="en-US" altLang="ko-KR" sz="3200" b="1" dirty="0" smtClean="0">
                 <a:solidFill>
-                  <a:schemeClr val="bg1"/>
+                  <a:schemeClr val="tx1">
+                    <a:lumMod val="50000"/>
+                    <a:lumOff val="50000"/>
+                  </a:schemeClr>
                 </a:solidFill>
               </a:rPr>
               <a:t>App</a:t>
@@ -5291,6 +5878,50 @@
           </a:prstGeom>
         </p:spPr>
       </p:pic>
+      <p:sp>
+        <p:nvSpPr>
+          <p:cNvPr id="8" name="텍스트 상자 8"/>
+          <p:cNvSpPr txBox="1"/>
+          <p:nvPr/>
+        </p:nvSpPr>
+        <p:spPr>
+          <a:xfrm>
+            <a:off x="7945055" y="5841948"/>
+            <a:ext cx="3695507" cy="584775"/>
+          </a:xfrm>
+          <a:prstGeom prst="rect">
+            <a:avLst/>
+          </a:prstGeom>
+          <a:noFill/>
+        </p:spPr>
+        <p:txBody>
+          <a:bodyPr wrap="square" rtlCol="0">
+            <a:spAutoFit/>
+          </a:bodyPr>
+          <a:lstStyle/>
+          <a:p>
+            <a:r>
+              <a:rPr kumimoji="1" lang="en-US" altLang="ko-KR" sz="3200" b="1" smtClean="0">
+                <a:solidFill>
+                  <a:schemeClr val="tx1">
+                    <a:lumMod val="50000"/>
+                    <a:lumOff val="50000"/>
+                  </a:schemeClr>
+                </a:solidFill>
+              </a:rPr>
+              <a:t>License: GPL - 3.0</a:t>
+            </a:r>
+            <a:endParaRPr kumimoji="1" lang="en-US" altLang="ko-KR" sz="3200" b="1" dirty="0" smtClean="0">
+              <a:solidFill>
+                <a:schemeClr val="tx1">
+                  <a:lumMod val="50000"/>
+                  <a:lumOff val="50000"/>
+                </a:schemeClr>
+              </a:solidFill>
+            </a:endParaRPr>
+          </a:p>
+        </p:txBody>
+      </p:sp>
     </p:spTree>
     <p:extLst>
       <p:ext uri="{BB962C8B-B14F-4D97-AF65-F5344CB8AC3E}">
@@ -5314,14 +5945,6 @@
 <file path=ppt/slides/slide4.xml><?xml version="1.0" encoding="utf-8"?>
 <p:sld xmlns:a="http://schemas.openxmlformats.org/drawingml/2006/main" xmlns:r="http://schemas.openxmlformats.org/officeDocument/2006/relationships" xmlns:p="http://schemas.openxmlformats.org/presentationml/2006/main">
   <p:cSld>
-    <p:bg>
-      <p:bgPr>
-        <a:solidFill>
-          <a:srgbClr val="4C4C4C"/>
-        </a:solidFill>
-        <a:effectLst/>
-      </p:bgPr>
-    </p:bg>
     <p:spTree>
       <p:nvGrpSpPr>
         <p:cNvPr id="1" name=""/>
@@ -5338,14 +5961,158 @@
       </p:grpSpPr>
       <p:sp>
         <p:nvSpPr>
-          <p:cNvPr id="5" name="텍스트 상자 4"/>
+          <p:cNvPr id="6" name="타원 5"/>
+          <p:cNvSpPr/>
+          <p:nvPr/>
+        </p:nvSpPr>
+        <p:spPr>
+          <a:xfrm>
+            <a:off x="936170" y="1840392"/>
+            <a:ext cx="3135086" cy="3788229"/>
+          </a:xfrm>
+          <a:prstGeom prst="ellipse">
+            <a:avLst/>
+          </a:prstGeom>
+          <a:solidFill>
+            <a:schemeClr val="bg1"/>
+          </a:solidFill>
+          <a:ln w="38100">
+            <a:solidFill>
+              <a:schemeClr val="accent2"/>
+            </a:solidFill>
+          </a:ln>
+        </p:spPr>
+        <p:style>
+          <a:lnRef idx="2">
+            <a:schemeClr val="accent1">
+              <a:shade val="50000"/>
+            </a:schemeClr>
+          </a:lnRef>
+          <a:fillRef idx="1">
+            <a:schemeClr val="accent1"/>
+          </a:fillRef>
+          <a:effectRef idx="0">
+            <a:schemeClr val="accent1"/>
+          </a:effectRef>
+          <a:fontRef idx="minor">
+            <a:schemeClr val="lt1"/>
+          </a:fontRef>
+        </p:style>
+        <p:txBody>
+          <a:bodyPr rtlCol="0" anchor="ctr"/>
+          <a:lstStyle/>
+          <a:p>
+            <a:pPr algn="ctr"/>
+            <a:endParaRPr kumimoji="1" lang="ko-KR" altLang="en-US"/>
+          </a:p>
+        </p:txBody>
+      </p:sp>
+      <p:sp>
+        <p:nvSpPr>
+          <p:cNvPr id="7" name="타원 6"/>
+          <p:cNvSpPr/>
+          <p:nvPr/>
+        </p:nvSpPr>
+        <p:spPr>
+          <a:xfrm>
+            <a:off x="4528457" y="1840391"/>
+            <a:ext cx="3135086" cy="3788229"/>
+          </a:xfrm>
+          <a:prstGeom prst="ellipse">
+            <a:avLst/>
+          </a:prstGeom>
+          <a:solidFill>
+            <a:schemeClr val="bg1"/>
+          </a:solidFill>
+          <a:ln w="38100">
+            <a:solidFill>
+              <a:schemeClr val="accent2"/>
+            </a:solidFill>
+          </a:ln>
+        </p:spPr>
+        <p:style>
+          <a:lnRef idx="2">
+            <a:schemeClr val="accent1">
+              <a:shade val="50000"/>
+            </a:schemeClr>
+          </a:lnRef>
+          <a:fillRef idx="1">
+            <a:schemeClr val="accent1"/>
+          </a:fillRef>
+          <a:effectRef idx="0">
+            <a:schemeClr val="accent1"/>
+          </a:effectRef>
+          <a:fontRef idx="minor">
+            <a:schemeClr val="lt1"/>
+          </a:fontRef>
+        </p:style>
+        <p:txBody>
+          <a:bodyPr rtlCol="0" anchor="ctr"/>
+          <a:lstStyle/>
+          <a:p>
+            <a:pPr algn="ctr"/>
+            <a:endParaRPr kumimoji="1" lang="ko-KR" altLang="en-US"/>
+          </a:p>
+        </p:txBody>
+      </p:sp>
+      <p:sp>
+        <p:nvSpPr>
+          <p:cNvPr id="8" name="타원 7"/>
+          <p:cNvSpPr/>
+          <p:nvPr/>
+        </p:nvSpPr>
+        <p:spPr>
+          <a:xfrm>
+            <a:off x="8120744" y="1840390"/>
+            <a:ext cx="3135086" cy="3788229"/>
+          </a:xfrm>
+          <a:prstGeom prst="ellipse">
+            <a:avLst/>
+          </a:prstGeom>
+          <a:solidFill>
+            <a:schemeClr val="bg1"/>
+          </a:solidFill>
+          <a:ln w="38100">
+            <a:solidFill>
+              <a:schemeClr val="accent2"/>
+            </a:solidFill>
+          </a:ln>
+        </p:spPr>
+        <p:style>
+          <a:lnRef idx="2">
+            <a:schemeClr val="accent1">
+              <a:shade val="50000"/>
+            </a:schemeClr>
+          </a:lnRef>
+          <a:fillRef idx="1">
+            <a:schemeClr val="accent1"/>
+          </a:fillRef>
+          <a:effectRef idx="0">
+            <a:schemeClr val="accent1"/>
+          </a:effectRef>
+          <a:fontRef idx="minor">
+            <a:schemeClr val="lt1"/>
+          </a:fontRef>
+        </p:style>
+        <p:txBody>
+          <a:bodyPr rtlCol="0" anchor="ctr"/>
+          <a:lstStyle/>
+          <a:p>
+            <a:pPr algn="ctr"/>
+            <a:endParaRPr kumimoji="1" lang="ko-KR" altLang="en-US"/>
+          </a:p>
+        </p:txBody>
+      </p:sp>
+      <p:sp>
+        <p:nvSpPr>
+          <p:cNvPr id="9" name="텍스트 상자 8"/>
           <p:cNvSpPr txBox="1"/>
           <p:nvPr/>
         </p:nvSpPr>
         <p:spPr>
           <a:xfrm>
-            <a:off x="674914" y="598715"/>
-            <a:ext cx="4158343" cy="769441"/>
+            <a:off x="4778806" y="5839247"/>
+            <a:ext cx="2517323" cy="523220"/>
           </a:xfrm>
           <a:prstGeom prst="rect">
             <a:avLst/>
@@ -5358,45 +6125,130 @@
           </a:bodyPr>
           <a:lstStyle/>
           <a:p>
+            <a:pPr algn="ctr"/>
+            <a:r>
+              <a:rPr lang="en-US" altLang="ko-KR" sz="2800" b="1" dirty="0">
+                <a:solidFill>
+                  <a:schemeClr val="accent2"/>
+                </a:solidFill>
+              </a:rPr>
+              <a:t>Collaboration</a:t>
+            </a:r>
+            <a:endParaRPr kumimoji="1" lang="ko-KR" altLang="en-US" sz="2800" b="1" dirty="0">
+              <a:solidFill>
+                <a:schemeClr val="accent2"/>
+              </a:solidFill>
+            </a:endParaRPr>
+          </a:p>
+        </p:txBody>
+      </p:sp>
+      <p:sp>
+        <p:nvSpPr>
+          <p:cNvPr id="10" name="텍스트 상자 9"/>
+          <p:cNvSpPr txBox="1"/>
+          <p:nvPr/>
+        </p:nvSpPr>
+        <p:spPr>
+          <a:xfrm>
+            <a:off x="1233093" y="5839247"/>
+            <a:ext cx="2517323" cy="523220"/>
+          </a:xfrm>
+          <a:prstGeom prst="rect">
+            <a:avLst/>
+          </a:prstGeom>
+          <a:noFill/>
+        </p:spPr>
+        <p:txBody>
+          <a:bodyPr wrap="square" rtlCol="0">
+            <a:spAutoFit/>
+          </a:bodyPr>
+          <a:lstStyle/>
+          <a:p>
+            <a:pPr algn="ctr"/>
+            <a:r>
+              <a:rPr kumimoji="1" lang="en-US" altLang="ko-KR" sz="2800" b="1" dirty="0" smtClean="0">
+                <a:solidFill>
+                  <a:schemeClr val="accent2"/>
+                </a:solidFill>
+              </a:rPr>
+              <a:t>Park</a:t>
+            </a:r>
+            <a:endParaRPr kumimoji="1" lang="ko-KR" altLang="en-US" sz="2800" b="1" dirty="0">
+              <a:solidFill>
+                <a:schemeClr val="accent2"/>
+              </a:solidFill>
+            </a:endParaRPr>
+          </a:p>
+        </p:txBody>
+      </p:sp>
+      <p:sp>
+        <p:nvSpPr>
+          <p:cNvPr id="11" name="텍스트 상자 10"/>
+          <p:cNvSpPr txBox="1"/>
+          <p:nvPr/>
+        </p:nvSpPr>
+        <p:spPr>
+          <a:xfrm>
+            <a:off x="8510107" y="5839247"/>
+            <a:ext cx="2517323" cy="523220"/>
+          </a:xfrm>
+          <a:prstGeom prst="rect">
+            <a:avLst/>
+          </a:prstGeom>
+          <a:noFill/>
+        </p:spPr>
+        <p:txBody>
+          <a:bodyPr wrap="square" rtlCol="0">
+            <a:spAutoFit/>
+          </a:bodyPr>
+          <a:lstStyle/>
+          <a:p>
+            <a:pPr algn="ctr"/>
+            <a:r>
+              <a:rPr lang="en-US" altLang="ko-KR" sz="2800" b="1" dirty="0" err="1" smtClean="0">
+                <a:solidFill>
+                  <a:schemeClr val="accent2"/>
+                </a:solidFill>
+              </a:rPr>
+              <a:t>Seo</a:t>
+            </a:r>
+            <a:endParaRPr kumimoji="1" lang="ko-KR" altLang="en-US" sz="2800" b="1" dirty="0">
+              <a:solidFill>
+                <a:schemeClr val="accent2"/>
+              </a:solidFill>
+            </a:endParaRPr>
+          </a:p>
+        </p:txBody>
+      </p:sp>
+      <p:sp>
+        <p:nvSpPr>
+          <p:cNvPr id="13" name="텍스트 상자 12"/>
+          <p:cNvSpPr txBox="1"/>
+          <p:nvPr/>
+        </p:nvSpPr>
+        <p:spPr>
+          <a:xfrm>
+            <a:off x="674914" y="598715"/>
+            <a:ext cx="2786743" cy="769441"/>
+          </a:xfrm>
+          <a:prstGeom prst="rect">
+            <a:avLst/>
+          </a:prstGeom>
+          <a:noFill/>
+        </p:spPr>
+        <p:txBody>
+          <a:bodyPr wrap="square" rtlCol="0">
+            <a:spAutoFit/>
+          </a:bodyPr>
+          <a:lstStyle/>
+          <a:p>
             <a:r>
               <a:rPr kumimoji="1" lang="en-US" altLang="ko-KR" sz="4400" b="1" dirty="0" smtClean="0">
                 <a:solidFill>
                   <a:schemeClr val="accent2"/>
                 </a:solidFill>
               </a:rPr>
-              <a:t>Serious</a:t>
-            </a:r>
-            <a:r>
-              <a:rPr kumimoji="1" lang="ko-KR" altLang="en-US" sz="4400" b="1" dirty="0" smtClean="0">
-                <a:solidFill>
-                  <a:schemeClr val="accent2"/>
-                </a:solidFill>
-              </a:rPr>
-              <a:t> </a:t>
-            </a:r>
-            <a:r>
-              <a:rPr kumimoji="1" lang="en-US" altLang="ko-KR" sz="4400" b="1" dirty="0" smtClean="0">
-                <a:solidFill>
-                  <a:schemeClr val="accent2"/>
-                </a:solidFill>
-              </a:rPr>
-              <a:t>–</a:t>
-            </a:r>
-            <a:r>
-              <a:rPr kumimoji="1" lang="ko-KR" altLang="en-US" sz="4400" b="1" dirty="0" smtClean="0">
-                <a:solidFill>
-                  <a:schemeClr val="accent2"/>
-                </a:solidFill>
-              </a:rPr>
-              <a:t> </a:t>
-            </a:r>
-            <a:r>
-              <a:rPr kumimoji="1" lang="en-US" altLang="ko-KR" sz="4400" b="1" dirty="0" smtClean="0">
-                <a:solidFill>
-                  <a:schemeClr val="accent2"/>
-                </a:solidFill>
-              </a:rPr>
-              <a:t>Old</a:t>
+              <a:t>Role</a:t>
             </a:r>
             <a:endParaRPr kumimoji="1" lang="ko-KR" altLang="en-US" sz="4400" b="1" dirty="0">
               <a:solidFill>
@@ -5406,46 +6258,16 @@
           </a:p>
         </p:txBody>
       </p:sp>
-      <p:pic>
-        <p:nvPicPr>
-          <p:cNvPr id="11" name="그림 10"/>
-          <p:cNvPicPr>
-            <a:picLocks noChangeAspect="1"/>
-          </p:cNvPicPr>
-          <p:nvPr/>
-        </p:nvPicPr>
-        <p:blipFill>
-          <a:blip r:embed="rId2">
-            <a:extLst>
-              <a:ext uri="{28A0092B-C50C-407E-A947-70E740481C1C}">
-                <a14:useLocalDpi xmlns:a14="http://schemas.microsoft.com/office/drawing/2010/main" val="0"/>
-              </a:ext>
-            </a:extLst>
-          </a:blip>
-          <a:stretch>
-            <a:fillRect/>
-          </a:stretch>
-        </p:blipFill>
-        <p:spPr>
-          <a:xfrm>
-            <a:off x="2296498" y="1792283"/>
-            <a:ext cx="2880000" cy="4489938"/>
-          </a:xfrm>
-          <a:prstGeom prst="rect">
-            <a:avLst/>
-          </a:prstGeom>
-        </p:spPr>
-      </p:pic>
-      <p:sp>
-        <p:nvSpPr>
-          <p:cNvPr id="10" name="텍스트 상자 8"/>
+      <p:sp>
+        <p:nvSpPr>
+          <p:cNvPr id="14" name="텍스트 상자 13"/>
           <p:cNvSpPr txBox="1"/>
           <p:nvPr/>
         </p:nvSpPr>
         <p:spPr>
           <a:xfrm>
-            <a:off x="6479320" y="4547558"/>
-            <a:ext cx="3528226" cy="646331"/>
+            <a:off x="4877184" y="2586437"/>
+            <a:ext cx="2410506" cy="461665"/>
           </a:xfrm>
           <a:prstGeom prst="rect">
             <a:avLst/>
@@ -5458,32 +6280,31 @@
           </a:bodyPr>
           <a:lstStyle/>
           <a:p>
-            <a:r>
-              <a:rPr kumimoji="1" lang="en-US" altLang="ko-KR" sz="3600" b="1" dirty="0" smtClean="0">
-                <a:solidFill>
-                  <a:schemeClr val="bg1"/>
-                </a:solidFill>
-              </a:rPr>
-              <a:t>Input function</a:t>
-            </a:r>
-            <a:endParaRPr kumimoji="1" lang="ko-KR" altLang="en-US" sz="3600" b="1" dirty="0">
-              <a:solidFill>
-                <a:schemeClr val="bg1"/>
-              </a:solidFill>
-            </a:endParaRPr>
-          </a:p>
-        </p:txBody>
-      </p:sp>
-      <p:sp>
-        <p:nvSpPr>
-          <p:cNvPr id="12" name="텍스트 상자 8"/>
+            <a:pPr algn="ctr"/>
+            <a:r>
+              <a:rPr kumimoji="1" lang="en-US" altLang="ko-KR" sz="2400" b="1" dirty="0" smtClean="0">
+                <a:solidFill>
+                  <a:schemeClr val="tx1">
+                    <a:lumMod val="50000"/>
+                    <a:lumOff val="50000"/>
+                  </a:schemeClr>
+                </a:solidFill>
+              </a:rPr>
+              <a:t>Development</a:t>
+            </a:r>
+          </a:p>
+        </p:txBody>
+      </p:sp>
+      <p:sp>
+        <p:nvSpPr>
+          <p:cNvPr id="17" name="텍스트 상자 16"/>
           <p:cNvSpPr txBox="1"/>
           <p:nvPr/>
         </p:nvSpPr>
         <p:spPr>
           <a:xfrm>
-            <a:off x="6479320" y="2636175"/>
-            <a:ext cx="2405743" cy="646331"/>
+            <a:off x="4877184" y="3205531"/>
+            <a:ext cx="2410506" cy="461665"/>
           </a:xfrm>
           <a:prstGeom prst="rect">
             <a:avLst/>
@@ -5496,32 +6317,31 @@
           </a:bodyPr>
           <a:lstStyle/>
           <a:p>
-            <a:r>
-              <a:rPr kumimoji="1" lang="en-US" altLang="ko-KR" sz="3600" b="1" dirty="0" smtClean="0">
-                <a:solidFill>
-                  <a:schemeClr val="bg1"/>
-                </a:solidFill>
-              </a:rPr>
-              <a:t>Text field</a:t>
-            </a:r>
-            <a:endParaRPr kumimoji="1" lang="ko-KR" altLang="en-US" sz="3600" b="1" dirty="0">
-              <a:solidFill>
-                <a:schemeClr val="bg1"/>
-              </a:solidFill>
-            </a:endParaRPr>
-          </a:p>
-        </p:txBody>
-      </p:sp>
-      <p:sp>
-        <p:nvSpPr>
-          <p:cNvPr id="13" name="텍스트 상자 9"/>
+            <a:pPr algn="ctr"/>
+            <a:r>
+              <a:rPr kumimoji="1" lang="en-US" altLang="ko-KR" sz="2400" b="1" dirty="0" smtClean="0">
+                <a:solidFill>
+                  <a:schemeClr val="tx1">
+                    <a:lumMod val="50000"/>
+                    <a:lumOff val="50000"/>
+                  </a:schemeClr>
+                </a:solidFill>
+              </a:rPr>
+              <a:t>Reading</a:t>
+            </a:r>
+          </a:p>
+        </p:txBody>
+      </p:sp>
+      <p:sp>
+        <p:nvSpPr>
+          <p:cNvPr id="18" name="텍스트 상자 17"/>
           <p:cNvSpPr txBox="1"/>
           <p:nvPr/>
         </p:nvSpPr>
         <p:spPr>
           <a:xfrm>
-            <a:off x="6479320" y="3254896"/>
-            <a:ext cx="2284038" cy="646331"/>
+            <a:off x="4877184" y="3828503"/>
+            <a:ext cx="2410506" cy="461665"/>
           </a:xfrm>
           <a:prstGeom prst="rect">
             <a:avLst/>
@@ -5534,32 +6354,31 @@
           </a:bodyPr>
           <a:lstStyle/>
           <a:p>
-            <a:r>
-              <a:rPr kumimoji="1" lang="en-US" altLang="ko-KR" sz="3600" b="1" dirty="0" smtClean="0">
-                <a:solidFill>
-                  <a:schemeClr val="bg1"/>
-                </a:solidFill>
-              </a:rPr>
-              <a:t>Button</a:t>
-            </a:r>
-            <a:endParaRPr kumimoji="1" lang="ko-KR" altLang="en-US" sz="3600" b="1" dirty="0">
-              <a:solidFill>
-                <a:schemeClr val="bg1"/>
-              </a:solidFill>
-            </a:endParaRPr>
-          </a:p>
-        </p:txBody>
-      </p:sp>
-      <p:sp>
-        <p:nvSpPr>
-          <p:cNvPr id="14" name="텍스트 상자 10"/>
+            <a:pPr algn="ctr"/>
+            <a:r>
+              <a:rPr kumimoji="1" lang="en-US" altLang="ko-KR" sz="2400" b="1" dirty="0" smtClean="0">
+                <a:solidFill>
+                  <a:schemeClr val="tx1">
+                    <a:lumMod val="50000"/>
+                    <a:lumOff val="50000"/>
+                  </a:schemeClr>
+                </a:solidFill>
+              </a:rPr>
+              <a:t>Maintain</a:t>
+            </a:r>
+          </a:p>
+        </p:txBody>
+      </p:sp>
+      <p:sp>
+        <p:nvSpPr>
+          <p:cNvPr id="19" name="텍스트 상자 18"/>
           <p:cNvSpPr txBox="1"/>
           <p:nvPr/>
         </p:nvSpPr>
         <p:spPr>
           <a:xfrm>
-            <a:off x="6479320" y="3901227"/>
-            <a:ext cx="3063527" cy="646331"/>
+            <a:off x="4877184" y="4447597"/>
+            <a:ext cx="2410506" cy="461665"/>
           </a:xfrm>
           <a:prstGeom prst="rect">
             <a:avLst/>
@@ -5572,26 +6391,173 @@
           </a:bodyPr>
           <a:lstStyle/>
           <a:p>
-            <a:r>
-              <a:rPr kumimoji="1" lang="en-US" altLang="ko-KR" sz="3600" b="1" dirty="0" smtClean="0">
-                <a:solidFill>
-                  <a:schemeClr val="bg1"/>
-                </a:solidFill>
-              </a:rPr>
-              <a:t>Set Location</a:t>
-            </a:r>
-            <a:endParaRPr kumimoji="1" lang="ko-KR" altLang="en-US" sz="3600" b="1" dirty="0">
-              <a:solidFill>
-                <a:schemeClr val="bg1"/>
-              </a:solidFill>
-            </a:endParaRPr>
+            <a:pPr algn="ctr"/>
+            <a:r>
+              <a:rPr kumimoji="1" lang="en-US" altLang="ko-KR" sz="2400" b="1" dirty="0" smtClean="0">
+                <a:solidFill>
+                  <a:schemeClr val="tx1">
+                    <a:lumMod val="50000"/>
+                    <a:lumOff val="50000"/>
+                  </a:schemeClr>
+                </a:solidFill>
+              </a:rPr>
+              <a:t>Management</a:t>
+            </a:r>
+          </a:p>
+        </p:txBody>
+      </p:sp>
+      <p:sp>
+        <p:nvSpPr>
+          <p:cNvPr id="20" name="텍스트 상자 19"/>
+          <p:cNvSpPr txBox="1"/>
+          <p:nvPr/>
+        </p:nvSpPr>
+        <p:spPr>
+          <a:xfrm>
+            <a:off x="1049311" y="3130581"/>
+            <a:ext cx="2891702" cy="461665"/>
+          </a:xfrm>
+          <a:prstGeom prst="rect">
+            <a:avLst/>
+          </a:prstGeom>
+          <a:noFill/>
+        </p:spPr>
+        <p:txBody>
+          <a:bodyPr wrap="square" rtlCol="0">
+            <a:spAutoFit/>
+          </a:bodyPr>
+          <a:lstStyle/>
+          <a:p>
+            <a:pPr algn="ctr"/>
+            <a:r>
+              <a:rPr kumimoji="1" lang="en-US" altLang="ko-KR" sz="2400" b="1" dirty="0" smtClean="0">
+                <a:solidFill>
+                  <a:schemeClr val="tx1">
+                    <a:lumMod val="50000"/>
+                    <a:lumOff val="50000"/>
+                  </a:schemeClr>
+                </a:solidFill>
+              </a:rPr>
+              <a:t>Translation</a:t>
+            </a:r>
+          </a:p>
+        </p:txBody>
+      </p:sp>
+      <p:sp>
+        <p:nvSpPr>
+          <p:cNvPr id="21" name="텍스트 상자 20"/>
+          <p:cNvSpPr txBox="1"/>
+          <p:nvPr/>
+        </p:nvSpPr>
+        <p:spPr>
+          <a:xfrm>
+            <a:off x="1049311" y="3954405"/>
+            <a:ext cx="2891702" cy="461665"/>
+          </a:xfrm>
+          <a:prstGeom prst="rect">
+            <a:avLst/>
+          </a:prstGeom>
+          <a:noFill/>
+        </p:spPr>
+        <p:txBody>
+          <a:bodyPr wrap="square" rtlCol="0">
+            <a:spAutoFit/>
+          </a:bodyPr>
+          <a:lstStyle/>
+          <a:p>
+            <a:pPr algn="ctr"/>
+            <a:r>
+              <a:rPr kumimoji="1" lang="en-US" altLang="ko-KR" sz="2400" b="1" dirty="0" smtClean="0">
+                <a:solidFill>
+                  <a:schemeClr val="tx1">
+                    <a:lumMod val="50000"/>
+                    <a:lumOff val="50000"/>
+                  </a:schemeClr>
+                </a:solidFill>
+              </a:rPr>
+              <a:t>Algorithm</a:t>
+            </a:r>
+          </a:p>
+        </p:txBody>
+      </p:sp>
+      <p:sp>
+        <p:nvSpPr>
+          <p:cNvPr id="24" name="텍스트 상자 23"/>
+          <p:cNvSpPr txBox="1"/>
+          <p:nvPr/>
+        </p:nvSpPr>
+        <p:spPr>
+          <a:xfrm>
+            <a:off x="8297384" y="3924425"/>
+            <a:ext cx="2796586" cy="461665"/>
+          </a:xfrm>
+          <a:prstGeom prst="rect">
+            <a:avLst/>
+          </a:prstGeom>
+          <a:noFill/>
+        </p:spPr>
+        <p:txBody>
+          <a:bodyPr wrap="square" rtlCol="0">
+            <a:spAutoFit/>
+          </a:bodyPr>
+          <a:lstStyle/>
+          <a:p>
+            <a:pPr algn="ctr"/>
+            <a:r>
+              <a:rPr kumimoji="1" lang="en-US" altLang="ko-KR" sz="2400" b="1" dirty="0" smtClean="0">
+                <a:solidFill>
+                  <a:schemeClr val="tx1">
+                    <a:lumMod val="50000"/>
+                    <a:lumOff val="50000"/>
+                  </a:schemeClr>
+                </a:solidFill>
+              </a:rPr>
+              <a:t>Documentation</a:t>
+            </a:r>
+          </a:p>
+        </p:txBody>
+      </p:sp>
+      <p:sp>
+        <p:nvSpPr>
+          <p:cNvPr id="25" name="텍스트 상자 24"/>
+          <p:cNvSpPr txBox="1"/>
+          <p:nvPr/>
+        </p:nvSpPr>
+        <p:spPr>
+          <a:xfrm>
+            <a:off x="8297383" y="3070620"/>
+            <a:ext cx="2796586" cy="461665"/>
+          </a:xfrm>
+          <a:prstGeom prst="rect">
+            <a:avLst/>
+          </a:prstGeom>
+          <a:noFill/>
+        </p:spPr>
+        <p:txBody>
+          <a:bodyPr wrap="square" rtlCol="0">
+            <a:spAutoFit/>
+          </a:bodyPr>
+          <a:lstStyle/>
+          <a:p>
+            <a:pPr algn="ctr"/>
+            <a:r>
+              <a:rPr kumimoji="1" lang="en-US" altLang="ko-KR" sz="2400" b="1" dirty="0" smtClean="0">
+                <a:solidFill>
+                  <a:schemeClr val="tx1">
+                    <a:lumMod val="50000"/>
+                    <a:lumOff val="50000"/>
+                  </a:schemeClr>
+                </a:solidFill>
+              </a:rPr>
+              <a:t>Design</a:t>
+            </a:r>
           </a:p>
         </p:txBody>
       </p:sp>
     </p:spTree>
     <p:extLst>
       <p:ext uri="{BB962C8B-B14F-4D97-AF65-F5344CB8AC3E}">
-        <p14:creationId xmlns:p14="http://schemas.microsoft.com/office/powerpoint/2010/main" val="261047241"/>
+        <p14:creationId xmlns:p14="http://schemas.microsoft.com/office/powerpoint/2010/main" val="41529900"/>
       </p:ext>
     </p:extLst>
   </p:cSld>
@@ -5611,14 +6577,6 @@
 <file path=ppt/slides/slide5.xml><?xml version="1.0" encoding="utf-8"?>
 <p:sld xmlns:a="http://schemas.openxmlformats.org/drawingml/2006/main" xmlns:r="http://schemas.openxmlformats.org/officeDocument/2006/relationships" xmlns:p="http://schemas.openxmlformats.org/presentationml/2006/main">
   <p:cSld>
-    <p:bg>
-      <p:bgPr>
-        <a:solidFill>
-          <a:srgbClr val="4C4C4C"/>
-        </a:solidFill>
-        <a:effectLst/>
-      </p:bgPr>
-    </p:bg>
     <p:spTree>
       <p:nvGrpSpPr>
         <p:cNvPr id="1" name=""/>
@@ -5693,7 +6651,7 @@
                   <a:schemeClr val="accent2"/>
                 </a:solidFill>
               </a:rPr>
-              <a:t>New</a:t>
+              <a:t>Old</a:t>
             </a:r>
             <a:endParaRPr kumimoji="1" lang="ko-KR" altLang="en-US" sz="4400" b="1" dirty="0">
               <a:solidFill>
@@ -5705,14 +6663,14 @@
       </p:sp>
       <p:sp>
         <p:nvSpPr>
-          <p:cNvPr id="12" name="텍스트 상자 8"/>
+          <p:cNvPr id="10" name="텍스트 상자 8"/>
           <p:cNvSpPr txBox="1"/>
           <p:nvPr/>
         </p:nvSpPr>
         <p:spPr>
           <a:xfrm>
-            <a:off x="4936270" y="3184815"/>
-            <a:ext cx="2405743" cy="646331"/>
+            <a:off x="6524290" y="4547558"/>
+            <a:ext cx="3528226" cy="646331"/>
           </a:xfrm>
           <a:prstGeom prst="rect">
             <a:avLst/>
@@ -5728,23 +6686,191 @@
             <a:r>
               <a:rPr kumimoji="1" lang="en-US" altLang="ko-KR" sz="3600" b="1" dirty="0" smtClean="0">
                 <a:solidFill>
-                  <a:schemeClr val="bg1"/>
-                </a:solidFill>
-              </a:rPr>
-              <a:t>Text field</a:t>
+                  <a:schemeClr val="tx1">
+                    <a:lumMod val="50000"/>
+                    <a:lumOff val="50000"/>
+                  </a:schemeClr>
+                </a:solidFill>
+              </a:rPr>
+              <a:t>Input function</a:t>
             </a:r>
             <a:endParaRPr kumimoji="1" lang="ko-KR" altLang="en-US" sz="3600" b="1" dirty="0">
               <a:solidFill>
-                <a:schemeClr val="bg1"/>
+                <a:schemeClr val="tx1">
+                  <a:lumMod val="50000"/>
+                  <a:lumOff val="50000"/>
+                </a:schemeClr>
               </a:solidFill>
             </a:endParaRPr>
           </a:p>
         </p:txBody>
       </p:sp>
+      <p:sp>
+        <p:nvSpPr>
+          <p:cNvPr id="12" name="텍스트 상자 8"/>
+          <p:cNvSpPr txBox="1"/>
+          <p:nvPr/>
+        </p:nvSpPr>
+        <p:spPr>
+          <a:xfrm>
+            <a:off x="6524290" y="2636175"/>
+            <a:ext cx="2405743" cy="646331"/>
+          </a:xfrm>
+          <a:prstGeom prst="rect">
+            <a:avLst/>
+          </a:prstGeom>
+          <a:noFill/>
+        </p:spPr>
+        <p:txBody>
+          <a:bodyPr wrap="square" rtlCol="0">
+            <a:spAutoFit/>
+          </a:bodyPr>
+          <a:lstStyle/>
+          <a:p>
+            <a:r>
+              <a:rPr kumimoji="1" lang="en-US" altLang="ko-KR" sz="3600" b="1" dirty="0" smtClean="0">
+                <a:solidFill>
+                  <a:schemeClr val="tx1">
+                    <a:lumMod val="50000"/>
+                    <a:lumOff val="50000"/>
+                  </a:schemeClr>
+                </a:solidFill>
+              </a:rPr>
+              <a:t>Text field</a:t>
+            </a:r>
+            <a:endParaRPr kumimoji="1" lang="ko-KR" altLang="en-US" sz="3600" b="1" dirty="0">
+              <a:solidFill>
+                <a:schemeClr val="tx1">
+                  <a:lumMod val="50000"/>
+                  <a:lumOff val="50000"/>
+                </a:schemeClr>
+              </a:solidFill>
+            </a:endParaRPr>
+          </a:p>
+        </p:txBody>
+      </p:sp>
+      <p:sp>
+        <p:nvSpPr>
+          <p:cNvPr id="13" name="텍스트 상자 9"/>
+          <p:cNvSpPr txBox="1"/>
+          <p:nvPr/>
+        </p:nvSpPr>
+        <p:spPr>
+          <a:xfrm>
+            <a:off x="6524290" y="3254896"/>
+            <a:ext cx="2284038" cy="646331"/>
+          </a:xfrm>
+          <a:prstGeom prst="rect">
+            <a:avLst/>
+          </a:prstGeom>
+          <a:noFill/>
+        </p:spPr>
+        <p:txBody>
+          <a:bodyPr wrap="square" rtlCol="0">
+            <a:spAutoFit/>
+          </a:bodyPr>
+          <a:lstStyle/>
+          <a:p>
+            <a:r>
+              <a:rPr kumimoji="1" lang="en-US" altLang="ko-KR" sz="3600" b="1" dirty="0" smtClean="0">
+                <a:solidFill>
+                  <a:schemeClr val="tx1">
+                    <a:lumMod val="50000"/>
+                    <a:lumOff val="50000"/>
+                  </a:schemeClr>
+                </a:solidFill>
+              </a:rPr>
+              <a:t>Button</a:t>
+            </a:r>
+            <a:endParaRPr kumimoji="1" lang="ko-KR" altLang="en-US" sz="3600" b="1" dirty="0">
+              <a:solidFill>
+                <a:schemeClr val="tx1">
+                  <a:lumMod val="50000"/>
+                  <a:lumOff val="50000"/>
+                </a:schemeClr>
+              </a:solidFill>
+            </a:endParaRPr>
+          </a:p>
+        </p:txBody>
+      </p:sp>
+      <p:sp>
+        <p:nvSpPr>
+          <p:cNvPr id="14" name="텍스트 상자 10"/>
+          <p:cNvSpPr txBox="1"/>
+          <p:nvPr/>
+        </p:nvSpPr>
+        <p:spPr>
+          <a:xfrm>
+            <a:off x="6524290" y="3901227"/>
+            <a:ext cx="3063527" cy="646331"/>
+          </a:xfrm>
+          <a:prstGeom prst="rect">
+            <a:avLst/>
+          </a:prstGeom>
+          <a:noFill/>
+        </p:spPr>
+        <p:txBody>
+          <a:bodyPr wrap="square" rtlCol="0">
+            <a:spAutoFit/>
+          </a:bodyPr>
+          <a:lstStyle/>
+          <a:p>
+            <a:r>
+              <a:rPr kumimoji="1" lang="en-US" altLang="ko-KR" sz="3600" b="1" dirty="0" smtClean="0">
+                <a:solidFill>
+                  <a:schemeClr val="tx1">
+                    <a:lumMod val="50000"/>
+                    <a:lumOff val="50000"/>
+                  </a:schemeClr>
+                </a:solidFill>
+              </a:rPr>
+              <a:t>Set Location</a:t>
+            </a:r>
+            <a:endParaRPr kumimoji="1" lang="ko-KR" altLang="en-US" sz="3600" b="1" dirty="0">
+              <a:solidFill>
+                <a:schemeClr val="tx1">
+                  <a:lumMod val="50000"/>
+                  <a:lumOff val="50000"/>
+                </a:schemeClr>
+              </a:solidFill>
+            </a:endParaRPr>
+          </a:p>
+        </p:txBody>
+      </p:sp>
+      <p:pic>
+        <p:nvPicPr>
+          <p:cNvPr id="2" name="그림 1"/>
+          <p:cNvPicPr>
+            <a:picLocks noChangeAspect="1"/>
+          </p:cNvPicPr>
+          <p:nvPr/>
+        </p:nvPicPr>
+        <p:blipFill>
+          <a:blip r:embed="rId2">
+            <a:extLst>
+              <a:ext uri="{28A0092B-C50C-407E-A947-70E740481C1C}">
+                <a14:useLocalDpi xmlns:a14="http://schemas.microsoft.com/office/drawing/2010/main" val="0"/>
+              </a:ext>
+            </a:extLst>
+          </a:blip>
+          <a:stretch>
+            <a:fillRect/>
+          </a:stretch>
+        </p:blipFill>
+        <p:spPr>
+          <a:xfrm>
+            <a:off x="2263515" y="1533048"/>
+            <a:ext cx="3316395" cy="5156908"/>
+          </a:xfrm>
+          <a:prstGeom prst="rect">
+            <a:avLst/>
+          </a:prstGeom>
+        </p:spPr>
+      </p:pic>
     </p:spTree>
     <p:extLst>
       <p:ext uri="{BB962C8B-B14F-4D97-AF65-F5344CB8AC3E}">
-        <p14:creationId xmlns:p14="http://schemas.microsoft.com/office/powerpoint/2010/main" val="1253107079"/>
+        <p14:creationId xmlns:p14="http://schemas.microsoft.com/office/powerpoint/2010/main" val="261047241"/>
       </p:ext>
     </p:extLst>
   </p:cSld>
@@ -5778,86 +6904,6 @@
           <a:chExt cx="0" cy="0"/>
         </a:xfrm>
       </p:grpSpPr>
-      <p:pic>
-        <p:nvPicPr>
-          <p:cNvPr id="6" name="그림 5"/>
-          <p:cNvPicPr>
-            <a:picLocks noChangeAspect="1"/>
-          </p:cNvPicPr>
-          <p:nvPr/>
-        </p:nvPicPr>
-        <p:blipFill>
-          <a:blip r:embed="rId2">
-            <a:extLst>
-              <a:ext uri="{28A0092B-C50C-407E-A947-70E740481C1C}">
-                <a14:useLocalDpi xmlns:a14="http://schemas.microsoft.com/office/drawing/2010/main" val="0"/>
-              </a:ext>
-            </a:extLst>
-          </a:blip>
-          <a:stretch>
-            <a:fillRect/>
-          </a:stretch>
-        </p:blipFill>
-        <p:spPr>
-          <a:xfrm>
-            <a:off x="0" y="0"/>
-            <a:ext cx="12192000" cy="6858000"/>
-          </a:xfrm>
-          <a:prstGeom prst="rect">
-            <a:avLst/>
-          </a:prstGeom>
-        </p:spPr>
-      </p:pic>
-      <p:sp>
-        <p:nvSpPr>
-          <p:cNvPr id="4" name="직사각형 3"/>
-          <p:cNvSpPr/>
-          <p:nvPr/>
-        </p:nvSpPr>
-        <p:spPr>
-          <a:xfrm>
-            <a:off x="0" y="-3"/>
-            <a:ext cx="12192001" cy="6858003"/>
-          </a:xfrm>
-          <a:prstGeom prst="rect">
-            <a:avLst/>
-          </a:prstGeom>
-          <a:solidFill>
-            <a:schemeClr val="tx1">
-              <a:alpha val="30000"/>
-            </a:schemeClr>
-          </a:solidFill>
-          <a:ln>
-            <a:solidFill>
-              <a:schemeClr val="tx1"/>
-            </a:solidFill>
-          </a:ln>
-        </p:spPr>
-        <p:style>
-          <a:lnRef idx="2">
-            <a:schemeClr val="accent1">
-              <a:shade val="50000"/>
-            </a:schemeClr>
-          </a:lnRef>
-          <a:fillRef idx="1">
-            <a:schemeClr val="accent1"/>
-          </a:fillRef>
-          <a:effectRef idx="0">
-            <a:schemeClr val="accent1"/>
-          </a:effectRef>
-          <a:fontRef idx="minor">
-            <a:schemeClr val="lt1"/>
-          </a:fontRef>
-        </p:style>
-        <p:txBody>
-          <a:bodyPr rtlCol="0" anchor="ctr"/>
-          <a:lstStyle/>
-          <a:p>
-            <a:pPr algn="ctr"/>
-            <a:endParaRPr lang="ko-KR" altLang="en-US" dirty="0"/>
-          </a:p>
-        </p:txBody>
-      </p:sp>
       <p:sp>
         <p:nvSpPr>
           <p:cNvPr id="5" name="텍스트 상자 4"/>
@@ -5866,8 +6912,8 @@
         </p:nvSpPr>
         <p:spPr>
           <a:xfrm>
-            <a:off x="859972" y="664029"/>
-            <a:ext cx="2209800" cy="769441"/>
+            <a:off x="674914" y="598715"/>
+            <a:ext cx="4158343" cy="769441"/>
           </a:xfrm>
           <a:prstGeom prst="rect">
             <a:avLst/>
@@ -5881,12 +6927,44 @@
           <a:lstStyle/>
           <a:p>
             <a:r>
-              <a:rPr kumimoji="1" lang="en-US" altLang="ko-KR" sz="4400" b="1" smtClean="0">
+              <a:rPr kumimoji="1" lang="en-US" altLang="ko-KR" sz="4400" b="1" dirty="0" smtClean="0">
                 <a:solidFill>
                   <a:schemeClr val="accent2"/>
                 </a:solidFill>
               </a:rPr>
-              <a:t>Github</a:t>
+              <a:t>Serious</a:t>
+            </a:r>
+            <a:r>
+              <a:rPr kumimoji="1" lang="ko-KR" altLang="en-US" sz="4400" b="1" dirty="0" smtClean="0">
+                <a:solidFill>
+                  <a:schemeClr val="accent2"/>
+                </a:solidFill>
+              </a:rPr>
+              <a:t> </a:t>
+            </a:r>
+            <a:r>
+              <a:rPr kumimoji="1" lang="en-US" altLang="ko-KR" sz="4400" b="1" dirty="0" smtClean="0">
+                <a:solidFill>
+                  <a:schemeClr val="accent2"/>
+                </a:solidFill>
+              </a:rPr>
+              <a:t>–</a:t>
+            </a:r>
+            <a:r>
+              <a:rPr kumimoji="1" lang="ko-KR" altLang="en-US" sz="4400" b="1" dirty="0" smtClean="0">
+                <a:solidFill>
+                  <a:schemeClr val="accent2"/>
+                </a:solidFill>
+              </a:rPr>
+              <a:t> </a:t>
+            </a:r>
+            <a:r>
+              <a:rPr kumimoji="1" lang="en-US" altLang="ko-KR" sz="4400" b="1" dirty="0" smtClean="0">
+                <a:solidFill>
+                  <a:schemeClr val="accent2"/>
+                </a:solidFill>
+              </a:rPr>
+              <a:t>New</a:t>
             </a:r>
             <a:endParaRPr kumimoji="1" lang="ko-KR" altLang="en-US" sz="4400" b="1" dirty="0">
               <a:solidFill>
@@ -5896,10 +6974,72 @@
           </a:p>
         </p:txBody>
       </p:sp>
+      <p:sp>
+        <p:nvSpPr>
+          <p:cNvPr id="12" name="텍스트 상자 8"/>
+          <p:cNvSpPr txBox="1"/>
+          <p:nvPr/>
+        </p:nvSpPr>
+        <p:spPr>
+          <a:xfrm>
+            <a:off x="0" y="2904776"/>
+            <a:ext cx="12192000" cy="1200329"/>
+          </a:xfrm>
+          <a:prstGeom prst="rect">
+            <a:avLst/>
+          </a:prstGeom>
+          <a:noFill/>
+        </p:spPr>
+        <p:txBody>
+          <a:bodyPr wrap="square" rtlCol="0">
+            <a:spAutoFit/>
+          </a:bodyPr>
+          <a:lstStyle/>
+          <a:p>
+            <a:pPr algn="ctr"/>
+            <a:r>
+              <a:rPr kumimoji="1" lang="en-US" altLang="ko-KR" sz="3600" b="1" dirty="0" err="1" smtClean="0">
+                <a:solidFill>
+                  <a:schemeClr val="tx1">
+                    <a:lumMod val="50000"/>
+                    <a:lumOff val="50000"/>
+                  </a:schemeClr>
+                </a:solidFill>
+              </a:rPr>
+              <a:t>KeyBoard</a:t>
+            </a:r>
+            <a:r>
+              <a:rPr kumimoji="1" lang="en-US" altLang="ko-KR" sz="3600" b="1" dirty="0" smtClean="0">
+                <a:solidFill>
+                  <a:schemeClr val="tx1">
+                    <a:lumMod val="50000"/>
+                    <a:lumOff val="50000"/>
+                  </a:schemeClr>
+                </a:solidFill>
+              </a:rPr>
+              <a:t> Input</a:t>
+            </a:r>
+          </a:p>
+          <a:p>
+            <a:pPr algn="ctr"/>
+            <a:r>
+              <a:rPr kumimoji="1" lang="en-US" altLang="ko-KR" sz="3600" b="1" dirty="0" smtClean="0">
+                <a:solidFill>
+                  <a:schemeClr val="tx1">
+                    <a:lumMod val="50000"/>
+                    <a:lumOff val="50000"/>
+                  </a:schemeClr>
+                </a:solidFill>
+              </a:rPr>
+              <a:t>Delete Clear</a:t>
+            </a:r>
+          </a:p>
+        </p:txBody>
+      </p:sp>
     </p:spTree>
     <p:extLst>
       <p:ext uri="{BB962C8B-B14F-4D97-AF65-F5344CB8AC3E}">
-        <p14:creationId xmlns:p14="http://schemas.microsoft.com/office/powerpoint/2010/main" val="1917427612"/>
+        <p14:creationId xmlns:p14="http://schemas.microsoft.com/office/powerpoint/2010/main" val="1253107079"/>
       </p:ext>
     </p:extLst>
   </p:cSld>
@@ -5919,14 +7059,6 @@
 <file path=ppt/slides/slide7.xml><?xml version="1.0" encoding="utf-8"?>
 <p:sld xmlns:a="http://schemas.openxmlformats.org/drawingml/2006/main" xmlns:r="http://schemas.openxmlformats.org/officeDocument/2006/relationships" xmlns:p="http://schemas.openxmlformats.org/presentationml/2006/main">
   <p:cSld>
-    <p:bg>
-      <p:bgPr>
-        <a:solidFill>
-          <a:srgbClr val="4C4C4C"/>
-        </a:solidFill>
-        <a:effectLst/>
-      </p:bgPr>
-    </p:bg>
     <p:spTree>
       <p:nvGrpSpPr>
         <p:cNvPr id="1" name=""/>
@@ -5949,8 +7081,8 @@
         </p:nvSpPr>
         <p:spPr>
           <a:xfrm>
-            <a:off x="859971" y="664029"/>
-            <a:ext cx="4148127" cy="769441"/>
+            <a:off x="674914" y="598715"/>
+            <a:ext cx="4158343" cy="769441"/>
           </a:xfrm>
           <a:prstGeom prst="rect">
             <a:avLst/>
@@ -5964,12 +7096,20 @@
           <a:lstStyle/>
           <a:p>
             <a:r>
-              <a:rPr kumimoji="1" lang="en-US" altLang="ko-KR" sz="4400" b="1" dirty="0" err="1" smtClean="0">
+              <a:rPr kumimoji="1" lang="en-US" altLang="ko-KR" sz="4400" b="1" dirty="0" smtClean="0">
                 <a:solidFill>
                   <a:schemeClr val="accent2"/>
                 </a:solidFill>
               </a:rPr>
-              <a:t>Github</a:t>
+              <a:t>Serious</a:t>
+            </a:r>
+            <a:r>
+              <a:rPr kumimoji="1" lang="ko-KR" altLang="en-US" sz="4400" b="1" dirty="0" smtClean="0">
+                <a:solidFill>
+                  <a:schemeClr val="accent2"/>
+                </a:solidFill>
+              </a:rPr>
+              <a:t> </a:t>
             </a:r>
             <a:r>
               <a:rPr kumimoji="1" lang="en-US" altLang="ko-KR" sz="4400" b="1" dirty="0" smtClean="0">
@@ -5977,7 +7117,23 @@
                   <a:schemeClr val="accent2"/>
                 </a:solidFill>
               </a:rPr>
-              <a:t> - Issue</a:t>
+              <a:t>–</a:t>
+            </a:r>
+            <a:r>
+              <a:rPr kumimoji="1" lang="ko-KR" altLang="en-US" sz="4400" b="1" dirty="0" smtClean="0">
+                <a:solidFill>
+                  <a:schemeClr val="accent2"/>
+                </a:solidFill>
+              </a:rPr>
+              <a:t> </a:t>
+            </a:r>
+            <a:r>
+              <a:rPr kumimoji="1" lang="en-US" altLang="ko-KR" sz="4400" b="1" dirty="0" smtClean="0">
+                <a:solidFill>
+                  <a:schemeClr val="accent2"/>
+                </a:solidFill>
+              </a:rPr>
+              <a:t>New</a:t>
             </a:r>
             <a:endParaRPr kumimoji="1" lang="ko-KR" altLang="en-US" sz="4400" b="1" dirty="0">
               <a:solidFill>
@@ -5987,70 +7143,69 @@
           </a:p>
         </p:txBody>
       </p:sp>
-      <p:pic>
-        <p:nvPicPr>
-          <p:cNvPr id="6" name="그림 5"/>
-          <p:cNvPicPr>
-            <a:picLocks noChangeAspect="1"/>
-          </p:cNvPicPr>
-          <p:nvPr/>
-        </p:nvPicPr>
-        <p:blipFill>
-          <a:blip r:embed="rId2">
-            <a:extLst>
-              <a:ext uri="{28A0092B-C50C-407E-A947-70E740481C1C}">
-                <a14:useLocalDpi xmlns:a14="http://schemas.microsoft.com/office/drawing/2010/main" val="0"/>
-              </a:ext>
-            </a:extLst>
-          </a:blip>
-          <a:stretch>
-            <a:fillRect/>
-          </a:stretch>
-        </p:blipFill>
-        <p:spPr>
-          <a:xfrm>
-            <a:off x="3195563" y="1664446"/>
-            <a:ext cx="5927372" cy="993919"/>
+      <p:sp>
+        <p:nvSpPr>
+          <p:cNvPr id="12" name="텍스트 상자 8"/>
+          <p:cNvSpPr txBox="1"/>
+          <p:nvPr/>
+        </p:nvSpPr>
+        <p:spPr>
+          <a:xfrm>
+            <a:off x="0" y="2919767"/>
+            <a:ext cx="12192000" cy="1200329"/>
           </a:xfrm>
           <a:prstGeom prst="rect">
             <a:avLst/>
           </a:prstGeom>
-        </p:spPr>
-      </p:pic>
-      <p:pic>
-        <p:nvPicPr>
-          <p:cNvPr id="7" name="그림 6"/>
-          <p:cNvPicPr>
-            <a:picLocks noChangeAspect="1"/>
-          </p:cNvPicPr>
-          <p:nvPr/>
-        </p:nvPicPr>
-        <p:blipFill>
-          <a:blip r:embed="rId3">
-            <a:extLst>
-              <a:ext uri="{28A0092B-C50C-407E-A947-70E740481C1C}">
-                <a14:useLocalDpi xmlns:a14="http://schemas.microsoft.com/office/drawing/2010/main" val="0"/>
-              </a:ext>
-            </a:extLst>
-          </a:blip>
-          <a:stretch>
-            <a:fillRect/>
-          </a:stretch>
-        </p:blipFill>
-        <p:spPr>
-          <a:xfrm>
-            <a:off x="3195563" y="2817615"/>
-            <a:ext cx="5927372" cy="3399166"/>
-          </a:xfrm>
-          <a:prstGeom prst="rect">
-            <a:avLst/>
-          </a:prstGeom>
-        </p:spPr>
-      </p:pic>
+          <a:noFill/>
+        </p:spPr>
+        <p:txBody>
+          <a:bodyPr wrap="square" rtlCol="0">
+            <a:spAutoFit/>
+          </a:bodyPr>
+          <a:lstStyle/>
+          <a:p>
+            <a:pPr algn="ctr"/>
+            <a:r>
+              <a:rPr kumimoji="1" lang="en-US" altLang="ko-KR" sz="3600" b="1" dirty="0" smtClean="0">
+                <a:solidFill>
+                  <a:schemeClr val="tx1">
+                    <a:lumMod val="50000"/>
+                    <a:lumOff val="50000"/>
+                  </a:schemeClr>
+                </a:solidFill>
+              </a:rPr>
+              <a:t>Calculate</a:t>
+            </a:r>
+          </a:p>
+          <a:p>
+            <a:pPr algn="ctr"/>
+            <a:r>
+              <a:rPr kumimoji="1" lang="en-US" altLang="ko-KR" sz="3600" b="1" dirty="0" smtClean="0">
+                <a:solidFill>
+                  <a:schemeClr val="tx1">
+                    <a:lumMod val="50000"/>
+                    <a:lumOff val="50000"/>
+                  </a:schemeClr>
+                </a:solidFill>
+              </a:rPr>
+              <a:t>+, -, x, /, (, )</a:t>
+            </a:r>
+            <a:endParaRPr kumimoji="1" lang="ko-KR" altLang="en-US" sz="3600" b="1" dirty="0">
+              <a:solidFill>
+                <a:schemeClr val="tx1">
+                  <a:lumMod val="50000"/>
+                  <a:lumOff val="50000"/>
+                </a:schemeClr>
+              </a:solidFill>
+            </a:endParaRPr>
+          </a:p>
+        </p:txBody>
+      </p:sp>
     </p:spTree>
     <p:extLst>
       <p:ext uri="{BB962C8B-B14F-4D97-AF65-F5344CB8AC3E}">
-        <p14:creationId xmlns:p14="http://schemas.microsoft.com/office/powerpoint/2010/main" val="134821091"/>
+        <p14:creationId xmlns:p14="http://schemas.microsoft.com/office/powerpoint/2010/main" val="435605200"/>
       </p:ext>
     </p:extLst>
   </p:cSld>
@@ -6086,64 +7241,14 @@
       </p:grpSpPr>
       <p:sp>
         <p:nvSpPr>
-          <p:cNvPr id="4" name="직사각형 3"/>
-          <p:cNvSpPr/>
-          <p:nvPr/>
-        </p:nvSpPr>
-        <p:spPr>
-          <a:xfrm>
-            <a:off x="0" y="-3"/>
-            <a:ext cx="12192001" cy="6858003"/>
-          </a:xfrm>
-          <a:prstGeom prst="rect">
-            <a:avLst/>
-          </a:prstGeom>
-          <a:solidFill>
-            <a:schemeClr val="tx1">
-              <a:alpha val="70000"/>
-            </a:schemeClr>
-          </a:solidFill>
-          <a:ln>
-            <a:solidFill>
-              <a:schemeClr val="tx1"/>
-            </a:solidFill>
-          </a:ln>
-        </p:spPr>
-        <p:style>
-          <a:lnRef idx="2">
-            <a:schemeClr val="accent1">
-              <a:shade val="50000"/>
-            </a:schemeClr>
-          </a:lnRef>
-          <a:fillRef idx="1">
-            <a:schemeClr val="accent1"/>
-          </a:fillRef>
-          <a:effectRef idx="0">
-            <a:schemeClr val="accent1"/>
-          </a:effectRef>
-          <a:fontRef idx="minor">
-            <a:schemeClr val="lt1"/>
-          </a:fontRef>
-        </p:style>
-        <p:txBody>
-          <a:bodyPr rtlCol="0" anchor="ctr"/>
-          <a:lstStyle/>
-          <a:p>
-            <a:pPr algn="ctr"/>
-            <a:endParaRPr lang="ko-KR" altLang="en-US" dirty="0"/>
-          </a:p>
-        </p:txBody>
-      </p:sp>
-      <p:sp>
-        <p:nvSpPr>
           <p:cNvPr id="5" name="텍스트 상자 4"/>
           <p:cNvSpPr txBox="1"/>
           <p:nvPr/>
         </p:nvSpPr>
         <p:spPr>
           <a:xfrm>
-            <a:off x="859971" y="664029"/>
-            <a:ext cx="5256015" cy="769441"/>
+            <a:off x="674914" y="598715"/>
+            <a:ext cx="4158343" cy="769441"/>
           </a:xfrm>
           <a:prstGeom prst="rect">
             <a:avLst/>
@@ -6157,12 +7262,20 @@
           <a:lstStyle/>
           <a:p>
             <a:r>
-              <a:rPr kumimoji="1" lang="en-US" altLang="ko-KR" sz="4400" b="1" dirty="0" err="1" smtClean="0">
+              <a:rPr kumimoji="1" lang="en-US" altLang="ko-KR" sz="4400" b="1" dirty="0" smtClean="0">
                 <a:solidFill>
                   <a:schemeClr val="accent2"/>
                 </a:solidFill>
               </a:rPr>
-              <a:t>Github</a:t>
+              <a:t>Serious</a:t>
+            </a:r>
+            <a:r>
+              <a:rPr kumimoji="1" lang="ko-KR" altLang="en-US" sz="4400" b="1" dirty="0" smtClean="0">
+                <a:solidFill>
+                  <a:schemeClr val="accent2"/>
+                </a:solidFill>
+              </a:rPr>
+              <a:t> </a:t>
             </a:r>
             <a:r>
               <a:rPr kumimoji="1" lang="en-US" altLang="ko-KR" sz="4400" b="1" dirty="0" smtClean="0">
@@ -6170,7 +7283,23 @@
                   <a:schemeClr val="accent2"/>
                 </a:solidFill>
               </a:rPr>
-              <a:t> -  README</a:t>
+              <a:t>–</a:t>
+            </a:r>
+            <a:r>
+              <a:rPr kumimoji="1" lang="ko-KR" altLang="en-US" sz="4400" b="1" dirty="0" smtClean="0">
+                <a:solidFill>
+                  <a:schemeClr val="accent2"/>
+                </a:solidFill>
+              </a:rPr>
+              <a:t> </a:t>
+            </a:r>
+            <a:r>
+              <a:rPr kumimoji="1" lang="en-US" altLang="ko-KR" sz="4400" b="1" dirty="0" smtClean="0">
+                <a:solidFill>
+                  <a:schemeClr val="accent2"/>
+                </a:solidFill>
+              </a:rPr>
+              <a:t>New</a:t>
             </a:r>
             <a:endParaRPr kumimoji="1" lang="ko-KR" altLang="en-US" sz="4400" b="1" dirty="0">
               <a:solidFill>
@@ -6180,209 +7309,55 @@
           </a:p>
         </p:txBody>
       </p:sp>
-      <p:pic>
-        <p:nvPicPr>
-          <p:cNvPr id="7" name="그림 6"/>
-          <p:cNvPicPr>
-            <a:picLocks noChangeAspect="1"/>
-          </p:cNvPicPr>
-          <p:nvPr/>
-        </p:nvPicPr>
-        <p:blipFill>
-          <a:blip r:embed="rId2">
-            <a:extLst>
-              <a:ext uri="{28A0092B-C50C-407E-A947-70E740481C1C}">
-                <a14:useLocalDpi xmlns:a14="http://schemas.microsoft.com/office/drawing/2010/main" val="0"/>
-              </a:ext>
-            </a:extLst>
-          </a:blip>
-          <a:stretch>
-            <a:fillRect/>
-          </a:stretch>
-        </p:blipFill>
-        <p:spPr>
-          <a:xfrm>
-            <a:off x="1975312" y="1433470"/>
-            <a:ext cx="7978158" cy="4986349"/>
+      <p:sp>
+        <p:nvSpPr>
+          <p:cNvPr id="12" name="텍스트 상자 8"/>
+          <p:cNvSpPr txBox="1"/>
+          <p:nvPr/>
+        </p:nvSpPr>
+        <p:spPr>
+          <a:xfrm>
+            <a:off x="0" y="3047655"/>
+            <a:ext cx="12192000" cy="646331"/>
           </a:xfrm>
           <a:prstGeom prst="rect">
             <a:avLst/>
           </a:prstGeom>
-        </p:spPr>
-      </p:pic>
-      <p:sp>
-        <p:nvSpPr>
-          <p:cNvPr id="2" name="액자 1"/>
-          <p:cNvSpPr/>
-          <p:nvPr/>
-        </p:nvSpPr>
-        <p:spPr>
-          <a:xfrm>
-            <a:off x="2915322" y="1764254"/>
-            <a:ext cx="2237591" cy="204395"/>
-          </a:xfrm>
-          <a:prstGeom prst="frame">
-            <a:avLst/>
-          </a:prstGeom>
-          <a:solidFill>
-            <a:srgbClr val="FF0000"/>
-          </a:solidFill>
-          <a:ln>
-            <a:solidFill>
-              <a:srgbClr val="FF0000"/>
-            </a:solidFill>
-          </a:ln>
-        </p:spPr>
-        <p:style>
-          <a:lnRef idx="2">
-            <a:schemeClr val="accent1">
-              <a:shade val="50000"/>
-            </a:schemeClr>
-          </a:lnRef>
-          <a:fillRef idx="1">
-            <a:schemeClr val="accent1"/>
-          </a:fillRef>
-          <a:effectRef idx="0">
-            <a:schemeClr val="accent1"/>
-          </a:effectRef>
-          <a:fontRef idx="minor">
-            <a:schemeClr val="lt1"/>
-          </a:fontRef>
-        </p:style>
-        <p:txBody>
-          <a:bodyPr rtlCol="0" anchor="ctr"/>
+          <a:noFill/>
+        </p:spPr>
+        <p:txBody>
+          <a:bodyPr wrap="square" rtlCol="0">
+            <a:spAutoFit/>
+          </a:bodyPr>
           <a:lstStyle/>
           <a:p>
             <a:pPr algn="ctr"/>
-            <a:endParaRPr kumimoji="1" lang="ko-KR" altLang="en-US">
-              <a:ln w="0"/>
+            <a:r>
+              <a:rPr kumimoji="1" lang="en-US" altLang="ko-KR" sz="3600" b="1" dirty="0" smtClean="0">
+                <a:solidFill>
+                  <a:schemeClr val="tx1">
+                    <a:lumMod val="50000"/>
+                    <a:lumOff val="50000"/>
+                  </a:schemeClr>
+                </a:solidFill>
+              </a:rPr>
+              <a:t>New Function</a:t>
+            </a:r>
+            <a:endParaRPr kumimoji="1" lang="ko-KR" altLang="en-US" sz="3600" b="1" dirty="0">
               <a:solidFill>
-                <a:schemeClr val="tx1"/>
+                <a:schemeClr val="tx1">
+                  <a:lumMod val="50000"/>
+                  <a:lumOff val="50000"/>
+                </a:schemeClr>
               </a:solidFill>
-              <a:effectLst>
-                <a:outerShdw blurRad="38100" dist="19050" dir="2700000" algn="tl" rotWithShape="0">
-                  <a:schemeClr val="dk1">
-                    <a:alpha val="40000"/>
-                  </a:schemeClr>
-                </a:outerShdw>
-              </a:effectLst>
             </a:endParaRPr>
-          </a:p>
-        </p:txBody>
-      </p:sp>
-      <p:cxnSp>
-        <p:nvCxnSpPr>
-          <p:cNvPr id="6" name="직선 연결선[R] 5"/>
-          <p:cNvCxnSpPr>
-            <a:stCxn id="2" idx="3"/>
-          </p:cNvCxnSpPr>
-          <p:nvPr/>
-        </p:nvCxnSpPr>
-        <p:spPr>
-          <a:xfrm flipV="1">
-            <a:off x="5152913" y="1140311"/>
-            <a:ext cx="2119256" cy="726141"/>
-          </a:xfrm>
-          <a:prstGeom prst="line">
-            <a:avLst/>
-          </a:prstGeom>
-          <a:ln>
-            <a:solidFill>
-              <a:srgbClr val="FF0000"/>
-            </a:solidFill>
-          </a:ln>
-        </p:spPr>
-        <p:style>
-          <a:lnRef idx="1">
-            <a:schemeClr val="accent1"/>
-          </a:lnRef>
-          <a:fillRef idx="0">
-            <a:schemeClr val="accent1"/>
-          </a:fillRef>
-          <a:effectRef idx="0">
-            <a:schemeClr val="accent1"/>
-          </a:effectRef>
-          <a:fontRef idx="minor">
-            <a:schemeClr val="tx1"/>
-          </a:fontRef>
-        </p:style>
-      </p:cxnSp>
-      <p:sp>
-        <p:nvSpPr>
-          <p:cNvPr id="8" name="직사각형 7"/>
-          <p:cNvSpPr/>
-          <p:nvPr/>
-        </p:nvSpPr>
-        <p:spPr>
-          <a:xfrm>
-            <a:off x="7207624" y="664029"/>
-            <a:ext cx="4335331" cy="616131"/>
-          </a:xfrm>
-          <a:prstGeom prst="rect">
-            <a:avLst/>
-          </a:prstGeom>
-          <a:solidFill>
-            <a:srgbClr val="FF0000"/>
-          </a:solidFill>
-          <a:ln>
-            <a:solidFill>
-              <a:srgbClr val="FF0000"/>
-            </a:solidFill>
-          </a:ln>
-        </p:spPr>
-        <p:style>
-          <a:lnRef idx="2">
-            <a:schemeClr val="accent1">
-              <a:shade val="50000"/>
-            </a:schemeClr>
-          </a:lnRef>
-          <a:fillRef idx="1">
-            <a:schemeClr val="accent1"/>
-          </a:fillRef>
-          <a:effectRef idx="0">
-            <a:schemeClr val="accent1"/>
-          </a:effectRef>
-          <a:fontRef idx="minor">
-            <a:schemeClr val="lt1"/>
-          </a:fontRef>
-        </p:style>
-        <p:txBody>
-          <a:bodyPr rtlCol="0" anchor="ctr"/>
-          <a:lstStyle/>
-          <a:p>
-            <a:pPr algn="ctr"/>
-            <a:r>
-              <a:rPr kumimoji="1" lang="en-US" altLang="ko-KR" b="1" dirty="0" smtClean="0"/>
-              <a:t>Https://</a:t>
-            </a:r>
-            <a:r>
-              <a:rPr kumimoji="1" lang="en-US" altLang="ko-KR" b="1" dirty="0" err="1" smtClean="0"/>
-              <a:t>github.com</a:t>
-            </a:r>
-            <a:r>
-              <a:rPr kumimoji="1" lang="en-US" altLang="ko-KR" b="1" dirty="0" smtClean="0"/>
-              <a:t>/</a:t>
-            </a:r>
-            <a:r>
-              <a:rPr kumimoji="1" lang="en-US" altLang="ko-KR" b="1" dirty="0" err="1" smtClean="0"/>
-              <a:t>alchon</a:t>
-            </a:r>
-            <a:r>
-              <a:rPr kumimoji="1" lang="en-US" altLang="ko-KR" b="1" dirty="0" smtClean="0"/>
-              <a:t>/</a:t>
-            </a:r>
-            <a:r>
-              <a:rPr kumimoji="1" lang="en-US" altLang="ko-KR" b="1" dirty="0" err="1" smtClean="0"/>
-              <a:t>simpsons</a:t>
-            </a:r>
-            <a:endParaRPr kumimoji="1" lang="ko-KR" altLang="en-US" b="1" dirty="0"/>
           </a:p>
         </p:txBody>
       </p:sp>
     </p:spTree>
     <p:extLst>
       <p:ext uri="{BB962C8B-B14F-4D97-AF65-F5344CB8AC3E}">
-        <p14:creationId xmlns:p14="http://schemas.microsoft.com/office/powerpoint/2010/main" val="827265300"/>
+        <p14:creationId xmlns:p14="http://schemas.microsoft.com/office/powerpoint/2010/main" val="1098784832"/>
       </p:ext>
     </p:extLst>
   </p:cSld>
@@ -6402,14 +7377,6 @@
 <file path=ppt/slides/slide9.xml><?xml version="1.0" encoding="utf-8"?>
 <p:sld xmlns:a="http://schemas.openxmlformats.org/drawingml/2006/main" xmlns:r="http://schemas.openxmlformats.org/officeDocument/2006/relationships" xmlns:p="http://schemas.openxmlformats.org/presentationml/2006/main">
   <p:cSld>
-    <p:bg>
-      <p:bgPr>
-        <a:solidFill>
-          <a:srgbClr val="4C4C4C"/>
-        </a:solidFill>
-        <a:effectLst/>
-      </p:bgPr>
-    </p:bg>
     <p:spTree>
       <p:nvGrpSpPr>
         <p:cNvPr id="1" name=""/>
@@ -6452,7 +7419,39 @@
                   <a:schemeClr val="accent2"/>
                 </a:solidFill>
               </a:rPr>
-              <a:t>Serious - Next</a:t>
+              <a:t>Serious</a:t>
+            </a:r>
+            <a:r>
+              <a:rPr kumimoji="1" lang="ko-KR" altLang="en-US" sz="4400" b="1" dirty="0" smtClean="0">
+                <a:solidFill>
+                  <a:schemeClr val="accent2"/>
+                </a:solidFill>
+              </a:rPr>
+              <a:t> </a:t>
+            </a:r>
+            <a:r>
+              <a:rPr kumimoji="1" lang="en-US" altLang="ko-KR" sz="4400" b="1" dirty="0" smtClean="0">
+                <a:solidFill>
+                  <a:schemeClr val="accent2"/>
+                </a:solidFill>
+              </a:rPr>
+              <a:t>–</a:t>
+            </a:r>
+            <a:r>
+              <a:rPr kumimoji="1" lang="ko-KR" altLang="en-US" sz="4400" b="1" dirty="0" smtClean="0">
+                <a:solidFill>
+                  <a:schemeClr val="accent2"/>
+                </a:solidFill>
+              </a:rPr>
+              <a:t> </a:t>
+            </a:r>
+            <a:r>
+              <a:rPr kumimoji="1" lang="en-US" altLang="ko-KR" sz="4400" b="1" dirty="0" smtClean="0">
+                <a:solidFill>
+                  <a:schemeClr val="accent2"/>
+                </a:solidFill>
+              </a:rPr>
+              <a:t>New</a:t>
             </a:r>
             <a:endParaRPr kumimoji="1" lang="ko-KR" altLang="en-US" sz="4400" b="1" dirty="0">
               <a:solidFill>
@@ -6464,14 +7463,14 @@
       </p:sp>
       <p:sp>
         <p:nvSpPr>
-          <p:cNvPr id="6" name="텍스트 상자 5"/>
+          <p:cNvPr id="12" name="텍스트 상자 8"/>
           <p:cNvSpPr txBox="1"/>
           <p:nvPr/>
         </p:nvSpPr>
         <p:spPr>
           <a:xfrm>
-            <a:off x="4880347" y="1986730"/>
-            <a:ext cx="2724818" cy="584775"/>
+            <a:off x="0" y="3090517"/>
+            <a:ext cx="12192000" cy="646331"/>
           </a:xfrm>
           <a:prstGeom prst="rect">
             <a:avLst/>
@@ -6486,227 +7485,22 @@
           <a:p>
             <a:pPr algn="ctr"/>
             <a:r>
-              <a:rPr kumimoji="1" lang="en-US" altLang="ko-KR" sz="3200" b="1" dirty="0" smtClean="0">
-                <a:solidFill>
-                  <a:schemeClr val="accent2"/>
-                </a:solidFill>
-              </a:rPr>
-              <a:t>Next Version</a:t>
-            </a:r>
-            <a:endParaRPr kumimoji="1" lang="ko-KR" altLang="en-US" sz="3200" b="1" dirty="0">
+              <a:rPr kumimoji="1" lang="en-US" altLang="ko-KR" sz="3600" b="1" smtClean="0">
+                <a:solidFill>
+                  <a:schemeClr val="tx1">
+                    <a:lumMod val="50000"/>
+                    <a:lumOff val="50000"/>
+                  </a:schemeClr>
+                </a:solidFill>
+              </a:rPr>
+              <a:t>Secure Coding</a:t>
+            </a:r>
+            <a:endParaRPr kumimoji="1" lang="ko-KR" altLang="en-US" sz="3600" b="1" dirty="0">
               <a:solidFill>
-                <a:schemeClr val="accent2"/>
-              </a:solidFill>
-            </a:endParaRPr>
-          </a:p>
-        </p:txBody>
-      </p:sp>
-      <p:sp>
-        <p:nvSpPr>
-          <p:cNvPr id="7" name="텍스트 상자 6"/>
-          <p:cNvSpPr txBox="1"/>
-          <p:nvPr/>
-        </p:nvSpPr>
-        <p:spPr>
-          <a:xfrm>
-            <a:off x="4880347" y="3848778"/>
-            <a:ext cx="2724818" cy="523220"/>
-          </a:xfrm>
-          <a:prstGeom prst="rect">
-            <a:avLst/>
-          </a:prstGeom>
-          <a:noFill/>
-        </p:spPr>
-        <p:txBody>
-          <a:bodyPr wrap="square" rtlCol="0">
-            <a:spAutoFit/>
-          </a:bodyPr>
-          <a:lstStyle/>
-          <a:p>
-            <a:pPr algn="ctr"/>
-            <a:r>
-              <a:rPr kumimoji="1" lang="en-US" altLang="ko-KR" sz="2800" b="1" dirty="0" smtClean="0">
-                <a:solidFill>
-                  <a:schemeClr val="bg1"/>
-                </a:solidFill>
-              </a:rPr>
-              <a:t>Hotkey</a:t>
-            </a:r>
-            <a:endParaRPr kumimoji="1" lang="ko-KR" altLang="en-US" sz="2800" b="1" dirty="0">
-              <a:solidFill>
-                <a:schemeClr val="bg1"/>
-              </a:solidFill>
-            </a:endParaRPr>
-          </a:p>
-        </p:txBody>
-      </p:sp>
-      <p:sp>
-        <p:nvSpPr>
-          <p:cNvPr id="8" name="텍스트 상자 7"/>
-          <p:cNvSpPr txBox="1"/>
-          <p:nvPr/>
-        </p:nvSpPr>
-        <p:spPr>
-          <a:xfrm>
-            <a:off x="4880349" y="2802338"/>
-            <a:ext cx="2724818" cy="523220"/>
-          </a:xfrm>
-          <a:prstGeom prst="rect">
-            <a:avLst/>
-          </a:prstGeom>
-          <a:noFill/>
-        </p:spPr>
-        <p:txBody>
-          <a:bodyPr wrap="square" rtlCol="0">
-            <a:spAutoFit/>
-          </a:bodyPr>
-          <a:lstStyle/>
-          <a:p>
-            <a:pPr algn="ctr"/>
-            <a:r>
-              <a:rPr kumimoji="1" lang="en-US" altLang="ko-KR" sz="2800" b="1" dirty="0">
-                <a:solidFill>
-                  <a:schemeClr val="bg1"/>
-                </a:solidFill>
-              </a:rPr>
-              <a:t>C</a:t>
-            </a:r>
-            <a:r>
-              <a:rPr kumimoji="1" lang="en-US" altLang="ko-KR" sz="2800" b="1" dirty="0" smtClean="0">
-                <a:solidFill>
-                  <a:schemeClr val="bg1"/>
-                </a:solidFill>
-              </a:rPr>
-              <a:t>alculate</a:t>
-            </a:r>
-            <a:endParaRPr kumimoji="1" lang="ko-KR" altLang="en-US" sz="2800" b="1" dirty="0">
-              <a:solidFill>
-                <a:schemeClr val="bg1"/>
-              </a:solidFill>
-            </a:endParaRPr>
-          </a:p>
-        </p:txBody>
-      </p:sp>
-      <p:sp>
-        <p:nvSpPr>
-          <p:cNvPr id="9" name="텍스트 상자 8"/>
-          <p:cNvSpPr txBox="1"/>
-          <p:nvPr/>
-        </p:nvSpPr>
-        <p:spPr>
-          <a:xfrm>
-            <a:off x="4888091" y="4908019"/>
-            <a:ext cx="2717074" cy="523220"/>
-          </a:xfrm>
-          <a:prstGeom prst="rect">
-            <a:avLst/>
-          </a:prstGeom>
-          <a:noFill/>
-        </p:spPr>
-        <p:txBody>
-          <a:bodyPr wrap="square" rtlCol="0">
-            <a:spAutoFit/>
-          </a:bodyPr>
-          <a:lstStyle/>
-          <a:p>
-            <a:pPr algn="ctr"/>
-            <a:r>
-              <a:rPr kumimoji="1" lang="en-US" altLang="ko-KR" sz="2800" b="1" dirty="0" smtClean="0">
-                <a:solidFill>
-                  <a:schemeClr val="bg1"/>
-                </a:solidFill>
-              </a:rPr>
-              <a:t>And so on </a:t>
-            </a:r>
-            <a:r>
-              <a:rPr kumimoji="1" lang="mr-IN" altLang="ko-KR" sz="2800" b="1" dirty="0" smtClean="0">
-                <a:solidFill>
-                  <a:schemeClr val="bg1"/>
-                </a:solidFill>
-              </a:rPr>
-              <a:t>…</a:t>
-            </a:r>
-            <a:endParaRPr kumimoji="1" lang="ko-KR" altLang="en-US" sz="2800" b="1" dirty="0">
-              <a:solidFill>
-                <a:schemeClr val="bg1"/>
-              </a:solidFill>
-            </a:endParaRPr>
-          </a:p>
-        </p:txBody>
-      </p:sp>
-      <p:sp>
-        <p:nvSpPr>
-          <p:cNvPr id="10" name="텍스트 상자 9"/>
-          <p:cNvSpPr txBox="1"/>
-          <p:nvPr/>
-        </p:nvSpPr>
-        <p:spPr>
-          <a:xfrm>
-            <a:off x="4880348" y="3325558"/>
-            <a:ext cx="2724817" cy="523220"/>
-          </a:xfrm>
-          <a:prstGeom prst="rect">
-            <a:avLst/>
-          </a:prstGeom>
-          <a:noFill/>
-        </p:spPr>
-        <p:txBody>
-          <a:bodyPr wrap="square" rtlCol="0">
-            <a:spAutoFit/>
-          </a:bodyPr>
-          <a:lstStyle/>
-          <a:p>
-            <a:pPr algn="ctr"/>
-            <a:r>
-              <a:rPr kumimoji="1" lang="en-US" altLang="ko-KR" sz="2800" b="1" dirty="0" smtClean="0">
-                <a:solidFill>
-                  <a:schemeClr val="bg1"/>
-                </a:solidFill>
-              </a:rPr>
-              <a:t>Menu bar</a:t>
-            </a:r>
-            <a:endParaRPr kumimoji="1" lang="ko-KR" altLang="en-US" sz="2800" b="1" dirty="0">
-              <a:solidFill>
-                <a:schemeClr val="bg1"/>
-              </a:solidFill>
-            </a:endParaRPr>
-          </a:p>
-        </p:txBody>
-      </p:sp>
-      <p:sp>
-        <p:nvSpPr>
-          <p:cNvPr id="11" name="텍스트 상자 10"/>
-          <p:cNvSpPr txBox="1"/>
-          <p:nvPr/>
-        </p:nvSpPr>
-        <p:spPr>
-          <a:xfrm>
-            <a:off x="4888090" y="4365869"/>
-            <a:ext cx="2717075" cy="523220"/>
-          </a:xfrm>
-          <a:prstGeom prst="rect">
-            <a:avLst/>
-          </a:prstGeom>
-          <a:noFill/>
-        </p:spPr>
-        <p:txBody>
-          <a:bodyPr wrap="square" rtlCol="0">
-            <a:spAutoFit/>
-          </a:bodyPr>
-          <a:lstStyle/>
-          <a:p>
-            <a:pPr algn="ctr"/>
-            <a:r>
-              <a:rPr kumimoji="1" lang="en-US" altLang="ko-KR" sz="2800" b="1" smtClean="0">
-                <a:solidFill>
-                  <a:schemeClr val="bg1"/>
-                </a:solidFill>
-              </a:rPr>
-              <a:t>Design</a:t>
-            </a:r>
-            <a:endParaRPr kumimoji="1" lang="ko-KR" altLang="en-US" sz="2800" b="1" dirty="0">
-              <a:solidFill>
-                <a:schemeClr val="bg1"/>
+                <a:schemeClr val="tx1">
+                  <a:lumMod val="50000"/>
+                  <a:lumOff val="50000"/>
+                </a:schemeClr>
               </a:solidFill>
             </a:endParaRPr>
           </a:p>
@@ -6715,7 +7509,7 @@
     </p:spTree>
     <p:extLst>
       <p:ext uri="{BB962C8B-B14F-4D97-AF65-F5344CB8AC3E}">
-        <p14:creationId xmlns:p14="http://schemas.microsoft.com/office/powerpoint/2010/main" val="2079531994"/>
+        <p14:creationId xmlns:p14="http://schemas.microsoft.com/office/powerpoint/2010/main" val="958938446"/>
       </p:ext>
     </p:extLst>
   </p:cSld>

--- a/The Others/Final.pptx
+++ b/The Others/Final.pptx
@@ -23,7 +23,8 @@
     <p:sldId id="279" r:id="rId17"/>
     <p:sldId id="284" r:id="rId18"/>
     <p:sldId id="283" r:id="rId19"/>
-    <p:sldId id="270" r:id="rId20"/>
+    <p:sldId id="285" r:id="rId20"/>
+    <p:sldId id="270" r:id="rId21"/>
   </p:sldIdLst>
   <p:sldSz cx="12192000" cy="6858000"/>
   <p:notesSz cx="6858000" cy="9144000"/>
@@ -261,7 +262,7 @@
           <a:p>
             <a:fld id="{5C71E54C-ED4D-47AA-B168-413B47685FAA}" type="datetimeFigureOut">
               <a:rPr lang="ko-KR" altLang="en-US" smtClean="0"/>
-              <a:t>2016. 12. 20.</a:t>
+              <a:t>2016. 12. 21.</a:t>
             </a:fld>
             <a:endParaRPr lang="ko-KR" altLang="en-US"/>
           </a:p>
@@ -431,7 +432,7 @@
           <a:p>
             <a:fld id="{5C71E54C-ED4D-47AA-B168-413B47685FAA}" type="datetimeFigureOut">
               <a:rPr lang="ko-KR" altLang="en-US" smtClean="0"/>
-              <a:t>2016. 12. 20.</a:t>
+              <a:t>2016. 12. 21.</a:t>
             </a:fld>
             <a:endParaRPr lang="ko-KR" altLang="en-US"/>
           </a:p>
@@ -611,7 +612,7 @@
           <a:p>
             <a:fld id="{5C71E54C-ED4D-47AA-B168-413B47685FAA}" type="datetimeFigureOut">
               <a:rPr lang="ko-KR" altLang="en-US" smtClean="0"/>
-              <a:t>2016. 12. 20.</a:t>
+              <a:t>2016. 12. 21.</a:t>
             </a:fld>
             <a:endParaRPr lang="ko-KR" altLang="en-US"/>
           </a:p>
@@ -781,7 +782,7 @@
           <a:p>
             <a:fld id="{5C71E54C-ED4D-47AA-B168-413B47685FAA}" type="datetimeFigureOut">
               <a:rPr lang="ko-KR" altLang="en-US" smtClean="0"/>
-              <a:t>2016. 12. 20.</a:t>
+              <a:t>2016. 12. 21.</a:t>
             </a:fld>
             <a:endParaRPr lang="ko-KR" altLang="en-US"/>
           </a:p>
@@ -1034,7 +1035,7 @@
           <a:p>
             <a:fld id="{5C71E54C-ED4D-47AA-B168-413B47685FAA}" type="datetimeFigureOut">
               <a:rPr lang="ko-KR" altLang="en-US" smtClean="0"/>
-              <a:t>2016. 12. 20.</a:t>
+              <a:t>2016. 12. 21.</a:t>
             </a:fld>
             <a:endParaRPr lang="ko-KR" altLang="en-US"/>
           </a:p>
@@ -1266,7 +1267,7 @@
           <a:p>
             <a:fld id="{5C71E54C-ED4D-47AA-B168-413B47685FAA}" type="datetimeFigureOut">
               <a:rPr lang="ko-KR" altLang="en-US" smtClean="0"/>
-              <a:t>2016. 12. 20.</a:t>
+              <a:t>2016. 12. 21.</a:t>
             </a:fld>
             <a:endParaRPr lang="ko-KR" altLang="en-US"/>
           </a:p>
@@ -1633,7 +1634,7 @@
           <a:p>
             <a:fld id="{5C71E54C-ED4D-47AA-B168-413B47685FAA}" type="datetimeFigureOut">
               <a:rPr lang="ko-KR" altLang="en-US" smtClean="0"/>
-              <a:t>2016. 12. 20.</a:t>
+              <a:t>2016. 12. 21.</a:t>
             </a:fld>
             <a:endParaRPr lang="ko-KR" altLang="en-US"/>
           </a:p>
@@ -1751,7 +1752,7 @@
           <a:p>
             <a:fld id="{5C71E54C-ED4D-47AA-B168-413B47685FAA}" type="datetimeFigureOut">
               <a:rPr lang="ko-KR" altLang="en-US" smtClean="0"/>
-              <a:t>2016. 12. 20.</a:t>
+              <a:t>2016. 12. 21.</a:t>
             </a:fld>
             <a:endParaRPr lang="ko-KR" altLang="en-US"/>
           </a:p>
@@ -1846,7 +1847,7 @@
           <a:p>
             <a:fld id="{5C71E54C-ED4D-47AA-B168-413B47685FAA}" type="datetimeFigureOut">
               <a:rPr lang="ko-KR" altLang="en-US" smtClean="0"/>
-              <a:t>2016. 12. 20.</a:t>
+              <a:t>2016. 12. 21.</a:t>
             </a:fld>
             <a:endParaRPr lang="ko-KR" altLang="en-US"/>
           </a:p>
@@ -2123,7 +2124,7 @@
           <a:p>
             <a:fld id="{5C71E54C-ED4D-47AA-B168-413B47685FAA}" type="datetimeFigureOut">
               <a:rPr lang="ko-KR" altLang="en-US" smtClean="0"/>
-              <a:t>2016. 12. 20.</a:t>
+              <a:t>2016. 12. 21.</a:t>
             </a:fld>
             <a:endParaRPr lang="ko-KR" altLang="en-US"/>
           </a:p>
@@ -2376,7 +2377,7 @@
           <a:p>
             <a:fld id="{5C71E54C-ED4D-47AA-B168-413B47685FAA}" type="datetimeFigureOut">
               <a:rPr lang="ko-KR" altLang="en-US" smtClean="0"/>
-              <a:t>2016. 12. 20.</a:t>
+              <a:t>2016. 12. 21.</a:t>
             </a:fld>
             <a:endParaRPr lang="ko-KR" altLang="en-US"/>
           </a:p>
@@ -2592,7 +2593,7 @@
           <a:p>
             <a:fld id="{5C71E54C-ED4D-47AA-B168-413B47685FAA}" type="datetimeFigureOut">
               <a:rPr lang="ko-KR" altLang="en-US" smtClean="0"/>
-              <a:t>2016. 12. 20.</a:t>
+              <a:t>2016. 12. 21.</a:t>
             </a:fld>
             <a:endParaRPr lang="ko-KR" altLang="en-US"/>
           </a:p>
@@ -3436,15 +3437,7 @@
                   <a:schemeClr val="accent2"/>
                 </a:solidFill>
               </a:rPr>
-              <a:t>100</a:t>
-            </a:r>
-            <a:r>
-              <a:rPr kumimoji="1" lang="en-US" altLang="ko-KR" sz="3600" b="1" smtClean="0">
-                <a:solidFill>
-                  <a:schemeClr val="accent2"/>
-                </a:solidFill>
-              </a:rPr>
-              <a:t>%</a:t>
+              <a:t>100%</a:t>
             </a:r>
             <a:endParaRPr kumimoji="1" lang="ko-KR" altLang="en-US" sz="3600" b="1" dirty="0">
               <a:solidFill>
@@ -4308,15 +4301,7 @@
                   <a:schemeClr val="accent2"/>
                 </a:solidFill>
               </a:rPr>
-              <a:t> -  </a:t>
-            </a:r>
-            <a:r>
-              <a:rPr kumimoji="1" lang="en-US" altLang="ko-KR" sz="4400" b="1" dirty="0" smtClean="0">
-                <a:solidFill>
-                  <a:schemeClr val="accent2"/>
-                </a:solidFill>
-              </a:rPr>
-              <a:t>ISSUE</a:t>
+              <a:t> -  ISSUE</a:t>
             </a:r>
             <a:endParaRPr kumimoji="1" lang="ko-KR" altLang="en-US" sz="4400" b="1" dirty="0">
               <a:solidFill>
@@ -4943,44 +4928,6 @@
           <a:chExt cx="0" cy="0"/>
         </a:xfrm>
       </p:grpSpPr>
-      <p:sp>
-        <p:nvSpPr>
-          <p:cNvPr id="4" name="텍스트 상자 4"/>
-          <p:cNvSpPr txBox="1"/>
-          <p:nvPr/>
-        </p:nvSpPr>
-        <p:spPr>
-          <a:xfrm>
-            <a:off x="674915" y="598715"/>
-            <a:ext cx="5691380" cy="769441"/>
-          </a:xfrm>
-          <a:prstGeom prst="rect">
-            <a:avLst/>
-          </a:prstGeom>
-          <a:noFill/>
-        </p:spPr>
-        <p:txBody>
-          <a:bodyPr wrap="square" rtlCol="0">
-            <a:spAutoFit/>
-          </a:bodyPr>
-          <a:lstStyle/>
-          <a:p>
-            <a:r>
-              <a:rPr kumimoji="1" lang="en-US" altLang="ko-KR" sz="4400" b="1" dirty="0" smtClean="0">
-                <a:solidFill>
-                  <a:schemeClr val="accent2"/>
-                </a:solidFill>
-              </a:rPr>
-              <a:t>Review</a:t>
-            </a:r>
-            <a:endParaRPr kumimoji="1" lang="ko-KR" altLang="en-US" sz="4400" b="1" dirty="0">
-              <a:solidFill>
-                <a:schemeClr val="accent2"/>
-              </a:solidFill>
-            </a:endParaRPr>
-          </a:p>
-        </p:txBody>
-      </p:sp>
       <p:pic>
         <p:nvPicPr>
           <p:cNvPr id="6" name="그림 5"/>
@@ -5041,6 +4988,76 @@
           </a:prstGeom>
         </p:spPr>
       </p:pic>
+      <p:sp>
+        <p:nvSpPr>
+          <p:cNvPr id="5" name="텍스트 상자 4"/>
+          <p:cNvSpPr txBox="1"/>
+          <p:nvPr/>
+        </p:nvSpPr>
+        <p:spPr>
+          <a:xfrm>
+            <a:off x="674914" y="598715"/>
+            <a:ext cx="7131353" cy="769441"/>
+          </a:xfrm>
+          <a:prstGeom prst="rect">
+            <a:avLst/>
+          </a:prstGeom>
+          <a:noFill/>
+        </p:spPr>
+        <p:txBody>
+          <a:bodyPr wrap="square" rtlCol="0">
+            <a:spAutoFit/>
+          </a:bodyPr>
+          <a:lstStyle/>
+          <a:p>
+            <a:r>
+              <a:rPr kumimoji="1" lang="en-US" altLang="ko-KR" sz="4400" b="1" dirty="0" smtClean="0">
+                <a:solidFill>
+                  <a:schemeClr val="accent2"/>
+                </a:solidFill>
+              </a:rPr>
+              <a:t>Serious</a:t>
+            </a:r>
+            <a:r>
+              <a:rPr kumimoji="1" lang="ko-KR" altLang="en-US" sz="4400" b="1" dirty="0" smtClean="0">
+                <a:solidFill>
+                  <a:schemeClr val="accent2"/>
+                </a:solidFill>
+              </a:rPr>
+              <a:t> </a:t>
+            </a:r>
+            <a:r>
+              <a:rPr kumimoji="1" lang="en-US" altLang="ko-KR" sz="4400" b="1" dirty="0" smtClean="0">
+                <a:solidFill>
+                  <a:schemeClr val="accent2"/>
+                </a:solidFill>
+              </a:rPr>
+              <a:t>–</a:t>
+            </a:r>
+            <a:r>
+              <a:rPr kumimoji="1" lang="ko-KR" altLang="en-US" sz="4400" b="1" dirty="0" smtClean="0">
+                <a:solidFill>
+                  <a:schemeClr val="accent2"/>
+                </a:solidFill>
+              </a:rPr>
+              <a:t> </a:t>
+            </a:r>
+            <a:r>
+              <a:rPr kumimoji="1" lang="en-US" altLang="ko-KR" sz="4400" b="1" dirty="0" smtClean="0">
+                <a:solidFill>
+                  <a:schemeClr val="accent2"/>
+                </a:solidFill>
+              </a:rPr>
+              <a:t>Slack</a:t>
+            </a:r>
+            <a:endParaRPr kumimoji="1" lang="ko-KR" altLang="en-US" sz="4400" b="1" dirty="0">
+              <a:solidFill>
+                <a:schemeClr val="accent2"/>
+              </a:solidFill>
+            </a:endParaRPr>
+          </a:p>
+        </p:txBody>
+      </p:sp>
     </p:spTree>
     <p:extLst>
       <p:ext uri="{BB962C8B-B14F-4D97-AF65-F5344CB8AC3E}">
@@ -5080,66 +5097,14 @@
       </p:grpSpPr>
       <p:sp>
         <p:nvSpPr>
-          <p:cNvPr id="6" name="타원 5"/>
-          <p:cNvSpPr/>
-          <p:nvPr/>
-        </p:nvSpPr>
-        <p:spPr>
-          <a:xfrm>
-            <a:off x="3173632" y="500741"/>
-            <a:ext cx="5856514" cy="5856514"/>
-          </a:xfrm>
-          <a:prstGeom prst="ellipse">
-            <a:avLst/>
-          </a:prstGeom>
-          <a:solidFill>
-            <a:schemeClr val="bg1"/>
-          </a:solidFill>
-          <a:ln>
-            <a:solidFill>
-              <a:schemeClr val="accent2"/>
-            </a:solidFill>
-          </a:ln>
-        </p:spPr>
-        <p:style>
-          <a:lnRef idx="2">
-            <a:schemeClr val="accent1">
-              <a:shade val="50000"/>
-            </a:schemeClr>
-          </a:lnRef>
-          <a:fillRef idx="1">
-            <a:schemeClr val="accent1"/>
-          </a:fillRef>
-          <a:effectRef idx="0">
-            <a:schemeClr val="accent1"/>
-          </a:effectRef>
-          <a:fontRef idx="minor">
-            <a:schemeClr val="lt1"/>
-          </a:fontRef>
-        </p:style>
-        <p:txBody>
-          <a:bodyPr rtlCol="0" anchor="ctr"/>
-          <a:lstStyle/>
-          <a:p>
-            <a:pPr algn="ctr"/>
-            <a:endParaRPr kumimoji="1" lang="ko-KR" altLang="en-US" dirty="0">
-              <a:solidFill>
-                <a:schemeClr val="accent2"/>
-              </a:solidFill>
-            </a:endParaRPr>
-          </a:p>
-        </p:txBody>
-      </p:sp>
-      <p:sp>
-        <p:nvSpPr>
-          <p:cNvPr id="5" name="텍스트 상자 5"/>
+          <p:cNvPr id="4" name="텍스트 상자 4"/>
           <p:cNvSpPr txBox="1"/>
           <p:nvPr/>
         </p:nvSpPr>
         <p:spPr>
           <a:xfrm>
-            <a:off x="4372934" y="3042238"/>
-            <a:ext cx="3517870" cy="769441"/>
+            <a:off x="4557367" y="3072092"/>
+            <a:ext cx="3072627" cy="769441"/>
           </a:xfrm>
           <a:prstGeom prst="rect">
             <a:avLst/>
@@ -5158,7 +5123,7 @@
                   <a:schemeClr val="accent2"/>
                 </a:solidFill>
               </a:rPr>
-              <a:t>THANK YOU!</a:t>
+              <a:t>FEEDBACK</a:t>
             </a:r>
             <a:endParaRPr kumimoji="1" lang="ko-KR" altLang="en-US" sz="4400" b="1" dirty="0">
               <a:solidFill>
@@ -5171,20 +5136,13 @@
     </p:spTree>
     <p:extLst>
       <p:ext uri="{BB962C8B-B14F-4D97-AF65-F5344CB8AC3E}">
-        <p14:creationId xmlns:p14="http://schemas.microsoft.com/office/powerpoint/2010/main" val="1776925783"/>
+        <p14:creationId xmlns:p14="http://schemas.microsoft.com/office/powerpoint/2010/main" val="566950600"/>
       </p:ext>
     </p:extLst>
   </p:cSld>
   <p:clrMapOvr>
     <a:masterClrMapping/>
   </p:clrMapOvr>
-  <p:timing>
-    <p:tnLst>
-      <p:par>
-        <p:cTn id="1" dur="indefinite" restart="never" nodeType="tmRoot"/>
-      </p:par>
-    </p:tnLst>
-  </p:timing>
 </p:sld>
 </file>
 
@@ -5587,7 +5545,7 @@
                   <a:schemeClr val="accent2"/>
                 </a:solidFill>
               </a:rPr>
-              <a:t>Review</a:t>
+              <a:t>Others</a:t>
             </a:r>
             <a:endParaRPr kumimoji="1" lang="ko-KR" altLang="en-US" sz="2400" b="1" dirty="0">
               <a:solidFill>
@@ -5601,6 +5559,133 @@
     <p:extLst>
       <p:ext uri="{BB962C8B-B14F-4D97-AF65-F5344CB8AC3E}">
         <p14:creationId xmlns:p14="http://schemas.microsoft.com/office/powerpoint/2010/main" val="559115459"/>
+      </p:ext>
+    </p:extLst>
+  </p:cSld>
+  <p:clrMapOvr>
+    <a:masterClrMapping/>
+  </p:clrMapOvr>
+  <p:timing>
+    <p:tnLst>
+      <p:par>
+        <p:cTn id="1" dur="indefinite" restart="never" nodeType="tmRoot"/>
+      </p:par>
+    </p:tnLst>
+  </p:timing>
+</p:sld>
+</file>
+
+<file path=ppt/slides/slide20.xml><?xml version="1.0" encoding="utf-8"?>
+<p:sld xmlns:a="http://schemas.openxmlformats.org/drawingml/2006/main" xmlns:r="http://schemas.openxmlformats.org/officeDocument/2006/relationships" xmlns:p="http://schemas.openxmlformats.org/presentationml/2006/main">
+  <p:cSld>
+    <p:spTree>
+      <p:nvGrpSpPr>
+        <p:cNvPr id="1" name=""/>
+        <p:cNvGrpSpPr/>
+        <p:nvPr/>
+      </p:nvGrpSpPr>
+      <p:grpSpPr>
+        <a:xfrm>
+          <a:off x="0" y="0"/>
+          <a:ext cx="0" cy="0"/>
+          <a:chOff x="0" y="0"/>
+          <a:chExt cx="0" cy="0"/>
+        </a:xfrm>
+      </p:grpSpPr>
+      <p:sp>
+        <p:nvSpPr>
+          <p:cNvPr id="6" name="타원 5"/>
+          <p:cNvSpPr/>
+          <p:nvPr/>
+        </p:nvSpPr>
+        <p:spPr>
+          <a:xfrm>
+            <a:off x="3173632" y="500741"/>
+            <a:ext cx="5856514" cy="5856514"/>
+          </a:xfrm>
+          <a:prstGeom prst="ellipse">
+            <a:avLst/>
+          </a:prstGeom>
+          <a:solidFill>
+            <a:schemeClr val="bg1"/>
+          </a:solidFill>
+          <a:ln>
+            <a:solidFill>
+              <a:schemeClr val="accent2"/>
+            </a:solidFill>
+          </a:ln>
+        </p:spPr>
+        <p:style>
+          <a:lnRef idx="2">
+            <a:schemeClr val="accent1">
+              <a:shade val="50000"/>
+            </a:schemeClr>
+          </a:lnRef>
+          <a:fillRef idx="1">
+            <a:schemeClr val="accent1"/>
+          </a:fillRef>
+          <a:effectRef idx="0">
+            <a:schemeClr val="accent1"/>
+          </a:effectRef>
+          <a:fontRef idx="minor">
+            <a:schemeClr val="lt1"/>
+          </a:fontRef>
+        </p:style>
+        <p:txBody>
+          <a:bodyPr rtlCol="0" anchor="ctr"/>
+          <a:lstStyle/>
+          <a:p>
+            <a:pPr algn="ctr"/>
+            <a:endParaRPr kumimoji="1" lang="ko-KR" altLang="en-US" dirty="0">
+              <a:solidFill>
+                <a:schemeClr val="accent2"/>
+              </a:solidFill>
+            </a:endParaRPr>
+          </a:p>
+        </p:txBody>
+      </p:sp>
+      <p:sp>
+        <p:nvSpPr>
+          <p:cNvPr id="5" name="텍스트 상자 5"/>
+          <p:cNvSpPr txBox="1"/>
+          <p:nvPr/>
+        </p:nvSpPr>
+        <p:spPr>
+          <a:xfrm>
+            <a:off x="4372934" y="3042238"/>
+            <a:ext cx="3517870" cy="769441"/>
+          </a:xfrm>
+          <a:prstGeom prst="rect">
+            <a:avLst/>
+          </a:prstGeom>
+          <a:noFill/>
+        </p:spPr>
+        <p:txBody>
+          <a:bodyPr wrap="square" rtlCol="0">
+            <a:spAutoFit/>
+          </a:bodyPr>
+          <a:lstStyle/>
+          <a:p>
+            <a:r>
+              <a:rPr kumimoji="1" lang="en-US" altLang="ko-KR" sz="4400" b="1" smtClean="0">
+                <a:solidFill>
+                  <a:schemeClr val="accent2"/>
+                </a:solidFill>
+              </a:rPr>
+              <a:t>THANK YOU!</a:t>
+            </a:r>
+            <a:endParaRPr kumimoji="1" lang="ko-KR" altLang="en-US" sz="4400" b="1" dirty="0">
+              <a:solidFill>
+                <a:schemeClr val="accent2"/>
+              </a:solidFill>
+            </a:endParaRPr>
+          </a:p>
+        </p:txBody>
+      </p:sp>
+    </p:spTree>
+    <p:extLst>
+      <p:ext uri="{BB962C8B-B14F-4D97-AF65-F5344CB8AC3E}">
+        <p14:creationId xmlns:p14="http://schemas.microsoft.com/office/powerpoint/2010/main" val="1776925783"/>
       </p:ext>
     </p:extLst>
   </p:cSld>
